--- a/Project 3/CS 4850 Final Project.pptx
+++ b/Project 3/CS 4850 Final Project.pptx
@@ -8,7 +8,13 @@
     <p:sldId id="256" r:id="rId2"/>
     <p:sldId id="257" r:id="rId3"/>
     <p:sldId id="258" r:id="rId4"/>
-    <p:sldId id="259" r:id="rId5"/>
+    <p:sldId id="262" r:id="rId5"/>
+    <p:sldId id="260" r:id="rId6"/>
+    <p:sldId id="265" r:id="rId7"/>
+    <p:sldId id="259" r:id="rId8"/>
+    <p:sldId id="263" r:id="rId9"/>
+    <p:sldId id="266" r:id="rId10"/>
+    <p:sldId id="264" r:id="rId11"/>
   </p:sldIdLst>
   <p:sldSz cx="12192000" cy="6858000"/>
   <p:notesSz cx="6858000" cy="9144000"/>
@@ -115,6 +121,2813 @@
 </p:presentation>
 </file>
 
+<file path=ppt/diagrams/colors1.xml><?xml version="1.0" encoding="utf-8"?>
+<dgm:colorsDef xmlns:dgm="http://schemas.openxmlformats.org/drawingml/2006/diagram" xmlns:a="http://schemas.openxmlformats.org/drawingml/2006/main" uniqueId="urn:microsoft.com/office/officeart/2005/8/colors/colorful2">
+  <dgm:title val=""/>
+  <dgm:desc val=""/>
+  <dgm:catLst>
+    <dgm:cat type="colorful" pri="10200"/>
+  </dgm:catLst>
+  <dgm:styleLbl name="node0">
+    <dgm:fillClrLst meth="repeat">
+      <a:schemeClr val="accent1"/>
+    </dgm:fillClrLst>
+    <dgm:linClrLst meth="repeat">
+      <a:schemeClr val="lt1"/>
+    </dgm:linClrLst>
+    <dgm:effectClrLst/>
+    <dgm:txLinClrLst/>
+    <dgm:txFillClrLst/>
+    <dgm:txEffectClrLst/>
+  </dgm:styleLbl>
+  <dgm:styleLbl name="node1">
+    <dgm:fillClrLst>
+      <a:schemeClr val="accent2"/>
+      <a:schemeClr val="accent3"/>
+    </dgm:fillClrLst>
+    <dgm:linClrLst meth="repeat">
+      <a:schemeClr val="lt1"/>
+    </dgm:linClrLst>
+    <dgm:effectClrLst/>
+    <dgm:txLinClrLst/>
+    <dgm:txFillClrLst/>
+    <dgm:txEffectClrLst/>
+  </dgm:styleLbl>
+  <dgm:styleLbl name="alignNode1">
+    <dgm:fillClrLst>
+      <a:schemeClr val="accent2"/>
+      <a:schemeClr val="accent3"/>
+    </dgm:fillClrLst>
+    <dgm:linClrLst>
+      <a:schemeClr val="accent2"/>
+      <a:schemeClr val="accent3"/>
+    </dgm:linClrLst>
+    <dgm:effectClrLst/>
+    <dgm:txLinClrLst/>
+    <dgm:txFillClrLst/>
+    <dgm:txEffectClrLst/>
+  </dgm:styleLbl>
+  <dgm:styleLbl name="lnNode1">
+    <dgm:fillClrLst>
+      <a:schemeClr val="accent2"/>
+      <a:schemeClr val="accent3"/>
+    </dgm:fillClrLst>
+    <dgm:linClrLst meth="repeat">
+      <a:schemeClr val="lt1"/>
+    </dgm:linClrLst>
+    <dgm:effectClrLst/>
+    <dgm:txLinClrLst/>
+    <dgm:txFillClrLst/>
+    <dgm:txEffectClrLst/>
+  </dgm:styleLbl>
+  <dgm:styleLbl name="vennNode1">
+    <dgm:fillClrLst>
+      <a:schemeClr val="accent2">
+        <a:alpha val="50000"/>
+      </a:schemeClr>
+      <a:schemeClr val="accent3">
+        <a:alpha val="50000"/>
+      </a:schemeClr>
+    </dgm:fillClrLst>
+    <dgm:linClrLst meth="repeat">
+      <a:schemeClr val="lt1"/>
+    </dgm:linClrLst>
+    <dgm:effectClrLst/>
+    <dgm:txLinClrLst/>
+    <dgm:txFillClrLst/>
+    <dgm:txEffectClrLst/>
+  </dgm:styleLbl>
+  <dgm:styleLbl name="node2">
+    <dgm:fillClrLst>
+      <a:schemeClr val="accent3"/>
+    </dgm:fillClrLst>
+    <dgm:linClrLst meth="repeat">
+      <a:schemeClr val="lt1"/>
+    </dgm:linClrLst>
+    <dgm:effectClrLst/>
+    <dgm:txLinClrLst/>
+    <dgm:txFillClrLst/>
+    <dgm:txEffectClrLst/>
+  </dgm:styleLbl>
+  <dgm:styleLbl name="node3">
+    <dgm:fillClrLst>
+      <a:schemeClr val="accent4"/>
+    </dgm:fillClrLst>
+    <dgm:linClrLst meth="repeat">
+      <a:schemeClr val="lt1"/>
+    </dgm:linClrLst>
+    <dgm:effectClrLst/>
+    <dgm:txLinClrLst/>
+    <dgm:txFillClrLst/>
+    <dgm:txEffectClrLst/>
+  </dgm:styleLbl>
+  <dgm:styleLbl name="node4">
+    <dgm:fillClrLst>
+      <a:schemeClr val="accent5"/>
+    </dgm:fillClrLst>
+    <dgm:linClrLst meth="repeat">
+      <a:schemeClr val="lt1"/>
+    </dgm:linClrLst>
+    <dgm:effectClrLst/>
+    <dgm:txLinClrLst/>
+    <dgm:txFillClrLst/>
+    <dgm:txEffectClrLst/>
+  </dgm:styleLbl>
+  <dgm:styleLbl name="fgImgPlace1">
+    <dgm:fillClrLst>
+      <a:schemeClr val="accent2">
+        <a:tint val="50000"/>
+      </a:schemeClr>
+      <a:schemeClr val="accent3">
+        <a:tint val="50000"/>
+      </a:schemeClr>
+    </dgm:fillClrLst>
+    <dgm:linClrLst meth="repeat">
+      <a:schemeClr val="lt1"/>
+    </dgm:linClrLst>
+    <dgm:effectClrLst/>
+    <dgm:txLinClrLst/>
+    <dgm:txFillClrLst meth="repeat">
+      <a:schemeClr val="lt1"/>
+    </dgm:txFillClrLst>
+    <dgm:txEffectClrLst/>
+  </dgm:styleLbl>
+  <dgm:styleLbl name="alignImgPlace1">
+    <dgm:fillClrLst>
+      <a:schemeClr val="accent2">
+        <a:tint val="50000"/>
+      </a:schemeClr>
+      <a:schemeClr val="accent3">
+        <a:tint val="20000"/>
+      </a:schemeClr>
+    </dgm:fillClrLst>
+    <dgm:linClrLst meth="repeat">
+      <a:schemeClr val="lt1"/>
+    </dgm:linClrLst>
+    <dgm:effectClrLst/>
+    <dgm:txLinClrLst/>
+    <dgm:txFillClrLst meth="repeat">
+      <a:schemeClr val="lt1"/>
+    </dgm:txFillClrLst>
+    <dgm:txEffectClrLst/>
+  </dgm:styleLbl>
+  <dgm:styleLbl name="bgImgPlace1">
+    <dgm:fillClrLst>
+      <a:schemeClr val="accent2">
+        <a:tint val="50000"/>
+      </a:schemeClr>
+      <a:schemeClr val="accent3">
+        <a:tint val="20000"/>
+      </a:schemeClr>
+    </dgm:fillClrLst>
+    <dgm:linClrLst meth="repeat">
+      <a:schemeClr val="lt1"/>
+    </dgm:linClrLst>
+    <dgm:effectClrLst/>
+    <dgm:txLinClrLst/>
+    <dgm:txFillClrLst meth="repeat">
+      <a:schemeClr val="lt1"/>
+    </dgm:txFillClrLst>
+    <dgm:txEffectClrLst/>
+  </dgm:styleLbl>
+  <dgm:styleLbl name="sibTrans2D1">
+    <dgm:fillClrLst>
+      <a:schemeClr val="accent2"/>
+      <a:schemeClr val="accent3"/>
+    </dgm:fillClrLst>
+    <dgm:linClrLst meth="repeat">
+      <a:schemeClr val="lt1"/>
+    </dgm:linClrLst>
+    <dgm:effectClrLst/>
+    <dgm:txLinClrLst/>
+    <dgm:txFillClrLst/>
+    <dgm:txEffectClrLst/>
+  </dgm:styleLbl>
+  <dgm:styleLbl name="fgSibTrans2D1">
+    <dgm:fillClrLst>
+      <a:schemeClr val="accent2"/>
+      <a:schemeClr val="accent3"/>
+    </dgm:fillClrLst>
+    <dgm:linClrLst meth="repeat">
+      <a:schemeClr val="lt1"/>
+    </dgm:linClrLst>
+    <dgm:effectClrLst/>
+    <dgm:txLinClrLst/>
+    <dgm:txFillClrLst meth="repeat">
+      <a:schemeClr val="lt1"/>
+    </dgm:txFillClrLst>
+    <dgm:txEffectClrLst/>
+  </dgm:styleLbl>
+  <dgm:styleLbl name="bgSibTrans2D1">
+    <dgm:fillClrLst>
+      <a:schemeClr val="accent2"/>
+      <a:schemeClr val="accent3"/>
+    </dgm:fillClrLst>
+    <dgm:linClrLst meth="repeat">
+      <a:schemeClr val="lt1"/>
+    </dgm:linClrLst>
+    <dgm:effectClrLst/>
+    <dgm:txLinClrLst/>
+    <dgm:txFillClrLst meth="repeat">
+      <a:schemeClr val="lt1"/>
+    </dgm:txFillClrLst>
+    <dgm:txEffectClrLst/>
+  </dgm:styleLbl>
+  <dgm:styleLbl name="sibTrans1D1">
+    <dgm:fillClrLst/>
+    <dgm:linClrLst>
+      <a:schemeClr val="accent2"/>
+      <a:schemeClr val="accent3"/>
+    </dgm:linClrLst>
+    <dgm:effectClrLst/>
+    <dgm:txLinClrLst/>
+    <dgm:txFillClrLst meth="repeat">
+      <a:schemeClr val="tx1"/>
+    </dgm:txFillClrLst>
+    <dgm:txEffectClrLst/>
+  </dgm:styleLbl>
+  <dgm:styleLbl name="callout">
+    <dgm:fillClrLst meth="repeat">
+      <a:schemeClr val="accent2"/>
+    </dgm:fillClrLst>
+    <dgm:linClrLst meth="repeat">
+      <a:schemeClr val="accent2">
+        <a:tint val="50000"/>
+      </a:schemeClr>
+    </dgm:linClrLst>
+    <dgm:effectClrLst/>
+    <dgm:txLinClrLst/>
+    <dgm:txFillClrLst meth="repeat">
+      <a:schemeClr val="tx1"/>
+    </dgm:txFillClrLst>
+    <dgm:txEffectClrLst/>
+  </dgm:styleLbl>
+  <dgm:styleLbl name="asst0">
+    <dgm:fillClrLst meth="repeat">
+      <a:schemeClr val="accent2"/>
+    </dgm:fillClrLst>
+    <dgm:linClrLst meth="repeat">
+      <a:schemeClr val="lt1">
+        <a:shade val="80000"/>
+      </a:schemeClr>
+    </dgm:linClrLst>
+    <dgm:effectClrLst/>
+    <dgm:txLinClrLst/>
+    <dgm:txFillClrLst/>
+    <dgm:txEffectClrLst/>
+  </dgm:styleLbl>
+  <dgm:styleLbl name="asst1">
+    <dgm:fillClrLst meth="repeat">
+      <a:schemeClr val="accent3"/>
+    </dgm:fillClrLst>
+    <dgm:linClrLst meth="repeat">
+      <a:schemeClr val="lt1">
+        <a:shade val="80000"/>
+      </a:schemeClr>
+    </dgm:linClrLst>
+    <dgm:effectClrLst/>
+    <dgm:txLinClrLst/>
+    <dgm:txFillClrLst/>
+    <dgm:txEffectClrLst/>
+  </dgm:styleLbl>
+  <dgm:styleLbl name="asst2">
+    <dgm:fillClrLst>
+      <a:schemeClr val="accent4"/>
+    </dgm:fillClrLst>
+    <dgm:linClrLst meth="repeat">
+      <a:schemeClr val="lt1"/>
+    </dgm:linClrLst>
+    <dgm:effectClrLst/>
+    <dgm:txLinClrLst/>
+    <dgm:txFillClrLst/>
+    <dgm:txEffectClrLst/>
+  </dgm:styleLbl>
+  <dgm:styleLbl name="asst3">
+    <dgm:fillClrLst>
+      <a:schemeClr val="accent5"/>
+    </dgm:fillClrLst>
+    <dgm:linClrLst meth="repeat">
+      <a:schemeClr val="lt1"/>
+    </dgm:linClrLst>
+    <dgm:effectClrLst/>
+    <dgm:txLinClrLst/>
+    <dgm:txFillClrLst/>
+    <dgm:txEffectClrLst/>
+  </dgm:styleLbl>
+  <dgm:styleLbl name="asst4">
+    <dgm:fillClrLst>
+      <a:schemeClr val="accent6"/>
+    </dgm:fillClrLst>
+    <dgm:linClrLst meth="repeat">
+      <a:schemeClr val="lt1"/>
+    </dgm:linClrLst>
+    <dgm:effectClrLst/>
+    <dgm:txLinClrLst/>
+    <dgm:txFillClrLst/>
+    <dgm:txEffectClrLst/>
+  </dgm:styleLbl>
+  <dgm:styleLbl name="parChTrans2D1">
+    <dgm:fillClrLst meth="repeat">
+      <a:schemeClr val="accent2"/>
+    </dgm:fillClrLst>
+    <dgm:linClrLst meth="repeat">
+      <a:schemeClr val="lt1"/>
+    </dgm:linClrLst>
+    <dgm:effectClrLst/>
+    <dgm:txLinClrLst/>
+    <dgm:txFillClrLst meth="repeat">
+      <a:schemeClr val="lt1"/>
+    </dgm:txFillClrLst>
+    <dgm:txEffectClrLst/>
+  </dgm:styleLbl>
+  <dgm:styleLbl name="parChTrans2D2">
+    <dgm:fillClrLst meth="repeat">
+      <a:schemeClr val="accent3"/>
+    </dgm:fillClrLst>
+    <dgm:linClrLst meth="repeat">
+      <a:schemeClr val="lt1"/>
+    </dgm:linClrLst>
+    <dgm:effectClrLst/>
+    <dgm:txLinClrLst/>
+    <dgm:txFillClrLst/>
+    <dgm:txEffectClrLst/>
+  </dgm:styleLbl>
+  <dgm:styleLbl name="parChTrans2D3">
+    <dgm:fillClrLst meth="repeat">
+      <a:schemeClr val="accent4"/>
+    </dgm:fillClrLst>
+    <dgm:linClrLst meth="repeat">
+      <a:schemeClr val="lt1"/>
+    </dgm:linClrLst>
+    <dgm:effectClrLst/>
+    <dgm:txLinClrLst/>
+    <dgm:txFillClrLst/>
+    <dgm:txEffectClrLst/>
+  </dgm:styleLbl>
+  <dgm:styleLbl name="parChTrans2D4">
+    <dgm:fillClrLst meth="repeat">
+      <a:schemeClr val="accent5"/>
+    </dgm:fillClrLst>
+    <dgm:linClrLst meth="repeat">
+      <a:schemeClr val="lt1"/>
+    </dgm:linClrLst>
+    <dgm:effectClrLst/>
+    <dgm:txLinClrLst/>
+    <dgm:txFillClrLst meth="repeat">
+      <a:schemeClr val="lt1"/>
+    </dgm:txFillClrLst>
+    <dgm:txEffectClrLst/>
+  </dgm:styleLbl>
+  <dgm:styleLbl name="parChTrans1D1">
+    <dgm:fillClrLst meth="repeat">
+      <a:schemeClr val="accent2"/>
+    </dgm:fillClrLst>
+    <dgm:linClrLst meth="repeat">
+      <a:schemeClr val="accent2"/>
+    </dgm:linClrLst>
+    <dgm:effectClrLst/>
+    <dgm:txLinClrLst/>
+    <dgm:txFillClrLst meth="repeat">
+      <a:schemeClr val="tx1"/>
+    </dgm:txFillClrLst>
+    <dgm:txEffectClrLst/>
+  </dgm:styleLbl>
+  <dgm:styleLbl name="parChTrans1D2">
+    <dgm:fillClrLst meth="repeat">
+      <a:schemeClr val="accent2">
+        <a:tint val="90000"/>
+      </a:schemeClr>
+    </dgm:fillClrLst>
+    <dgm:linClrLst meth="repeat">
+      <a:schemeClr val="accent3"/>
+    </dgm:linClrLst>
+    <dgm:effectClrLst/>
+    <dgm:txLinClrLst/>
+    <dgm:txFillClrLst meth="repeat">
+      <a:schemeClr val="tx1"/>
+    </dgm:txFillClrLst>
+    <dgm:txEffectClrLst/>
+  </dgm:styleLbl>
+  <dgm:styleLbl name="parChTrans1D3">
+    <dgm:fillClrLst meth="repeat">
+      <a:schemeClr val="accent2">
+        <a:tint val="70000"/>
+      </a:schemeClr>
+    </dgm:fillClrLst>
+    <dgm:linClrLst meth="repeat">
+      <a:schemeClr val="accent4"/>
+    </dgm:linClrLst>
+    <dgm:effectClrLst/>
+    <dgm:txLinClrLst/>
+    <dgm:txFillClrLst meth="repeat">
+      <a:schemeClr val="tx1"/>
+    </dgm:txFillClrLst>
+    <dgm:txEffectClrLst/>
+  </dgm:styleLbl>
+  <dgm:styleLbl name="parChTrans1D4">
+    <dgm:fillClrLst meth="repeat">
+      <a:schemeClr val="accent2">
+        <a:tint val="50000"/>
+      </a:schemeClr>
+    </dgm:fillClrLst>
+    <dgm:linClrLst meth="repeat">
+      <a:schemeClr val="accent5"/>
+    </dgm:linClrLst>
+    <dgm:effectClrLst/>
+    <dgm:txLinClrLst/>
+    <dgm:txFillClrLst meth="repeat">
+      <a:schemeClr val="tx1"/>
+    </dgm:txFillClrLst>
+    <dgm:txEffectClrLst/>
+  </dgm:styleLbl>
+  <dgm:styleLbl name="fgAcc1">
+    <dgm:fillClrLst meth="repeat">
+      <a:schemeClr val="lt1">
+        <a:alpha val="90000"/>
+      </a:schemeClr>
+    </dgm:fillClrLst>
+    <dgm:linClrLst>
+      <a:schemeClr val="accent2"/>
+      <a:schemeClr val="accent3"/>
+    </dgm:linClrLst>
+    <dgm:effectClrLst/>
+    <dgm:txLinClrLst/>
+    <dgm:txFillClrLst meth="repeat">
+      <a:schemeClr val="dk1"/>
+    </dgm:txFillClrLst>
+    <dgm:txEffectClrLst/>
+  </dgm:styleLbl>
+  <dgm:styleLbl name="conFgAcc1">
+    <dgm:fillClrLst meth="repeat">
+      <a:schemeClr val="lt1">
+        <a:alpha val="90000"/>
+      </a:schemeClr>
+    </dgm:fillClrLst>
+    <dgm:linClrLst>
+      <a:schemeClr val="accent2"/>
+      <a:schemeClr val="accent3"/>
+    </dgm:linClrLst>
+    <dgm:effectClrLst/>
+    <dgm:txLinClrLst/>
+    <dgm:txFillClrLst meth="repeat">
+      <a:schemeClr val="dk1"/>
+    </dgm:txFillClrLst>
+    <dgm:txEffectClrLst/>
+  </dgm:styleLbl>
+  <dgm:styleLbl name="alignAcc1">
+    <dgm:fillClrLst meth="repeat">
+      <a:schemeClr val="lt1">
+        <a:alpha val="90000"/>
+      </a:schemeClr>
+    </dgm:fillClrLst>
+    <dgm:linClrLst>
+      <a:schemeClr val="accent2"/>
+      <a:schemeClr val="accent3"/>
+    </dgm:linClrLst>
+    <dgm:effectClrLst/>
+    <dgm:txLinClrLst/>
+    <dgm:txFillClrLst meth="repeat">
+      <a:schemeClr val="dk1"/>
+    </dgm:txFillClrLst>
+    <dgm:txEffectClrLst/>
+  </dgm:styleLbl>
+  <dgm:styleLbl name="trAlignAcc1">
+    <dgm:fillClrLst meth="repeat">
+      <a:schemeClr val="lt1">
+        <a:alpha val="40000"/>
+      </a:schemeClr>
+    </dgm:fillClrLst>
+    <dgm:linClrLst meth="repeat">
+      <a:schemeClr val="accent2"/>
+    </dgm:linClrLst>
+    <dgm:effectClrLst/>
+    <dgm:txLinClrLst/>
+    <dgm:txFillClrLst meth="repeat">
+      <a:schemeClr val="dk1"/>
+    </dgm:txFillClrLst>
+    <dgm:txEffectClrLst/>
+  </dgm:styleLbl>
+  <dgm:styleLbl name="bgAcc1">
+    <dgm:fillClrLst meth="repeat">
+      <a:schemeClr val="lt1">
+        <a:alpha val="90000"/>
+      </a:schemeClr>
+    </dgm:fillClrLst>
+    <dgm:linClrLst>
+      <a:schemeClr val="accent2"/>
+      <a:schemeClr val="accent3"/>
+    </dgm:linClrLst>
+    <dgm:effectClrLst/>
+    <dgm:txLinClrLst/>
+    <dgm:txFillClrLst meth="repeat">
+      <a:schemeClr val="dk1"/>
+    </dgm:txFillClrLst>
+    <dgm:txEffectClrLst/>
+  </dgm:styleLbl>
+  <dgm:styleLbl name="solidFgAcc1">
+    <dgm:fillClrLst meth="repeat">
+      <a:schemeClr val="lt1"/>
+    </dgm:fillClrLst>
+    <dgm:linClrLst>
+      <a:schemeClr val="accent2"/>
+      <a:schemeClr val="accent3"/>
+    </dgm:linClrLst>
+    <dgm:effectClrLst/>
+    <dgm:txLinClrLst/>
+    <dgm:txFillClrLst meth="repeat">
+      <a:schemeClr val="dk1"/>
+    </dgm:txFillClrLst>
+    <dgm:txEffectClrLst/>
+  </dgm:styleLbl>
+  <dgm:styleLbl name="solidAlignAcc1">
+    <dgm:fillClrLst meth="repeat">
+      <a:schemeClr val="lt1"/>
+    </dgm:fillClrLst>
+    <dgm:linClrLst>
+      <a:schemeClr val="accent2"/>
+      <a:schemeClr val="accent3"/>
+    </dgm:linClrLst>
+    <dgm:effectClrLst/>
+    <dgm:txLinClrLst/>
+    <dgm:txFillClrLst meth="repeat">
+      <a:schemeClr val="dk1"/>
+    </dgm:txFillClrLst>
+    <dgm:txEffectClrLst/>
+  </dgm:styleLbl>
+  <dgm:styleLbl name="solidBgAcc1">
+    <dgm:fillClrLst meth="repeat">
+      <a:schemeClr val="lt1"/>
+    </dgm:fillClrLst>
+    <dgm:linClrLst>
+      <a:schemeClr val="accent2"/>
+      <a:schemeClr val="accent3"/>
+    </dgm:linClrLst>
+    <dgm:effectClrLst/>
+    <dgm:txLinClrLst/>
+    <dgm:txFillClrLst meth="repeat">
+      <a:schemeClr val="dk1"/>
+    </dgm:txFillClrLst>
+    <dgm:txEffectClrLst/>
+  </dgm:styleLbl>
+  <dgm:styleLbl name="fgAccFollowNode1">
+    <dgm:fillClrLst>
+      <a:schemeClr val="accent2">
+        <a:tint val="40000"/>
+        <a:alpha val="90000"/>
+      </a:schemeClr>
+      <a:schemeClr val="accent3">
+        <a:tint val="40000"/>
+        <a:alpha val="90000"/>
+      </a:schemeClr>
+    </dgm:fillClrLst>
+    <dgm:linClrLst>
+      <a:schemeClr val="accent2">
+        <a:tint val="40000"/>
+        <a:alpha val="90000"/>
+      </a:schemeClr>
+      <a:schemeClr val="accent3">
+        <a:tint val="40000"/>
+        <a:alpha val="90000"/>
+      </a:schemeClr>
+    </dgm:linClrLst>
+    <dgm:effectClrLst/>
+    <dgm:txLinClrLst/>
+    <dgm:txFillClrLst meth="repeat">
+      <a:schemeClr val="dk1"/>
+    </dgm:txFillClrLst>
+    <dgm:txEffectClrLst/>
+  </dgm:styleLbl>
+  <dgm:styleLbl name="alignAccFollowNode1">
+    <dgm:fillClrLst>
+      <a:schemeClr val="accent2">
+        <a:tint val="40000"/>
+        <a:alpha val="90000"/>
+      </a:schemeClr>
+      <a:schemeClr val="accent3">
+        <a:tint val="40000"/>
+        <a:alpha val="90000"/>
+      </a:schemeClr>
+    </dgm:fillClrLst>
+    <dgm:linClrLst>
+      <a:schemeClr val="accent2">
+        <a:tint val="40000"/>
+        <a:alpha val="90000"/>
+      </a:schemeClr>
+      <a:schemeClr val="accent3">
+        <a:tint val="40000"/>
+        <a:alpha val="90000"/>
+      </a:schemeClr>
+    </dgm:linClrLst>
+    <dgm:effectClrLst/>
+    <dgm:txLinClrLst/>
+    <dgm:txFillClrLst meth="repeat">
+      <a:schemeClr val="dk1"/>
+    </dgm:txFillClrLst>
+    <dgm:txEffectClrLst/>
+  </dgm:styleLbl>
+  <dgm:styleLbl name="bgAccFollowNode1">
+    <dgm:fillClrLst>
+      <a:schemeClr val="accent2">
+        <a:tint val="40000"/>
+        <a:alpha val="90000"/>
+      </a:schemeClr>
+      <a:schemeClr val="accent3">
+        <a:tint val="40000"/>
+        <a:alpha val="90000"/>
+      </a:schemeClr>
+    </dgm:fillClrLst>
+    <dgm:linClrLst>
+      <a:schemeClr val="accent2">
+        <a:tint val="40000"/>
+        <a:alpha val="90000"/>
+      </a:schemeClr>
+      <a:schemeClr val="accent3">
+        <a:tint val="40000"/>
+        <a:alpha val="90000"/>
+      </a:schemeClr>
+    </dgm:linClrLst>
+    <dgm:effectClrLst/>
+    <dgm:txLinClrLst/>
+    <dgm:txFillClrLst meth="repeat">
+      <a:schemeClr val="dk1"/>
+    </dgm:txFillClrLst>
+    <dgm:txEffectClrLst/>
+  </dgm:styleLbl>
+  <dgm:styleLbl name="fgAcc0">
+    <dgm:fillClrLst meth="repeat">
+      <a:schemeClr val="lt1">
+        <a:alpha val="90000"/>
+      </a:schemeClr>
+    </dgm:fillClrLst>
+    <dgm:linClrLst>
+      <a:schemeClr val="accent1"/>
+    </dgm:linClrLst>
+    <dgm:effectClrLst/>
+    <dgm:txLinClrLst/>
+    <dgm:txFillClrLst meth="repeat">
+      <a:schemeClr val="dk1"/>
+    </dgm:txFillClrLst>
+    <dgm:txEffectClrLst/>
+  </dgm:styleLbl>
+  <dgm:styleLbl name="fgAcc2">
+    <dgm:fillClrLst meth="repeat">
+      <a:schemeClr val="lt1">
+        <a:alpha val="90000"/>
+      </a:schemeClr>
+    </dgm:fillClrLst>
+    <dgm:linClrLst>
+      <a:schemeClr val="accent3"/>
+    </dgm:linClrLst>
+    <dgm:effectClrLst/>
+    <dgm:txLinClrLst/>
+    <dgm:txFillClrLst meth="repeat">
+      <a:schemeClr val="dk1"/>
+    </dgm:txFillClrLst>
+    <dgm:txEffectClrLst/>
+  </dgm:styleLbl>
+  <dgm:styleLbl name="fgAcc3">
+    <dgm:fillClrLst meth="repeat">
+      <a:schemeClr val="lt1">
+        <a:alpha val="90000"/>
+      </a:schemeClr>
+    </dgm:fillClrLst>
+    <dgm:linClrLst>
+      <a:schemeClr val="accent4"/>
+    </dgm:linClrLst>
+    <dgm:effectClrLst/>
+    <dgm:txLinClrLst/>
+    <dgm:txFillClrLst meth="repeat">
+      <a:schemeClr val="dk1"/>
+    </dgm:txFillClrLst>
+    <dgm:txEffectClrLst/>
+  </dgm:styleLbl>
+  <dgm:styleLbl name="fgAcc4">
+    <dgm:fillClrLst meth="repeat">
+      <a:schemeClr val="lt1">
+        <a:alpha val="90000"/>
+      </a:schemeClr>
+    </dgm:fillClrLst>
+    <dgm:linClrLst>
+      <a:schemeClr val="accent5"/>
+    </dgm:linClrLst>
+    <dgm:effectClrLst/>
+    <dgm:txLinClrLst/>
+    <dgm:txFillClrLst meth="repeat">
+      <a:schemeClr val="dk1"/>
+    </dgm:txFillClrLst>
+    <dgm:txEffectClrLst/>
+  </dgm:styleLbl>
+  <dgm:styleLbl name="bgShp">
+    <dgm:fillClrLst meth="repeat">
+      <a:schemeClr val="accent2">
+        <a:tint val="40000"/>
+      </a:schemeClr>
+    </dgm:fillClrLst>
+    <dgm:linClrLst meth="repeat">
+      <a:schemeClr val="dk1"/>
+    </dgm:linClrLst>
+    <dgm:effectClrLst/>
+    <dgm:txLinClrLst/>
+    <dgm:txFillClrLst meth="repeat">
+      <a:schemeClr val="dk1"/>
+    </dgm:txFillClrLst>
+    <dgm:txEffectClrLst/>
+  </dgm:styleLbl>
+  <dgm:styleLbl name="dkBgShp">
+    <dgm:fillClrLst meth="repeat">
+      <a:schemeClr val="accent2">
+        <a:shade val="90000"/>
+      </a:schemeClr>
+    </dgm:fillClrLst>
+    <dgm:linClrLst meth="repeat">
+      <a:schemeClr val="dk1"/>
+    </dgm:linClrLst>
+    <dgm:effectClrLst/>
+    <dgm:txLinClrLst/>
+    <dgm:txFillClrLst meth="repeat">
+      <a:schemeClr val="lt1"/>
+    </dgm:txFillClrLst>
+    <dgm:txEffectClrLst/>
+  </dgm:styleLbl>
+  <dgm:styleLbl name="trBgShp">
+    <dgm:fillClrLst meth="repeat">
+      <a:schemeClr val="accent2">
+        <a:tint val="50000"/>
+        <a:alpha val="40000"/>
+      </a:schemeClr>
+    </dgm:fillClrLst>
+    <dgm:linClrLst meth="repeat">
+      <a:schemeClr val="accent2"/>
+    </dgm:linClrLst>
+    <dgm:effectClrLst/>
+    <dgm:txLinClrLst/>
+    <dgm:txFillClrLst meth="repeat">
+      <a:schemeClr val="lt1"/>
+    </dgm:txFillClrLst>
+    <dgm:txEffectClrLst/>
+  </dgm:styleLbl>
+  <dgm:styleLbl name="fgShp">
+    <dgm:fillClrLst meth="repeat">
+      <a:schemeClr val="accent2">
+        <a:tint val="40000"/>
+      </a:schemeClr>
+    </dgm:fillClrLst>
+    <dgm:linClrLst meth="repeat">
+      <a:schemeClr val="lt1"/>
+    </dgm:linClrLst>
+    <dgm:effectClrLst/>
+    <dgm:txLinClrLst/>
+    <dgm:txFillClrLst meth="repeat">
+      <a:schemeClr val="dk1"/>
+    </dgm:txFillClrLst>
+    <dgm:txEffectClrLst/>
+  </dgm:styleLbl>
+  <dgm:styleLbl name="revTx">
+    <dgm:fillClrLst meth="repeat">
+      <a:schemeClr val="lt1">
+        <a:alpha val="0"/>
+      </a:schemeClr>
+    </dgm:fillClrLst>
+    <dgm:linClrLst meth="repeat">
+      <a:schemeClr val="dk1">
+        <a:alpha val="0"/>
+      </a:schemeClr>
+    </dgm:linClrLst>
+    <dgm:effectClrLst/>
+    <dgm:txLinClrLst/>
+    <dgm:txFillClrLst meth="repeat">
+      <a:schemeClr val="tx1"/>
+    </dgm:txFillClrLst>
+    <dgm:txEffectClrLst/>
+  </dgm:styleLbl>
+</dgm:colorsDef>
+</file>
+
+<file path=ppt/diagrams/data1.xml><?xml version="1.0" encoding="utf-8"?>
+<dgm:dataModel xmlns:dgm="http://schemas.openxmlformats.org/drawingml/2006/diagram" xmlns:a="http://schemas.openxmlformats.org/drawingml/2006/main">
+  <dgm:ptLst>
+    <dgm:pt modelId="{044BAF46-D078-4628-BAA5-B97FB004EDEB}" type="doc">
+      <dgm:prSet loTypeId="urn:microsoft.com/office/officeart/2005/8/layout/hierarchy1" loCatId="hierarchy" qsTypeId="urn:microsoft.com/office/officeart/2005/8/quickstyle/simple4" qsCatId="simple" csTypeId="urn:microsoft.com/office/officeart/2005/8/colors/colorful2" csCatId="colorful"/>
+      <dgm:spPr/>
+      <dgm:t>
+        <a:bodyPr/>
+        <a:lstStyle/>
+        <a:p>
+          <a:endParaRPr lang="en-US"/>
+        </a:p>
+      </dgm:t>
+    </dgm:pt>
+    <dgm:pt modelId="{0AA00D0F-C948-43A5-8D4D-E10F299013C3}">
+      <dgm:prSet/>
+      <dgm:spPr/>
+      <dgm:t>
+        <a:bodyPr/>
+        <a:lstStyle/>
+        <a:p>
+          <a:r>
+            <a:rPr lang="en-US"/>
+            <a:t>Why are the elevators in the Russ Engineering building so awful?</a:t>
+          </a:r>
+        </a:p>
+      </dgm:t>
+    </dgm:pt>
+    <dgm:pt modelId="{D4827D08-9102-43B0-8A79-327D0A56A5DF}" type="parTrans" cxnId="{8DA81C73-EFDF-4C95-99EF-CC75DC7BB377}">
+      <dgm:prSet/>
+      <dgm:spPr/>
+      <dgm:t>
+        <a:bodyPr/>
+        <a:lstStyle/>
+        <a:p>
+          <a:endParaRPr lang="en-US"/>
+        </a:p>
+      </dgm:t>
+    </dgm:pt>
+    <dgm:pt modelId="{C76181E9-BB88-4C34-BEBA-8B8D529676C9}" type="sibTrans" cxnId="{8DA81C73-EFDF-4C95-99EF-CC75DC7BB377}">
+      <dgm:prSet/>
+      <dgm:spPr/>
+      <dgm:t>
+        <a:bodyPr/>
+        <a:lstStyle/>
+        <a:p>
+          <a:endParaRPr lang="en-US"/>
+        </a:p>
+      </dgm:t>
+    </dgm:pt>
+    <dgm:pt modelId="{02AA4F49-445C-4528-9120-86DDEF4A4299}">
+      <dgm:prSet/>
+      <dgm:spPr/>
+      <dgm:t>
+        <a:bodyPr/>
+        <a:lstStyle/>
+        <a:p>
+          <a:r>
+            <a:rPr lang="en-US"/>
+            <a:t>Could the elevators use to a different scheduling strategy and reduce the average wait time?</a:t>
+          </a:r>
+        </a:p>
+      </dgm:t>
+    </dgm:pt>
+    <dgm:pt modelId="{439086BE-7B3A-4D91-8CB1-8DD9B5C5BEEE}" type="parTrans" cxnId="{14288CA3-36C7-4DC2-A1EE-DAE9D35168EE}">
+      <dgm:prSet/>
+      <dgm:spPr/>
+      <dgm:t>
+        <a:bodyPr/>
+        <a:lstStyle/>
+        <a:p>
+          <a:endParaRPr lang="en-US"/>
+        </a:p>
+      </dgm:t>
+    </dgm:pt>
+    <dgm:pt modelId="{1FC3938C-AB86-4405-BB7C-720C2829CA17}" type="sibTrans" cxnId="{14288CA3-36C7-4DC2-A1EE-DAE9D35168EE}">
+      <dgm:prSet/>
+      <dgm:spPr/>
+      <dgm:t>
+        <a:bodyPr/>
+        <a:lstStyle/>
+        <a:p>
+          <a:endParaRPr lang="en-US"/>
+        </a:p>
+      </dgm:t>
+    </dgm:pt>
+    <dgm:pt modelId="{215A3152-F3D8-4519-9773-4D65609FC02D}" type="pres">
+      <dgm:prSet presAssocID="{044BAF46-D078-4628-BAA5-B97FB004EDEB}" presName="hierChild1" presStyleCnt="0">
+        <dgm:presLayoutVars>
+          <dgm:chPref val="1"/>
+          <dgm:dir/>
+          <dgm:animOne val="branch"/>
+          <dgm:animLvl val="lvl"/>
+          <dgm:resizeHandles/>
+        </dgm:presLayoutVars>
+      </dgm:prSet>
+      <dgm:spPr/>
+    </dgm:pt>
+    <dgm:pt modelId="{89988A3B-84CD-4C3B-8B1E-674DE6603BDC}" type="pres">
+      <dgm:prSet presAssocID="{0AA00D0F-C948-43A5-8D4D-E10F299013C3}" presName="hierRoot1" presStyleCnt="0"/>
+      <dgm:spPr/>
+    </dgm:pt>
+    <dgm:pt modelId="{12846C5F-3A48-46A4-951A-F44FB7A4B25A}" type="pres">
+      <dgm:prSet presAssocID="{0AA00D0F-C948-43A5-8D4D-E10F299013C3}" presName="composite" presStyleCnt="0"/>
+      <dgm:spPr/>
+    </dgm:pt>
+    <dgm:pt modelId="{4BAC09ED-9096-4C32-9AE1-8085E5544E70}" type="pres">
+      <dgm:prSet presAssocID="{0AA00D0F-C948-43A5-8D4D-E10F299013C3}" presName="background" presStyleLbl="node0" presStyleIdx="0" presStyleCnt="2"/>
+      <dgm:spPr/>
+    </dgm:pt>
+    <dgm:pt modelId="{EF25061D-26CA-42F1-821D-DBF2902FA76C}" type="pres">
+      <dgm:prSet presAssocID="{0AA00D0F-C948-43A5-8D4D-E10F299013C3}" presName="text" presStyleLbl="fgAcc0" presStyleIdx="0" presStyleCnt="2">
+        <dgm:presLayoutVars>
+          <dgm:chPref val="3"/>
+        </dgm:presLayoutVars>
+      </dgm:prSet>
+      <dgm:spPr/>
+    </dgm:pt>
+    <dgm:pt modelId="{98FBA286-358A-490D-823E-EBFA3D8A8E68}" type="pres">
+      <dgm:prSet presAssocID="{0AA00D0F-C948-43A5-8D4D-E10F299013C3}" presName="hierChild2" presStyleCnt="0"/>
+      <dgm:spPr/>
+    </dgm:pt>
+    <dgm:pt modelId="{CA2B5942-5D07-4172-B7CD-E49CD57028B6}" type="pres">
+      <dgm:prSet presAssocID="{02AA4F49-445C-4528-9120-86DDEF4A4299}" presName="hierRoot1" presStyleCnt="0"/>
+      <dgm:spPr/>
+    </dgm:pt>
+    <dgm:pt modelId="{3FF73DED-BA64-4FA1-B118-00056BCC2B2B}" type="pres">
+      <dgm:prSet presAssocID="{02AA4F49-445C-4528-9120-86DDEF4A4299}" presName="composite" presStyleCnt="0"/>
+      <dgm:spPr/>
+    </dgm:pt>
+    <dgm:pt modelId="{13F1C380-9EA8-4685-B6EF-298E9D831540}" type="pres">
+      <dgm:prSet presAssocID="{02AA4F49-445C-4528-9120-86DDEF4A4299}" presName="background" presStyleLbl="node0" presStyleIdx="1" presStyleCnt="2"/>
+      <dgm:spPr/>
+    </dgm:pt>
+    <dgm:pt modelId="{BC40D240-6C3E-460D-9B52-18124623E1D3}" type="pres">
+      <dgm:prSet presAssocID="{02AA4F49-445C-4528-9120-86DDEF4A4299}" presName="text" presStyleLbl="fgAcc0" presStyleIdx="1" presStyleCnt="2">
+        <dgm:presLayoutVars>
+          <dgm:chPref val="3"/>
+        </dgm:presLayoutVars>
+      </dgm:prSet>
+      <dgm:spPr/>
+    </dgm:pt>
+    <dgm:pt modelId="{788EBAF3-8EA6-4C0D-8F5A-7E73A7D4A796}" type="pres">
+      <dgm:prSet presAssocID="{02AA4F49-445C-4528-9120-86DDEF4A4299}" presName="hierChild2" presStyleCnt="0"/>
+      <dgm:spPr/>
+    </dgm:pt>
+  </dgm:ptLst>
+  <dgm:cxnLst>
+    <dgm:cxn modelId="{B393A807-56D6-4F74-8AA7-F43DBB3FAC15}" type="presOf" srcId="{02AA4F49-445C-4528-9120-86DDEF4A4299}" destId="{BC40D240-6C3E-460D-9B52-18124623E1D3}" srcOrd="0" destOrd="0" presId="urn:microsoft.com/office/officeart/2005/8/layout/hierarchy1"/>
+    <dgm:cxn modelId="{05C5471B-DEBC-4DC9-A42A-E6B8B341771B}" type="presOf" srcId="{044BAF46-D078-4628-BAA5-B97FB004EDEB}" destId="{215A3152-F3D8-4519-9773-4D65609FC02D}" srcOrd="0" destOrd="0" presId="urn:microsoft.com/office/officeart/2005/8/layout/hierarchy1"/>
+    <dgm:cxn modelId="{2C80E837-8B15-49AC-8013-D9EF25CF2288}" type="presOf" srcId="{0AA00D0F-C948-43A5-8D4D-E10F299013C3}" destId="{EF25061D-26CA-42F1-821D-DBF2902FA76C}" srcOrd="0" destOrd="0" presId="urn:microsoft.com/office/officeart/2005/8/layout/hierarchy1"/>
+    <dgm:cxn modelId="{8DA81C73-EFDF-4C95-99EF-CC75DC7BB377}" srcId="{044BAF46-D078-4628-BAA5-B97FB004EDEB}" destId="{0AA00D0F-C948-43A5-8D4D-E10F299013C3}" srcOrd="0" destOrd="0" parTransId="{D4827D08-9102-43B0-8A79-327D0A56A5DF}" sibTransId="{C76181E9-BB88-4C34-BEBA-8B8D529676C9}"/>
+    <dgm:cxn modelId="{14288CA3-36C7-4DC2-A1EE-DAE9D35168EE}" srcId="{044BAF46-D078-4628-BAA5-B97FB004EDEB}" destId="{02AA4F49-445C-4528-9120-86DDEF4A4299}" srcOrd="1" destOrd="0" parTransId="{439086BE-7B3A-4D91-8CB1-8DD9B5C5BEEE}" sibTransId="{1FC3938C-AB86-4405-BB7C-720C2829CA17}"/>
+    <dgm:cxn modelId="{C8D75CC6-E792-4148-A81F-CFE609ABB9CF}" type="presParOf" srcId="{215A3152-F3D8-4519-9773-4D65609FC02D}" destId="{89988A3B-84CD-4C3B-8B1E-674DE6603BDC}" srcOrd="0" destOrd="0" presId="urn:microsoft.com/office/officeart/2005/8/layout/hierarchy1"/>
+    <dgm:cxn modelId="{C51BF961-D436-477A-BE7A-3E080203DA38}" type="presParOf" srcId="{89988A3B-84CD-4C3B-8B1E-674DE6603BDC}" destId="{12846C5F-3A48-46A4-951A-F44FB7A4B25A}" srcOrd="0" destOrd="0" presId="urn:microsoft.com/office/officeart/2005/8/layout/hierarchy1"/>
+    <dgm:cxn modelId="{FA43E339-0B9C-460C-8AC6-3E20129BD73A}" type="presParOf" srcId="{12846C5F-3A48-46A4-951A-F44FB7A4B25A}" destId="{4BAC09ED-9096-4C32-9AE1-8085E5544E70}" srcOrd="0" destOrd="0" presId="urn:microsoft.com/office/officeart/2005/8/layout/hierarchy1"/>
+    <dgm:cxn modelId="{1671B9FD-E895-40A2-AB53-DC05C9365DA2}" type="presParOf" srcId="{12846C5F-3A48-46A4-951A-F44FB7A4B25A}" destId="{EF25061D-26CA-42F1-821D-DBF2902FA76C}" srcOrd="1" destOrd="0" presId="urn:microsoft.com/office/officeart/2005/8/layout/hierarchy1"/>
+    <dgm:cxn modelId="{31656A4F-0820-4E01-ACF3-F72EFB6F7115}" type="presParOf" srcId="{89988A3B-84CD-4C3B-8B1E-674DE6603BDC}" destId="{98FBA286-358A-490D-823E-EBFA3D8A8E68}" srcOrd="1" destOrd="0" presId="urn:microsoft.com/office/officeart/2005/8/layout/hierarchy1"/>
+    <dgm:cxn modelId="{3823E52B-85D1-4302-B1A3-345C44257102}" type="presParOf" srcId="{215A3152-F3D8-4519-9773-4D65609FC02D}" destId="{CA2B5942-5D07-4172-B7CD-E49CD57028B6}" srcOrd="1" destOrd="0" presId="urn:microsoft.com/office/officeart/2005/8/layout/hierarchy1"/>
+    <dgm:cxn modelId="{DDDDFB45-CD74-43C7-97E1-8CD0AF1FA5F1}" type="presParOf" srcId="{CA2B5942-5D07-4172-B7CD-E49CD57028B6}" destId="{3FF73DED-BA64-4FA1-B118-00056BCC2B2B}" srcOrd="0" destOrd="0" presId="urn:microsoft.com/office/officeart/2005/8/layout/hierarchy1"/>
+    <dgm:cxn modelId="{F019BF56-3CED-41A6-950E-79B2EEE202B6}" type="presParOf" srcId="{3FF73DED-BA64-4FA1-B118-00056BCC2B2B}" destId="{13F1C380-9EA8-4685-B6EF-298E9D831540}" srcOrd="0" destOrd="0" presId="urn:microsoft.com/office/officeart/2005/8/layout/hierarchy1"/>
+    <dgm:cxn modelId="{2A74EC87-0CAC-4CA1-9B1D-7FA29B4B6089}" type="presParOf" srcId="{3FF73DED-BA64-4FA1-B118-00056BCC2B2B}" destId="{BC40D240-6C3E-460D-9B52-18124623E1D3}" srcOrd="1" destOrd="0" presId="urn:microsoft.com/office/officeart/2005/8/layout/hierarchy1"/>
+    <dgm:cxn modelId="{CC0CAB66-3EBF-4D6D-A357-1FE82FC6C41E}" type="presParOf" srcId="{CA2B5942-5D07-4172-B7CD-E49CD57028B6}" destId="{788EBAF3-8EA6-4C0D-8F5A-7E73A7D4A796}" srcOrd="1" destOrd="0" presId="urn:microsoft.com/office/officeart/2005/8/layout/hierarchy1"/>
+  </dgm:cxnLst>
+  <dgm:bg/>
+  <dgm:whole/>
+  <dgm:extLst>
+    <a:ext uri="http://schemas.microsoft.com/office/drawing/2008/diagram">
+      <dsp:dataModelExt xmlns:dsp="http://schemas.microsoft.com/office/drawing/2008/diagram" relId="rId6" minVer="http://schemas.openxmlformats.org/drawingml/2006/diagram"/>
+    </a:ext>
+  </dgm:extLst>
+</dgm:dataModel>
+</file>
+
+<file path=ppt/diagrams/drawing1.xml><?xml version="1.0" encoding="utf-8"?>
+<dsp:drawing xmlns:dgm="http://schemas.openxmlformats.org/drawingml/2006/diagram" xmlns:dsp="http://schemas.microsoft.com/office/drawing/2008/diagram" xmlns:a="http://schemas.openxmlformats.org/drawingml/2006/main">
+  <dsp:spTree>
+    <dsp:nvGrpSpPr>
+      <dsp:cNvPr id="0" name=""/>
+      <dsp:cNvGrpSpPr/>
+    </dsp:nvGrpSpPr>
+    <dsp:grpSpPr/>
+    <dsp:sp modelId="{4BAC09ED-9096-4C32-9AE1-8085E5544E70}">
+      <dsp:nvSpPr>
+        <dsp:cNvPr id="0" name=""/>
+        <dsp:cNvSpPr/>
+      </dsp:nvSpPr>
+      <dsp:spPr>
+        <a:xfrm>
+          <a:off x="86794" y="606"/>
+          <a:ext cx="4686893" cy="2976177"/>
+        </a:xfrm>
+        <a:prstGeom prst="roundRect">
+          <a:avLst>
+            <a:gd name="adj" fmla="val 10000"/>
+          </a:avLst>
+        </a:prstGeom>
+        <a:solidFill>
+          <a:schemeClr val="accent1">
+            <a:hueOff val="0"/>
+            <a:satOff val="0"/>
+            <a:lumOff val="0"/>
+            <a:alphaOff val="0"/>
+          </a:schemeClr>
+        </a:solidFill>
+        <a:ln>
+          <a:noFill/>
+        </a:ln>
+        <a:effectLst/>
+      </dsp:spPr>
+      <dsp:style>
+        <a:lnRef idx="0">
+          <a:scrgbClr r="0" g="0" b="0"/>
+        </a:lnRef>
+        <a:fillRef idx="3">
+          <a:scrgbClr r="0" g="0" b="0"/>
+        </a:fillRef>
+        <a:effectRef idx="2">
+          <a:scrgbClr r="0" g="0" b="0"/>
+        </a:effectRef>
+        <a:fontRef idx="minor">
+          <a:schemeClr val="lt1"/>
+        </a:fontRef>
+      </dsp:style>
+    </dsp:sp>
+    <dsp:sp modelId="{EF25061D-26CA-42F1-821D-DBF2902FA76C}">
+      <dsp:nvSpPr>
+        <dsp:cNvPr id="0" name=""/>
+        <dsp:cNvSpPr/>
+      </dsp:nvSpPr>
+      <dsp:spPr>
+        <a:xfrm>
+          <a:off x="607560" y="495334"/>
+          <a:ext cx="4686893" cy="2976177"/>
+        </a:xfrm>
+        <a:prstGeom prst="roundRect">
+          <a:avLst>
+            <a:gd name="adj" fmla="val 10000"/>
+          </a:avLst>
+        </a:prstGeom>
+        <a:solidFill>
+          <a:schemeClr val="lt1">
+            <a:alpha val="90000"/>
+            <a:hueOff val="0"/>
+            <a:satOff val="0"/>
+            <a:lumOff val="0"/>
+            <a:alphaOff val="0"/>
+          </a:schemeClr>
+        </a:solidFill>
+        <a:ln w="9525" cap="flat" cmpd="sng" algn="ctr">
+          <a:solidFill>
+            <a:schemeClr val="accent1">
+              <a:hueOff val="0"/>
+              <a:satOff val="0"/>
+              <a:lumOff val="0"/>
+              <a:alphaOff val="0"/>
+            </a:schemeClr>
+          </a:solidFill>
+          <a:prstDash val="solid"/>
+        </a:ln>
+        <a:effectLst/>
+      </dsp:spPr>
+      <dsp:style>
+        <a:lnRef idx="1">
+          <a:scrgbClr r="0" g="0" b="0"/>
+        </a:lnRef>
+        <a:fillRef idx="1">
+          <a:scrgbClr r="0" g="0" b="0"/>
+        </a:fillRef>
+        <a:effectRef idx="0">
+          <a:scrgbClr r="0" g="0" b="0"/>
+        </a:effectRef>
+        <a:fontRef idx="minor"/>
+      </dsp:style>
+      <dsp:txBody>
+        <a:bodyPr spcFirstLastPara="0" vert="horz" wrap="square" lIns="137160" tIns="137160" rIns="137160" bIns="137160" numCol="1" spcCol="1270" anchor="ctr" anchorCtr="0">
+          <a:noAutofit/>
+        </a:bodyPr>
+        <a:lstStyle/>
+        <a:p>
+          <a:pPr marL="0" lvl="0" indent="0" algn="ctr" defTabSz="1600200">
+            <a:lnSpc>
+              <a:spcPct val="90000"/>
+            </a:lnSpc>
+            <a:spcBef>
+              <a:spcPct val="0"/>
+            </a:spcBef>
+            <a:spcAft>
+              <a:spcPct val="35000"/>
+            </a:spcAft>
+            <a:buNone/>
+          </a:pPr>
+          <a:r>
+            <a:rPr lang="en-US" sz="3600" kern="1200"/>
+            <a:t>Why are the elevators in the Russ Engineering building so awful?</a:t>
+          </a:r>
+        </a:p>
+      </dsp:txBody>
+      <dsp:txXfrm>
+        <a:off x="694729" y="582503"/>
+        <a:ext cx="4512555" cy="2801839"/>
+      </dsp:txXfrm>
+    </dsp:sp>
+    <dsp:sp modelId="{13F1C380-9EA8-4685-B6EF-298E9D831540}">
+      <dsp:nvSpPr>
+        <dsp:cNvPr id="0" name=""/>
+        <dsp:cNvSpPr/>
+      </dsp:nvSpPr>
+      <dsp:spPr>
+        <a:xfrm>
+          <a:off x="5815219" y="606"/>
+          <a:ext cx="4686893" cy="2976177"/>
+        </a:xfrm>
+        <a:prstGeom prst="roundRect">
+          <a:avLst>
+            <a:gd name="adj" fmla="val 10000"/>
+          </a:avLst>
+        </a:prstGeom>
+        <a:solidFill>
+          <a:schemeClr val="accent1">
+            <a:hueOff val="0"/>
+            <a:satOff val="0"/>
+            <a:lumOff val="0"/>
+            <a:alphaOff val="0"/>
+          </a:schemeClr>
+        </a:solidFill>
+        <a:ln>
+          <a:noFill/>
+        </a:ln>
+        <a:effectLst/>
+      </dsp:spPr>
+      <dsp:style>
+        <a:lnRef idx="0">
+          <a:scrgbClr r="0" g="0" b="0"/>
+        </a:lnRef>
+        <a:fillRef idx="3">
+          <a:scrgbClr r="0" g="0" b="0"/>
+        </a:fillRef>
+        <a:effectRef idx="2">
+          <a:scrgbClr r="0" g="0" b="0"/>
+        </a:effectRef>
+        <a:fontRef idx="minor">
+          <a:schemeClr val="lt1"/>
+        </a:fontRef>
+      </dsp:style>
+    </dsp:sp>
+    <dsp:sp modelId="{BC40D240-6C3E-460D-9B52-18124623E1D3}">
+      <dsp:nvSpPr>
+        <dsp:cNvPr id="0" name=""/>
+        <dsp:cNvSpPr/>
+      </dsp:nvSpPr>
+      <dsp:spPr>
+        <a:xfrm>
+          <a:off x="6335985" y="495334"/>
+          <a:ext cx="4686893" cy="2976177"/>
+        </a:xfrm>
+        <a:prstGeom prst="roundRect">
+          <a:avLst>
+            <a:gd name="adj" fmla="val 10000"/>
+          </a:avLst>
+        </a:prstGeom>
+        <a:solidFill>
+          <a:schemeClr val="lt1">
+            <a:alpha val="90000"/>
+            <a:hueOff val="0"/>
+            <a:satOff val="0"/>
+            <a:lumOff val="0"/>
+            <a:alphaOff val="0"/>
+          </a:schemeClr>
+        </a:solidFill>
+        <a:ln w="9525" cap="flat" cmpd="sng" algn="ctr">
+          <a:solidFill>
+            <a:schemeClr val="accent1">
+              <a:hueOff val="0"/>
+              <a:satOff val="0"/>
+              <a:lumOff val="0"/>
+              <a:alphaOff val="0"/>
+            </a:schemeClr>
+          </a:solidFill>
+          <a:prstDash val="solid"/>
+        </a:ln>
+        <a:effectLst/>
+      </dsp:spPr>
+      <dsp:style>
+        <a:lnRef idx="1">
+          <a:scrgbClr r="0" g="0" b="0"/>
+        </a:lnRef>
+        <a:fillRef idx="1">
+          <a:scrgbClr r="0" g="0" b="0"/>
+        </a:fillRef>
+        <a:effectRef idx="0">
+          <a:scrgbClr r="0" g="0" b="0"/>
+        </a:effectRef>
+        <a:fontRef idx="minor"/>
+      </dsp:style>
+      <dsp:txBody>
+        <a:bodyPr spcFirstLastPara="0" vert="horz" wrap="square" lIns="137160" tIns="137160" rIns="137160" bIns="137160" numCol="1" spcCol="1270" anchor="ctr" anchorCtr="0">
+          <a:noAutofit/>
+        </a:bodyPr>
+        <a:lstStyle/>
+        <a:p>
+          <a:pPr marL="0" lvl="0" indent="0" algn="ctr" defTabSz="1600200">
+            <a:lnSpc>
+              <a:spcPct val="90000"/>
+            </a:lnSpc>
+            <a:spcBef>
+              <a:spcPct val="0"/>
+            </a:spcBef>
+            <a:spcAft>
+              <a:spcPct val="35000"/>
+            </a:spcAft>
+            <a:buNone/>
+          </a:pPr>
+          <a:r>
+            <a:rPr lang="en-US" sz="3600" kern="1200"/>
+            <a:t>Could the elevators use to a different scheduling strategy and reduce the average wait time?</a:t>
+          </a:r>
+        </a:p>
+      </dsp:txBody>
+      <dsp:txXfrm>
+        <a:off x="6423154" y="582503"/>
+        <a:ext cx="4512555" cy="2801839"/>
+      </dsp:txXfrm>
+    </dsp:sp>
+  </dsp:spTree>
+</dsp:drawing>
+</file>
+
+<file path=ppt/diagrams/layout1.xml><?xml version="1.0" encoding="utf-8"?>
+<dgm:layoutDef xmlns:dgm="http://schemas.openxmlformats.org/drawingml/2006/diagram" xmlns:a="http://schemas.openxmlformats.org/drawingml/2006/main" uniqueId="urn:microsoft.com/office/officeart/2005/8/layout/hierarchy1">
+  <dgm:title val=""/>
+  <dgm:desc val=""/>
+  <dgm:catLst>
+    <dgm:cat type="hierarchy" pri="2000"/>
+  </dgm:catLst>
+  <dgm:sampData>
+    <dgm:dataModel>
+      <dgm:ptLst>
+        <dgm:pt modelId="0" type="doc"/>
+        <dgm:pt modelId="1">
+          <dgm:prSet phldr="1"/>
+        </dgm:pt>
+        <dgm:pt modelId="2">
+          <dgm:prSet phldr="1"/>
+        </dgm:pt>
+        <dgm:pt modelId="21">
+          <dgm:prSet phldr="1"/>
+        </dgm:pt>
+        <dgm:pt modelId="22">
+          <dgm:prSet phldr="1"/>
+        </dgm:pt>
+        <dgm:pt modelId="3">
+          <dgm:prSet phldr="1"/>
+        </dgm:pt>
+        <dgm:pt modelId="31">
+          <dgm:prSet phldr="1"/>
+        </dgm:pt>
+      </dgm:ptLst>
+      <dgm:cxnLst>
+        <dgm:cxn modelId="4" srcId="0" destId="1" srcOrd="0" destOrd="0"/>
+        <dgm:cxn modelId="5" srcId="1" destId="2" srcOrd="0" destOrd="0"/>
+        <dgm:cxn modelId="6" srcId="1" destId="3" srcOrd="1" destOrd="0"/>
+        <dgm:cxn modelId="23" srcId="2" destId="21" srcOrd="0" destOrd="0"/>
+        <dgm:cxn modelId="24" srcId="2" destId="22" srcOrd="1" destOrd="0"/>
+        <dgm:cxn modelId="33" srcId="3" destId="31" srcOrd="0" destOrd="0"/>
+      </dgm:cxnLst>
+      <dgm:bg/>
+      <dgm:whole/>
+    </dgm:dataModel>
+  </dgm:sampData>
+  <dgm:styleData>
+    <dgm:dataModel>
+      <dgm:ptLst>
+        <dgm:pt modelId="0" type="doc"/>
+        <dgm:pt modelId="1"/>
+        <dgm:pt modelId="11"/>
+        <dgm:pt modelId="12"/>
+      </dgm:ptLst>
+      <dgm:cxnLst>
+        <dgm:cxn modelId="2" srcId="0" destId="1" srcOrd="0" destOrd="0"/>
+        <dgm:cxn modelId="13" srcId="1" destId="11" srcOrd="0" destOrd="0"/>
+        <dgm:cxn modelId="14" srcId="1" destId="12" srcOrd="1" destOrd="0"/>
+      </dgm:cxnLst>
+      <dgm:bg/>
+      <dgm:whole/>
+    </dgm:dataModel>
+  </dgm:styleData>
+  <dgm:clrData>
+    <dgm:dataModel>
+      <dgm:ptLst>
+        <dgm:pt modelId="0" type="doc"/>
+        <dgm:pt modelId="1"/>
+        <dgm:pt modelId="2"/>
+        <dgm:pt modelId="21"/>
+        <dgm:pt modelId="211"/>
+        <dgm:pt modelId="3"/>
+        <dgm:pt modelId="31"/>
+        <dgm:pt modelId="311"/>
+      </dgm:ptLst>
+      <dgm:cxnLst>
+        <dgm:cxn modelId="4" srcId="0" destId="1" srcOrd="0" destOrd="0"/>
+        <dgm:cxn modelId="5" srcId="1" destId="2" srcOrd="0" destOrd="0"/>
+        <dgm:cxn modelId="6" srcId="1" destId="3" srcOrd="1" destOrd="0"/>
+        <dgm:cxn modelId="23" srcId="2" destId="21" srcOrd="0" destOrd="0"/>
+        <dgm:cxn modelId="24" srcId="21" destId="211" srcOrd="0" destOrd="0"/>
+        <dgm:cxn modelId="33" srcId="3" destId="31" srcOrd="0" destOrd="0"/>
+        <dgm:cxn modelId="34" srcId="31" destId="311" srcOrd="0" destOrd="0"/>
+      </dgm:cxnLst>
+      <dgm:bg/>
+      <dgm:whole/>
+    </dgm:dataModel>
+  </dgm:clrData>
+  <dgm:layoutNode name="hierChild1">
+    <dgm:varLst>
+      <dgm:chPref val="1"/>
+      <dgm:dir/>
+      <dgm:animOne val="branch"/>
+      <dgm:animLvl val="lvl"/>
+      <dgm:resizeHandles/>
+    </dgm:varLst>
+    <dgm:choose name="Name0">
+      <dgm:if name="Name1" func="var" arg="dir" op="equ" val="norm">
+        <dgm:alg type="hierChild">
+          <dgm:param type="linDir" val="fromL"/>
+        </dgm:alg>
+      </dgm:if>
+      <dgm:else name="Name2">
+        <dgm:alg type="hierChild">
+          <dgm:param type="linDir" val="fromR"/>
+        </dgm:alg>
+      </dgm:else>
+    </dgm:choose>
+    <dgm:shape xmlns:r="http://schemas.openxmlformats.org/officeDocument/2006/relationships" r:blip="">
+      <dgm:adjLst/>
+    </dgm:shape>
+    <dgm:presOf/>
+    <dgm:constrLst>
+      <dgm:constr type="primFontSz" for="des" ptType="node" op="equ" val="65"/>
+      <dgm:constr type="w" for="des" forName="composite" refType="w"/>
+      <dgm:constr type="h" for="des" forName="composite" refType="w" refFor="des" refForName="composite" fact="0.667"/>
+      <dgm:constr type="w" for="des" forName="composite2" refType="w" refFor="des" refForName="composite"/>
+      <dgm:constr type="h" for="des" forName="composite2" refType="h" refFor="des" refForName="composite"/>
+      <dgm:constr type="w" for="des" forName="composite3" refType="w" refFor="des" refForName="composite"/>
+      <dgm:constr type="h" for="des" forName="composite3" refType="h" refFor="des" refForName="composite"/>
+      <dgm:constr type="w" for="des" forName="composite4" refType="w" refFor="des" refForName="composite"/>
+      <dgm:constr type="h" for="des" forName="composite4" refType="h" refFor="des" refForName="composite"/>
+      <dgm:constr type="w" for="des" forName="composite5" refType="w" refFor="des" refForName="composite"/>
+      <dgm:constr type="h" for="des" forName="composite5" refType="h" refFor="des" refForName="composite"/>
+      <dgm:constr type="sibSp" refType="w" refFor="des" refForName="composite" fact="0.1"/>
+      <dgm:constr type="sibSp" for="des" forName="hierChild2" refType="sibSp"/>
+      <dgm:constr type="sibSp" for="des" forName="hierChild3" refType="sibSp"/>
+      <dgm:constr type="sibSp" for="des" forName="hierChild4" refType="sibSp"/>
+      <dgm:constr type="sibSp" for="des" forName="hierChild5" refType="sibSp"/>
+      <dgm:constr type="sibSp" for="des" forName="hierChild6" refType="sibSp"/>
+      <dgm:constr type="sp" for="des" forName="hierRoot1" refType="h" refFor="des" refForName="composite" fact="0.25"/>
+      <dgm:constr type="sp" for="des" forName="hierRoot2" refType="sp" refFor="des" refForName="hierRoot1"/>
+      <dgm:constr type="sp" for="des" forName="hierRoot3" refType="sp" refFor="des" refForName="hierRoot1"/>
+      <dgm:constr type="sp" for="des" forName="hierRoot4" refType="sp" refFor="des" refForName="hierRoot1"/>
+      <dgm:constr type="sp" for="des" forName="hierRoot5" refType="sp" refFor="des" refForName="hierRoot1"/>
+    </dgm:constrLst>
+    <dgm:ruleLst/>
+    <dgm:forEach name="Name3" axis="ch">
+      <dgm:forEach name="Name4" axis="self" ptType="node">
+        <dgm:layoutNode name="hierRoot1">
+          <dgm:alg type="hierRoot"/>
+          <dgm:shape xmlns:r="http://schemas.openxmlformats.org/officeDocument/2006/relationships" r:blip="">
+            <dgm:adjLst/>
+          </dgm:shape>
+          <dgm:presOf/>
+          <dgm:constrLst>
+            <dgm:constr type="bendDist" for="des" ptType="parTrans" refType="sp" fact="0.5"/>
+          </dgm:constrLst>
+          <dgm:ruleLst/>
+          <dgm:layoutNode name="composite">
+            <dgm:alg type="composite"/>
+            <dgm:shape xmlns:r="http://schemas.openxmlformats.org/officeDocument/2006/relationships" r:blip="">
+              <dgm:adjLst/>
+            </dgm:shape>
+            <dgm:presOf/>
+            <dgm:constrLst>
+              <dgm:constr type="w" for="ch" forName="background" refType="w" fact="0.9"/>
+              <dgm:constr type="h" for="ch" forName="background" refType="w" refFor="ch" refForName="background" fact="0.635"/>
+              <dgm:constr type="t" for="ch" forName="background"/>
+              <dgm:constr type="l" for="ch" forName="background"/>
+              <dgm:constr type="w" for="ch" forName="text" refType="w" fact="0.9"/>
+              <dgm:constr type="h" for="ch" forName="text" refType="w" refFor="ch" refForName="text" fact="0.635"/>
+              <dgm:constr type="t" for="ch" forName="text" refType="w" fact="0.095"/>
+              <dgm:constr type="l" for="ch" forName="text" refType="w" fact="0.1"/>
+            </dgm:constrLst>
+            <dgm:ruleLst/>
+            <dgm:layoutNode name="background" styleLbl="node0" moveWith="text">
+              <dgm:alg type="sp"/>
+              <dgm:shape xmlns:r="http://schemas.openxmlformats.org/officeDocument/2006/relationships" type="roundRect" r:blip="">
+                <dgm:adjLst>
+                  <dgm:adj idx="1" val="0.1"/>
+                </dgm:adjLst>
+              </dgm:shape>
+              <dgm:presOf/>
+              <dgm:constrLst/>
+              <dgm:ruleLst/>
+            </dgm:layoutNode>
+            <dgm:layoutNode name="text" styleLbl="fgAcc0">
+              <dgm:varLst>
+                <dgm:chPref val="3"/>
+              </dgm:varLst>
+              <dgm:alg type="tx"/>
+              <dgm:shape xmlns:r="http://schemas.openxmlformats.org/officeDocument/2006/relationships" type="roundRect" r:blip="">
+                <dgm:adjLst>
+                  <dgm:adj idx="1" val="0.1"/>
+                </dgm:adjLst>
+              </dgm:shape>
+              <dgm:presOf axis="self"/>
+              <dgm:constrLst>
+                <dgm:constr type="tMarg" refType="primFontSz" fact="0.3"/>
+                <dgm:constr type="bMarg" refType="primFontSz" fact="0.3"/>
+                <dgm:constr type="lMarg" refType="primFontSz" fact="0.3"/>
+                <dgm:constr type="rMarg" refType="primFontSz" fact="0.3"/>
+              </dgm:constrLst>
+              <dgm:ruleLst>
+                <dgm:rule type="primFontSz" val="5" fact="NaN" max="NaN"/>
+              </dgm:ruleLst>
+            </dgm:layoutNode>
+          </dgm:layoutNode>
+          <dgm:layoutNode name="hierChild2">
+            <dgm:choose name="Name5">
+              <dgm:if name="Name6" func="var" arg="dir" op="equ" val="norm">
+                <dgm:alg type="hierChild">
+                  <dgm:param type="linDir" val="fromL"/>
+                </dgm:alg>
+              </dgm:if>
+              <dgm:else name="Name7">
+                <dgm:alg type="hierChild">
+                  <dgm:param type="linDir" val="fromR"/>
+                </dgm:alg>
+              </dgm:else>
+            </dgm:choose>
+            <dgm:shape xmlns:r="http://schemas.openxmlformats.org/officeDocument/2006/relationships" r:blip="">
+              <dgm:adjLst/>
+            </dgm:shape>
+            <dgm:presOf/>
+            <dgm:constrLst/>
+            <dgm:ruleLst/>
+            <dgm:forEach name="Name8" axis="ch">
+              <dgm:forEach name="Name9" axis="self" ptType="parTrans" cnt="1">
+                <dgm:layoutNode name="Name10">
+                  <dgm:alg type="conn">
+                    <dgm:param type="dim" val="1D"/>
+                    <dgm:param type="endSty" val="noArr"/>
+                    <dgm:param type="connRout" val="bend"/>
+                    <dgm:param type="bendPt" val="end"/>
+                    <dgm:param type="begPts" val="bCtr"/>
+                    <dgm:param type="endPts" val="tCtr"/>
+                    <dgm:param type="srcNode" val="background"/>
+                    <dgm:param type="dstNode" val="background2"/>
+                  </dgm:alg>
+                  <dgm:shape xmlns:r="http://schemas.openxmlformats.org/officeDocument/2006/relationships" type="conn" r:blip="" zOrderOff="-999">
+                    <dgm:adjLst/>
+                  </dgm:shape>
+                  <dgm:presOf axis="self"/>
+                  <dgm:constrLst>
+                    <dgm:constr type="begPad"/>
+                    <dgm:constr type="endPad"/>
+                  </dgm:constrLst>
+                  <dgm:ruleLst/>
+                </dgm:layoutNode>
+              </dgm:forEach>
+              <dgm:forEach name="Name11" axis="self" ptType="node">
+                <dgm:layoutNode name="hierRoot2">
+                  <dgm:alg type="hierRoot"/>
+                  <dgm:shape xmlns:r="http://schemas.openxmlformats.org/officeDocument/2006/relationships" r:blip="">
+                    <dgm:adjLst/>
+                  </dgm:shape>
+                  <dgm:presOf/>
+                  <dgm:constrLst>
+                    <dgm:constr type="bendDist" for="des" ptType="parTrans" refType="sp" fact="0.5"/>
+                  </dgm:constrLst>
+                  <dgm:ruleLst/>
+                  <dgm:layoutNode name="composite2">
+                    <dgm:alg type="composite"/>
+                    <dgm:shape xmlns:r="http://schemas.openxmlformats.org/officeDocument/2006/relationships" r:blip="">
+                      <dgm:adjLst/>
+                    </dgm:shape>
+                    <dgm:presOf/>
+                    <dgm:constrLst>
+                      <dgm:constr type="w" for="ch" forName="background2" refType="w" fact="0.9"/>
+                      <dgm:constr type="h" for="ch" forName="background2" refType="w" refFor="ch" refForName="background2" fact="0.635"/>
+                      <dgm:constr type="t" for="ch" forName="background2"/>
+                      <dgm:constr type="l" for="ch" forName="background2"/>
+                      <dgm:constr type="w" for="ch" forName="text2" refType="w" fact="0.9"/>
+                      <dgm:constr type="h" for="ch" forName="text2" refType="w" refFor="ch" refForName="text2" fact="0.635"/>
+                      <dgm:constr type="t" for="ch" forName="text2" refType="w" fact="0.095"/>
+                      <dgm:constr type="l" for="ch" forName="text2" refType="w" fact="0.1"/>
+                    </dgm:constrLst>
+                    <dgm:ruleLst/>
+                    <dgm:layoutNode name="background2" moveWith="text2">
+                      <dgm:alg type="sp"/>
+                      <dgm:shape xmlns:r="http://schemas.openxmlformats.org/officeDocument/2006/relationships" type="roundRect" r:blip="">
+                        <dgm:adjLst>
+                          <dgm:adj idx="1" val="0.1"/>
+                        </dgm:adjLst>
+                      </dgm:shape>
+                      <dgm:presOf/>
+                      <dgm:constrLst/>
+                      <dgm:ruleLst/>
+                    </dgm:layoutNode>
+                    <dgm:layoutNode name="text2" styleLbl="fgAcc2">
+                      <dgm:varLst>
+                        <dgm:chPref val="3"/>
+                      </dgm:varLst>
+                      <dgm:alg type="tx"/>
+                      <dgm:shape xmlns:r="http://schemas.openxmlformats.org/officeDocument/2006/relationships" type="roundRect" r:blip="">
+                        <dgm:adjLst>
+                          <dgm:adj idx="1" val="0.1"/>
+                        </dgm:adjLst>
+                      </dgm:shape>
+                      <dgm:presOf axis="self"/>
+                      <dgm:constrLst>
+                        <dgm:constr type="tMarg" refType="primFontSz" fact="0.3"/>
+                        <dgm:constr type="bMarg" refType="primFontSz" fact="0.3"/>
+                        <dgm:constr type="lMarg" refType="primFontSz" fact="0.3"/>
+                        <dgm:constr type="rMarg" refType="primFontSz" fact="0.3"/>
+                      </dgm:constrLst>
+                      <dgm:ruleLst>
+                        <dgm:rule type="primFontSz" val="5" fact="NaN" max="NaN"/>
+                      </dgm:ruleLst>
+                    </dgm:layoutNode>
+                  </dgm:layoutNode>
+                  <dgm:layoutNode name="hierChild3">
+                    <dgm:choose name="Name12">
+                      <dgm:if name="Name13" func="var" arg="dir" op="equ" val="norm">
+                        <dgm:alg type="hierChild">
+                          <dgm:param type="linDir" val="fromL"/>
+                        </dgm:alg>
+                      </dgm:if>
+                      <dgm:else name="Name14">
+                        <dgm:alg type="hierChild">
+                          <dgm:param type="linDir" val="fromR"/>
+                        </dgm:alg>
+                      </dgm:else>
+                    </dgm:choose>
+                    <dgm:shape xmlns:r="http://schemas.openxmlformats.org/officeDocument/2006/relationships" r:blip="">
+                      <dgm:adjLst/>
+                    </dgm:shape>
+                    <dgm:presOf/>
+                    <dgm:constrLst/>
+                    <dgm:ruleLst/>
+                    <dgm:forEach name="Name15" axis="ch">
+                      <dgm:forEach name="Name16" axis="self" ptType="parTrans" cnt="1">
+                        <dgm:layoutNode name="Name17">
+                          <dgm:alg type="conn">
+                            <dgm:param type="dim" val="1D"/>
+                            <dgm:param type="endSty" val="noArr"/>
+                            <dgm:param type="connRout" val="bend"/>
+                            <dgm:param type="bendPt" val="end"/>
+                            <dgm:param type="begPts" val="bCtr"/>
+                            <dgm:param type="endPts" val="tCtr"/>
+                            <dgm:param type="srcNode" val="background2"/>
+                            <dgm:param type="dstNode" val="background3"/>
+                          </dgm:alg>
+                          <dgm:shape xmlns:r="http://schemas.openxmlformats.org/officeDocument/2006/relationships" type="conn" r:blip="" zOrderOff="-999">
+                            <dgm:adjLst/>
+                          </dgm:shape>
+                          <dgm:presOf axis="self"/>
+                          <dgm:constrLst>
+                            <dgm:constr type="begPad"/>
+                            <dgm:constr type="endPad"/>
+                          </dgm:constrLst>
+                          <dgm:ruleLst/>
+                        </dgm:layoutNode>
+                      </dgm:forEach>
+                      <dgm:forEach name="Name18" axis="self" ptType="node">
+                        <dgm:layoutNode name="hierRoot3">
+                          <dgm:alg type="hierRoot"/>
+                          <dgm:shape xmlns:r="http://schemas.openxmlformats.org/officeDocument/2006/relationships" r:blip="">
+                            <dgm:adjLst/>
+                          </dgm:shape>
+                          <dgm:presOf/>
+                          <dgm:constrLst>
+                            <dgm:constr type="bendDist" for="des" ptType="parTrans" refType="sp" fact="0.5"/>
+                          </dgm:constrLst>
+                          <dgm:ruleLst/>
+                          <dgm:layoutNode name="composite3">
+                            <dgm:alg type="composite"/>
+                            <dgm:shape xmlns:r="http://schemas.openxmlformats.org/officeDocument/2006/relationships" r:blip="">
+                              <dgm:adjLst/>
+                            </dgm:shape>
+                            <dgm:presOf/>
+                            <dgm:constrLst>
+                              <dgm:constr type="w" for="ch" forName="background3" refType="w" fact="0.9"/>
+                              <dgm:constr type="h" for="ch" forName="background3" refType="w" refFor="ch" refForName="background3" fact="0.635"/>
+                              <dgm:constr type="t" for="ch" forName="background3"/>
+                              <dgm:constr type="l" for="ch" forName="background3"/>
+                              <dgm:constr type="w" for="ch" forName="text3" refType="w" fact="0.9"/>
+                              <dgm:constr type="h" for="ch" forName="text3" refType="w" refFor="ch" refForName="text3" fact="0.635"/>
+                              <dgm:constr type="t" for="ch" forName="text3" refType="w" fact="0.095"/>
+                              <dgm:constr type="l" for="ch" forName="text3" refType="w" fact="0.1"/>
+                            </dgm:constrLst>
+                            <dgm:ruleLst/>
+                            <dgm:layoutNode name="background3" moveWith="text3">
+                              <dgm:alg type="sp"/>
+                              <dgm:shape xmlns:r="http://schemas.openxmlformats.org/officeDocument/2006/relationships" type="roundRect" r:blip="">
+                                <dgm:adjLst>
+                                  <dgm:adj idx="1" val="0.1"/>
+                                </dgm:adjLst>
+                              </dgm:shape>
+                              <dgm:presOf/>
+                              <dgm:constrLst/>
+                              <dgm:ruleLst/>
+                            </dgm:layoutNode>
+                            <dgm:layoutNode name="text3" styleLbl="fgAcc3">
+                              <dgm:varLst>
+                                <dgm:chPref val="3"/>
+                              </dgm:varLst>
+                              <dgm:alg type="tx"/>
+                              <dgm:shape xmlns:r="http://schemas.openxmlformats.org/officeDocument/2006/relationships" type="roundRect" r:blip="">
+                                <dgm:adjLst>
+                                  <dgm:adj idx="1" val="0.1"/>
+                                </dgm:adjLst>
+                              </dgm:shape>
+                              <dgm:presOf axis="self"/>
+                              <dgm:constrLst>
+                                <dgm:constr type="tMarg" refType="primFontSz" fact="0.3"/>
+                                <dgm:constr type="bMarg" refType="primFontSz" fact="0.3"/>
+                                <dgm:constr type="lMarg" refType="primFontSz" fact="0.3"/>
+                                <dgm:constr type="rMarg" refType="primFontSz" fact="0.3"/>
+                              </dgm:constrLst>
+                              <dgm:ruleLst>
+                                <dgm:rule type="primFontSz" val="5" fact="NaN" max="NaN"/>
+                              </dgm:ruleLst>
+                            </dgm:layoutNode>
+                          </dgm:layoutNode>
+                          <dgm:layoutNode name="hierChild4">
+                            <dgm:choose name="Name19">
+                              <dgm:if name="Name20" func="var" arg="dir" op="equ" val="norm">
+                                <dgm:alg type="hierChild">
+                                  <dgm:param type="linDir" val="fromL"/>
+                                </dgm:alg>
+                              </dgm:if>
+                              <dgm:else name="Name21">
+                                <dgm:alg type="hierChild">
+                                  <dgm:param type="linDir" val="fromR"/>
+                                </dgm:alg>
+                              </dgm:else>
+                            </dgm:choose>
+                            <dgm:shape xmlns:r="http://schemas.openxmlformats.org/officeDocument/2006/relationships" r:blip="">
+                              <dgm:adjLst/>
+                            </dgm:shape>
+                            <dgm:presOf/>
+                            <dgm:constrLst/>
+                            <dgm:ruleLst/>
+                            <dgm:forEach name="repeat" axis="ch">
+                              <dgm:forEach name="Name22" axis="self" ptType="parTrans" cnt="1">
+                                <dgm:layoutNode name="Name23">
+                                  <dgm:choose name="Name24">
+                                    <dgm:if name="Name25" axis="self" func="depth" op="lte" val="4">
+                                      <dgm:alg type="conn">
+                                        <dgm:param type="dim" val="1D"/>
+                                        <dgm:param type="endSty" val="noArr"/>
+                                        <dgm:param type="connRout" val="bend"/>
+                                        <dgm:param type="bendPt" val="end"/>
+                                        <dgm:param type="begPts" val="bCtr"/>
+                                        <dgm:param type="endPts" val="tCtr"/>
+                                        <dgm:param type="srcNode" val="background3"/>
+                                        <dgm:param type="dstNode" val="background4"/>
+                                      </dgm:alg>
+                                    </dgm:if>
+                                    <dgm:else name="Name26">
+                                      <dgm:alg type="conn">
+                                        <dgm:param type="dim" val="1D"/>
+                                        <dgm:param type="endSty" val="noArr"/>
+                                        <dgm:param type="connRout" val="bend"/>
+                                        <dgm:param type="bendPt" val="end"/>
+                                        <dgm:param type="begPts" val="bCtr"/>
+                                        <dgm:param type="endPts" val="tCtr"/>
+                                        <dgm:param type="srcNode" val="background4"/>
+                                        <dgm:param type="dstNode" val="background4"/>
+                                      </dgm:alg>
+                                    </dgm:else>
+                                  </dgm:choose>
+                                  <dgm:shape xmlns:r="http://schemas.openxmlformats.org/officeDocument/2006/relationships" type="conn" r:blip="" zOrderOff="-999">
+                                    <dgm:adjLst/>
+                                  </dgm:shape>
+                                  <dgm:presOf axis="self"/>
+                                  <dgm:constrLst>
+                                    <dgm:constr type="begPad"/>
+                                    <dgm:constr type="endPad"/>
+                                  </dgm:constrLst>
+                                  <dgm:ruleLst/>
+                                </dgm:layoutNode>
+                              </dgm:forEach>
+                              <dgm:forEach name="Name27" axis="self" ptType="node">
+                                <dgm:layoutNode name="hierRoot4">
+                                  <dgm:alg type="hierRoot"/>
+                                  <dgm:shape xmlns:r="http://schemas.openxmlformats.org/officeDocument/2006/relationships" r:blip="">
+                                    <dgm:adjLst/>
+                                  </dgm:shape>
+                                  <dgm:presOf/>
+                                  <dgm:constrLst>
+                                    <dgm:constr type="bendDist" for="des" ptType="parTrans" refType="sp" fact="0.5"/>
+                                  </dgm:constrLst>
+                                  <dgm:ruleLst/>
+                                  <dgm:layoutNode name="composite4">
+                                    <dgm:alg type="composite"/>
+                                    <dgm:shape xmlns:r="http://schemas.openxmlformats.org/officeDocument/2006/relationships" r:blip="">
+                                      <dgm:adjLst/>
+                                    </dgm:shape>
+                                    <dgm:presOf/>
+                                    <dgm:constrLst>
+                                      <dgm:constr type="w" for="ch" forName="background4" refType="w" fact="0.9"/>
+                                      <dgm:constr type="h" for="ch" forName="background4" refType="w" refFor="ch" refForName="background4" fact="0.635"/>
+                                      <dgm:constr type="t" for="ch" forName="background4"/>
+                                      <dgm:constr type="l" for="ch" forName="background4"/>
+                                      <dgm:constr type="w" for="ch" forName="text4" refType="w" fact="0.9"/>
+                                      <dgm:constr type="h" for="ch" forName="text4" refType="w" refFor="ch" refForName="text4" fact="0.635"/>
+                                      <dgm:constr type="t" for="ch" forName="text4" refType="w" fact="0.095"/>
+                                      <dgm:constr type="l" for="ch" forName="text4" refType="w" fact="0.1"/>
+                                    </dgm:constrLst>
+                                    <dgm:ruleLst/>
+                                    <dgm:layoutNode name="background4" moveWith="text4">
+                                      <dgm:alg type="sp"/>
+                                      <dgm:shape xmlns:r="http://schemas.openxmlformats.org/officeDocument/2006/relationships" type="roundRect" r:blip="">
+                                        <dgm:adjLst>
+                                          <dgm:adj idx="1" val="0.1"/>
+                                        </dgm:adjLst>
+                                      </dgm:shape>
+                                      <dgm:presOf/>
+                                      <dgm:constrLst/>
+                                      <dgm:ruleLst/>
+                                    </dgm:layoutNode>
+                                    <dgm:layoutNode name="text4" styleLbl="fgAcc4">
+                                      <dgm:varLst>
+                                        <dgm:chPref val="3"/>
+                                      </dgm:varLst>
+                                      <dgm:alg type="tx"/>
+                                      <dgm:shape xmlns:r="http://schemas.openxmlformats.org/officeDocument/2006/relationships" type="roundRect" r:blip="">
+                                        <dgm:adjLst>
+                                          <dgm:adj idx="1" val="0.1"/>
+                                        </dgm:adjLst>
+                                      </dgm:shape>
+                                      <dgm:presOf axis="self"/>
+                                      <dgm:constrLst>
+                                        <dgm:constr type="tMarg" refType="primFontSz" fact="0.3"/>
+                                        <dgm:constr type="bMarg" refType="primFontSz" fact="0.3"/>
+                                        <dgm:constr type="lMarg" refType="primFontSz" fact="0.3"/>
+                                        <dgm:constr type="rMarg" refType="primFontSz" fact="0.3"/>
+                                      </dgm:constrLst>
+                                      <dgm:ruleLst>
+                                        <dgm:rule type="primFontSz" val="5" fact="NaN" max="NaN"/>
+                                      </dgm:ruleLst>
+                                    </dgm:layoutNode>
+                                  </dgm:layoutNode>
+                                  <dgm:layoutNode name="hierChild5">
+                                    <dgm:choose name="Name28">
+                                      <dgm:if name="Name29" func="var" arg="dir" op="equ" val="norm">
+                                        <dgm:alg type="hierChild">
+                                          <dgm:param type="linDir" val="fromL"/>
+                                        </dgm:alg>
+                                      </dgm:if>
+                                      <dgm:else name="Name30">
+                                        <dgm:alg type="hierChild">
+                                          <dgm:param type="linDir" val="fromR"/>
+                                        </dgm:alg>
+                                      </dgm:else>
+                                    </dgm:choose>
+                                    <dgm:shape xmlns:r="http://schemas.openxmlformats.org/officeDocument/2006/relationships" r:blip="">
+                                      <dgm:adjLst/>
+                                    </dgm:shape>
+                                    <dgm:presOf/>
+                                    <dgm:constrLst/>
+                                    <dgm:ruleLst/>
+                                    <dgm:forEach name="Name31" ref="repeat"/>
+                                  </dgm:layoutNode>
+                                </dgm:layoutNode>
+                              </dgm:forEach>
+                            </dgm:forEach>
+                          </dgm:layoutNode>
+                        </dgm:layoutNode>
+                      </dgm:forEach>
+                    </dgm:forEach>
+                  </dgm:layoutNode>
+                </dgm:layoutNode>
+              </dgm:forEach>
+            </dgm:forEach>
+          </dgm:layoutNode>
+        </dgm:layoutNode>
+      </dgm:forEach>
+    </dgm:forEach>
+  </dgm:layoutNode>
+</dgm:layoutDef>
+</file>
+
+<file path=ppt/diagrams/quickStyle1.xml><?xml version="1.0" encoding="utf-8"?>
+<dgm:styleDef xmlns:dgm="http://schemas.openxmlformats.org/drawingml/2006/diagram" xmlns:a="http://schemas.openxmlformats.org/drawingml/2006/main" uniqueId="urn:microsoft.com/office/officeart/2005/8/quickstyle/simple4">
+  <dgm:title val=""/>
+  <dgm:desc val=""/>
+  <dgm:catLst>
+    <dgm:cat type="simple" pri="10400"/>
+  </dgm:catLst>
+  <dgm:scene3d>
+    <a:camera prst="orthographicFront"/>
+    <a:lightRig rig="threePt" dir="t"/>
+  </dgm:scene3d>
+  <dgm:styleLbl name="node0">
+    <dgm:scene3d>
+      <a:camera prst="orthographicFront"/>
+      <a:lightRig rig="threePt" dir="t"/>
+    </dgm:scene3d>
+    <dgm:sp3d/>
+    <dgm:txPr/>
+    <dgm:style>
+      <a:lnRef idx="0">
+        <a:scrgbClr r="0" g="0" b="0"/>
+      </a:lnRef>
+      <a:fillRef idx="3">
+        <a:scrgbClr r="0" g="0" b="0"/>
+      </a:fillRef>
+      <a:effectRef idx="2">
+        <a:scrgbClr r="0" g="0" b="0"/>
+      </a:effectRef>
+      <a:fontRef idx="minor">
+        <a:schemeClr val="lt1"/>
+      </a:fontRef>
+    </dgm:style>
+  </dgm:styleLbl>
+  <dgm:styleLbl name="lnNode1">
+    <dgm:scene3d>
+      <a:camera prst="orthographicFront"/>
+      <a:lightRig rig="threePt" dir="t"/>
+    </dgm:scene3d>
+    <dgm:sp3d/>
+    <dgm:txPr/>
+    <dgm:style>
+      <a:lnRef idx="1">
+        <a:scrgbClr r="0" g="0" b="0"/>
+      </a:lnRef>
+      <a:fillRef idx="3">
+        <a:scrgbClr r="0" g="0" b="0"/>
+      </a:fillRef>
+      <a:effectRef idx="2">
+        <a:scrgbClr r="0" g="0" b="0"/>
+      </a:effectRef>
+      <a:fontRef idx="minor">
+        <a:schemeClr val="lt1"/>
+      </a:fontRef>
+    </dgm:style>
+  </dgm:styleLbl>
+  <dgm:styleLbl name="vennNode1">
+    <dgm:scene3d>
+      <a:camera prst="orthographicFront"/>
+      <a:lightRig rig="threePt" dir="t"/>
+    </dgm:scene3d>
+    <dgm:sp3d/>
+    <dgm:txPr/>
+    <dgm:style>
+      <a:lnRef idx="0">
+        <a:scrgbClr r="0" g="0" b="0"/>
+      </a:lnRef>
+      <a:fillRef idx="3">
+        <a:scrgbClr r="0" g="0" b="0"/>
+      </a:fillRef>
+      <a:effectRef idx="0">
+        <a:scrgbClr r="0" g="0" b="0"/>
+      </a:effectRef>
+      <a:fontRef idx="minor">
+        <a:schemeClr val="tx1"/>
+      </a:fontRef>
+    </dgm:style>
+  </dgm:styleLbl>
+  <dgm:styleLbl name="alignNode1">
+    <dgm:scene3d>
+      <a:camera prst="orthographicFront"/>
+      <a:lightRig rig="threePt" dir="t"/>
+    </dgm:scene3d>
+    <dgm:sp3d/>
+    <dgm:txPr/>
+    <dgm:style>
+      <a:lnRef idx="1">
+        <a:scrgbClr r="0" g="0" b="0"/>
+      </a:lnRef>
+      <a:fillRef idx="3">
+        <a:scrgbClr r="0" g="0" b="0"/>
+      </a:fillRef>
+      <a:effectRef idx="2">
+        <a:scrgbClr r="0" g="0" b="0"/>
+      </a:effectRef>
+      <a:fontRef idx="minor">
+        <a:schemeClr val="lt1"/>
+      </a:fontRef>
+    </dgm:style>
+  </dgm:styleLbl>
+  <dgm:styleLbl name="node1">
+    <dgm:scene3d>
+      <a:camera prst="orthographicFront"/>
+      <a:lightRig rig="threePt" dir="t"/>
+    </dgm:scene3d>
+    <dgm:sp3d/>
+    <dgm:txPr/>
+    <dgm:style>
+      <a:lnRef idx="0">
+        <a:scrgbClr r="0" g="0" b="0"/>
+      </a:lnRef>
+      <a:fillRef idx="3">
+        <a:scrgbClr r="0" g="0" b="0"/>
+      </a:fillRef>
+      <a:effectRef idx="2">
+        <a:scrgbClr r="0" g="0" b="0"/>
+      </a:effectRef>
+      <a:fontRef idx="minor">
+        <a:schemeClr val="lt1"/>
+      </a:fontRef>
+    </dgm:style>
+  </dgm:styleLbl>
+  <dgm:styleLbl name="node2">
+    <dgm:scene3d>
+      <a:camera prst="orthographicFront"/>
+      <a:lightRig rig="threePt" dir="t"/>
+    </dgm:scene3d>
+    <dgm:sp3d/>
+    <dgm:txPr/>
+    <dgm:style>
+      <a:lnRef idx="0">
+        <a:scrgbClr r="0" g="0" b="0"/>
+      </a:lnRef>
+      <a:fillRef idx="3">
+        <a:scrgbClr r="0" g="0" b="0"/>
+      </a:fillRef>
+      <a:effectRef idx="2">
+        <a:scrgbClr r="0" g="0" b="0"/>
+      </a:effectRef>
+      <a:fontRef idx="minor">
+        <a:schemeClr val="lt1"/>
+      </a:fontRef>
+    </dgm:style>
+  </dgm:styleLbl>
+  <dgm:styleLbl name="node3">
+    <dgm:scene3d>
+      <a:camera prst="orthographicFront"/>
+      <a:lightRig rig="threePt" dir="t"/>
+    </dgm:scene3d>
+    <dgm:sp3d/>
+    <dgm:txPr/>
+    <dgm:style>
+      <a:lnRef idx="0">
+        <a:scrgbClr r="0" g="0" b="0"/>
+      </a:lnRef>
+      <a:fillRef idx="3">
+        <a:scrgbClr r="0" g="0" b="0"/>
+      </a:fillRef>
+      <a:effectRef idx="2">
+        <a:scrgbClr r="0" g="0" b="0"/>
+      </a:effectRef>
+      <a:fontRef idx="minor">
+        <a:schemeClr val="lt1"/>
+      </a:fontRef>
+    </dgm:style>
+  </dgm:styleLbl>
+  <dgm:styleLbl name="node4">
+    <dgm:scene3d>
+      <a:camera prst="orthographicFront"/>
+      <a:lightRig rig="threePt" dir="t"/>
+    </dgm:scene3d>
+    <dgm:sp3d/>
+    <dgm:txPr/>
+    <dgm:style>
+      <a:lnRef idx="0">
+        <a:scrgbClr r="0" g="0" b="0"/>
+      </a:lnRef>
+      <a:fillRef idx="3">
+        <a:scrgbClr r="0" g="0" b="0"/>
+      </a:fillRef>
+      <a:effectRef idx="2">
+        <a:scrgbClr r="0" g="0" b="0"/>
+      </a:effectRef>
+      <a:fontRef idx="minor">
+        <a:schemeClr val="lt1"/>
+      </a:fontRef>
+    </dgm:style>
+  </dgm:styleLbl>
+  <dgm:styleLbl name="fgImgPlace1">
+    <dgm:scene3d>
+      <a:camera prst="orthographicFront"/>
+      <a:lightRig rig="threePt" dir="t"/>
+    </dgm:scene3d>
+    <dgm:sp3d/>
+    <dgm:txPr/>
+    <dgm:style>
+      <a:lnRef idx="0">
+        <a:scrgbClr r="0" g="0" b="0"/>
+      </a:lnRef>
+      <a:fillRef idx="1">
+        <a:scrgbClr r="0" g="0" b="0"/>
+      </a:fillRef>
+      <a:effectRef idx="2">
+        <a:scrgbClr r="0" g="0" b="0"/>
+      </a:effectRef>
+      <a:fontRef idx="minor"/>
+    </dgm:style>
+  </dgm:styleLbl>
+  <dgm:styleLbl name="alignImgPlace1">
+    <dgm:scene3d>
+      <a:camera prst="orthographicFront"/>
+      <a:lightRig rig="threePt" dir="t"/>
+    </dgm:scene3d>
+    <dgm:sp3d/>
+    <dgm:txPr/>
+    <dgm:style>
+      <a:lnRef idx="0">
+        <a:scrgbClr r="0" g="0" b="0"/>
+      </a:lnRef>
+      <a:fillRef idx="1">
+        <a:scrgbClr r="0" g="0" b="0"/>
+      </a:fillRef>
+      <a:effectRef idx="2">
+        <a:scrgbClr r="0" g="0" b="0"/>
+      </a:effectRef>
+      <a:fontRef idx="minor"/>
+    </dgm:style>
+  </dgm:styleLbl>
+  <dgm:styleLbl name="bgImgPlace1">
+    <dgm:scene3d>
+      <a:camera prst="orthographicFront"/>
+      <a:lightRig rig="threePt" dir="t"/>
+    </dgm:scene3d>
+    <dgm:sp3d/>
+    <dgm:txPr/>
+    <dgm:style>
+      <a:lnRef idx="0">
+        <a:scrgbClr r="0" g="0" b="0"/>
+      </a:lnRef>
+      <a:fillRef idx="1">
+        <a:scrgbClr r="0" g="0" b="0"/>
+      </a:fillRef>
+      <a:effectRef idx="2">
+        <a:scrgbClr r="0" g="0" b="0"/>
+      </a:effectRef>
+      <a:fontRef idx="minor"/>
+    </dgm:style>
+  </dgm:styleLbl>
+  <dgm:styleLbl name="sibTrans2D1">
+    <dgm:scene3d>
+      <a:camera prst="orthographicFront"/>
+      <a:lightRig rig="threePt" dir="t"/>
+    </dgm:scene3d>
+    <dgm:sp3d/>
+    <dgm:txPr/>
+    <dgm:style>
+      <a:lnRef idx="0">
+        <a:scrgbClr r="0" g="0" b="0"/>
+      </a:lnRef>
+      <a:fillRef idx="3">
+        <a:scrgbClr r="0" g="0" b="0"/>
+      </a:fillRef>
+      <a:effectRef idx="2">
+        <a:scrgbClr r="0" g="0" b="0"/>
+      </a:effectRef>
+      <a:fontRef idx="minor">
+        <a:schemeClr val="lt1"/>
+      </a:fontRef>
+    </dgm:style>
+  </dgm:styleLbl>
+  <dgm:styleLbl name="fgSibTrans2D1">
+    <dgm:scene3d>
+      <a:camera prst="orthographicFront"/>
+      <a:lightRig rig="threePt" dir="t"/>
+    </dgm:scene3d>
+    <dgm:sp3d/>
+    <dgm:txPr/>
+    <dgm:style>
+      <a:lnRef idx="0">
+        <a:scrgbClr r="0" g="0" b="0"/>
+      </a:lnRef>
+      <a:fillRef idx="3">
+        <a:scrgbClr r="0" g="0" b="0"/>
+      </a:fillRef>
+      <a:effectRef idx="2">
+        <a:scrgbClr r="0" g="0" b="0"/>
+      </a:effectRef>
+      <a:fontRef idx="minor">
+        <a:schemeClr val="lt1"/>
+      </a:fontRef>
+    </dgm:style>
+  </dgm:styleLbl>
+  <dgm:styleLbl name="bgSibTrans2D1">
+    <dgm:scene3d>
+      <a:camera prst="orthographicFront"/>
+      <a:lightRig rig="threePt" dir="t"/>
+    </dgm:scene3d>
+    <dgm:sp3d/>
+    <dgm:txPr/>
+    <dgm:style>
+      <a:lnRef idx="0">
+        <a:scrgbClr r="0" g="0" b="0"/>
+      </a:lnRef>
+      <a:fillRef idx="3">
+        <a:scrgbClr r="0" g="0" b="0"/>
+      </a:fillRef>
+      <a:effectRef idx="2">
+        <a:scrgbClr r="0" g="0" b="0"/>
+      </a:effectRef>
+      <a:fontRef idx="minor">
+        <a:schemeClr val="lt1"/>
+      </a:fontRef>
+    </dgm:style>
+  </dgm:styleLbl>
+  <dgm:styleLbl name="sibTrans1D1">
+    <dgm:scene3d>
+      <a:camera prst="orthographicFront"/>
+      <a:lightRig rig="threePt" dir="t"/>
+    </dgm:scene3d>
+    <dgm:sp3d/>
+    <dgm:txPr/>
+    <dgm:style>
+      <a:lnRef idx="1">
+        <a:scrgbClr r="0" g="0" b="0"/>
+      </a:lnRef>
+      <a:fillRef idx="0">
+        <a:scrgbClr r="0" g="0" b="0"/>
+      </a:fillRef>
+      <a:effectRef idx="0">
+        <a:scrgbClr r="0" g="0" b="0"/>
+      </a:effectRef>
+      <a:fontRef idx="minor"/>
+    </dgm:style>
+  </dgm:styleLbl>
+  <dgm:styleLbl name="callout">
+    <dgm:scene3d>
+      <a:camera prst="orthographicFront"/>
+      <a:lightRig rig="threePt" dir="t"/>
+    </dgm:scene3d>
+    <dgm:sp3d/>
+    <dgm:txPr/>
+    <dgm:style>
+      <a:lnRef idx="2">
+        <a:scrgbClr r="0" g="0" b="0"/>
+      </a:lnRef>
+      <a:fillRef idx="1">
+        <a:scrgbClr r="0" g="0" b="0"/>
+      </a:fillRef>
+      <a:effectRef idx="1">
+        <a:scrgbClr r="0" g="0" b="0"/>
+      </a:effectRef>
+      <a:fontRef idx="minor"/>
+    </dgm:style>
+  </dgm:styleLbl>
+  <dgm:styleLbl name="asst0">
+    <dgm:scene3d>
+      <a:camera prst="orthographicFront"/>
+      <a:lightRig rig="threePt" dir="t"/>
+    </dgm:scene3d>
+    <dgm:sp3d/>
+    <dgm:txPr/>
+    <dgm:style>
+      <a:lnRef idx="0">
+        <a:scrgbClr r="0" g="0" b="0"/>
+      </a:lnRef>
+      <a:fillRef idx="3">
+        <a:scrgbClr r="0" g="0" b="0"/>
+      </a:fillRef>
+      <a:effectRef idx="2">
+        <a:scrgbClr r="0" g="0" b="0"/>
+      </a:effectRef>
+      <a:fontRef idx="minor">
+        <a:schemeClr val="lt1"/>
+      </a:fontRef>
+    </dgm:style>
+  </dgm:styleLbl>
+  <dgm:styleLbl name="asst1">
+    <dgm:scene3d>
+      <a:camera prst="orthographicFront"/>
+      <a:lightRig rig="threePt" dir="t"/>
+    </dgm:scene3d>
+    <dgm:sp3d/>
+    <dgm:txPr/>
+    <dgm:style>
+      <a:lnRef idx="0">
+        <a:scrgbClr r="0" g="0" b="0"/>
+      </a:lnRef>
+      <a:fillRef idx="3">
+        <a:scrgbClr r="0" g="0" b="0"/>
+      </a:fillRef>
+      <a:effectRef idx="2">
+        <a:scrgbClr r="0" g="0" b="0"/>
+      </a:effectRef>
+      <a:fontRef idx="minor">
+        <a:schemeClr val="lt1"/>
+      </a:fontRef>
+    </dgm:style>
+  </dgm:styleLbl>
+  <dgm:styleLbl name="asst2">
+    <dgm:scene3d>
+      <a:camera prst="orthographicFront"/>
+      <a:lightRig rig="threePt" dir="t"/>
+    </dgm:scene3d>
+    <dgm:sp3d/>
+    <dgm:txPr/>
+    <dgm:style>
+      <a:lnRef idx="0">
+        <a:scrgbClr r="0" g="0" b="0"/>
+      </a:lnRef>
+      <a:fillRef idx="3">
+        <a:scrgbClr r="0" g="0" b="0"/>
+      </a:fillRef>
+      <a:effectRef idx="2">
+        <a:scrgbClr r="0" g="0" b="0"/>
+      </a:effectRef>
+      <a:fontRef idx="minor">
+        <a:schemeClr val="lt1"/>
+      </a:fontRef>
+    </dgm:style>
+  </dgm:styleLbl>
+  <dgm:styleLbl name="asst3">
+    <dgm:scene3d>
+      <a:camera prst="orthographicFront"/>
+      <a:lightRig rig="threePt" dir="t"/>
+    </dgm:scene3d>
+    <dgm:sp3d/>
+    <dgm:txPr/>
+    <dgm:style>
+      <a:lnRef idx="0">
+        <a:scrgbClr r="0" g="0" b="0"/>
+      </a:lnRef>
+      <a:fillRef idx="3">
+        <a:scrgbClr r="0" g="0" b="0"/>
+      </a:fillRef>
+      <a:effectRef idx="2">
+        <a:scrgbClr r="0" g="0" b="0"/>
+      </a:effectRef>
+      <a:fontRef idx="minor">
+        <a:schemeClr val="lt1"/>
+      </a:fontRef>
+    </dgm:style>
+  </dgm:styleLbl>
+  <dgm:styleLbl name="asst4">
+    <dgm:scene3d>
+      <a:camera prst="orthographicFront"/>
+      <a:lightRig rig="threePt" dir="t"/>
+    </dgm:scene3d>
+    <dgm:sp3d/>
+    <dgm:txPr/>
+    <dgm:style>
+      <a:lnRef idx="0">
+        <a:scrgbClr r="0" g="0" b="0"/>
+      </a:lnRef>
+      <a:fillRef idx="3">
+        <a:scrgbClr r="0" g="0" b="0"/>
+      </a:fillRef>
+      <a:effectRef idx="2">
+        <a:scrgbClr r="0" g="0" b="0"/>
+      </a:effectRef>
+      <a:fontRef idx="minor">
+        <a:schemeClr val="lt1"/>
+      </a:fontRef>
+    </dgm:style>
+  </dgm:styleLbl>
+  <dgm:styleLbl name="parChTrans2D1">
+    <dgm:scene3d>
+      <a:camera prst="orthographicFront"/>
+      <a:lightRig rig="threePt" dir="t"/>
+    </dgm:scene3d>
+    <dgm:sp3d/>
+    <dgm:txPr/>
+    <dgm:style>
+      <a:lnRef idx="0">
+        <a:scrgbClr r="0" g="0" b="0"/>
+      </a:lnRef>
+      <a:fillRef idx="3">
+        <a:scrgbClr r="0" g="0" b="0"/>
+      </a:fillRef>
+      <a:effectRef idx="2">
+        <a:scrgbClr r="0" g="0" b="0"/>
+      </a:effectRef>
+      <a:fontRef idx="minor">
+        <a:schemeClr val="lt1"/>
+      </a:fontRef>
+    </dgm:style>
+  </dgm:styleLbl>
+  <dgm:styleLbl name="parChTrans2D2">
+    <dgm:scene3d>
+      <a:camera prst="orthographicFront"/>
+      <a:lightRig rig="threePt" dir="t"/>
+    </dgm:scene3d>
+    <dgm:sp3d/>
+    <dgm:txPr/>
+    <dgm:style>
+      <a:lnRef idx="0">
+        <a:scrgbClr r="0" g="0" b="0"/>
+      </a:lnRef>
+      <a:fillRef idx="3">
+        <a:scrgbClr r="0" g="0" b="0"/>
+      </a:fillRef>
+      <a:effectRef idx="2">
+        <a:scrgbClr r="0" g="0" b="0"/>
+      </a:effectRef>
+      <a:fontRef idx="minor">
+        <a:schemeClr val="lt1"/>
+      </a:fontRef>
+    </dgm:style>
+  </dgm:styleLbl>
+  <dgm:styleLbl name="parChTrans2D3">
+    <dgm:scene3d>
+      <a:camera prst="orthographicFront"/>
+      <a:lightRig rig="threePt" dir="t"/>
+    </dgm:scene3d>
+    <dgm:sp3d/>
+    <dgm:txPr/>
+    <dgm:style>
+      <a:lnRef idx="1">
+        <a:scrgbClr r="0" g="0" b="0"/>
+      </a:lnRef>
+      <a:fillRef idx="3">
+        <a:scrgbClr r="0" g="0" b="0"/>
+      </a:fillRef>
+      <a:effectRef idx="2">
+        <a:scrgbClr r="0" g="0" b="0"/>
+      </a:effectRef>
+      <a:fontRef idx="minor">
+        <a:schemeClr val="lt1"/>
+      </a:fontRef>
+    </dgm:style>
+  </dgm:styleLbl>
+  <dgm:styleLbl name="parChTrans2D4">
+    <dgm:scene3d>
+      <a:camera prst="orthographicFront"/>
+      <a:lightRig rig="threePt" dir="t"/>
+    </dgm:scene3d>
+    <dgm:sp3d/>
+    <dgm:txPr/>
+    <dgm:style>
+      <a:lnRef idx="1">
+        <a:scrgbClr r="0" g="0" b="0"/>
+      </a:lnRef>
+      <a:fillRef idx="3">
+        <a:scrgbClr r="0" g="0" b="0"/>
+      </a:fillRef>
+      <a:effectRef idx="2">
+        <a:scrgbClr r="0" g="0" b="0"/>
+      </a:effectRef>
+      <a:fontRef idx="minor">
+        <a:schemeClr val="lt1"/>
+      </a:fontRef>
+    </dgm:style>
+  </dgm:styleLbl>
+  <dgm:styleLbl name="parChTrans1D1">
+    <dgm:scene3d>
+      <a:camera prst="orthographicFront"/>
+      <a:lightRig rig="threePt" dir="t"/>
+    </dgm:scene3d>
+    <dgm:sp3d/>
+    <dgm:txPr/>
+    <dgm:style>
+      <a:lnRef idx="1">
+        <a:scrgbClr r="0" g="0" b="0"/>
+      </a:lnRef>
+      <a:fillRef idx="0">
+        <a:scrgbClr r="0" g="0" b="0"/>
+      </a:fillRef>
+      <a:effectRef idx="0">
+        <a:scrgbClr r="0" g="0" b="0"/>
+      </a:effectRef>
+      <a:fontRef idx="minor"/>
+    </dgm:style>
+  </dgm:styleLbl>
+  <dgm:styleLbl name="parChTrans1D2">
+    <dgm:scene3d>
+      <a:camera prst="orthographicFront"/>
+      <a:lightRig rig="threePt" dir="t"/>
+    </dgm:scene3d>
+    <dgm:sp3d/>
+    <dgm:txPr/>
+    <dgm:style>
+      <a:lnRef idx="1">
+        <a:scrgbClr r="0" g="0" b="0"/>
+      </a:lnRef>
+      <a:fillRef idx="0">
+        <a:scrgbClr r="0" g="0" b="0"/>
+      </a:fillRef>
+      <a:effectRef idx="0">
+        <a:scrgbClr r="0" g="0" b="0"/>
+      </a:effectRef>
+      <a:fontRef idx="minor"/>
+    </dgm:style>
+  </dgm:styleLbl>
+  <dgm:styleLbl name="parChTrans1D3">
+    <dgm:scene3d>
+      <a:camera prst="orthographicFront"/>
+      <a:lightRig rig="threePt" dir="t"/>
+    </dgm:scene3d>
+    <dgm:sp3d/>
+    <dgm:txPr/>
+    <dgm:style>
+      <a:lnRef idx="1">
+        <a:scrgbClr r="0" g="0" b="0"/>
+      </a:lnRef>
+      <a:fillRef idx="0">
+        <a:scrgbClr r="0" g="0" b="0"/>
+      </a:fillRef>
+      <a:effectRef idx="0">
+        <a:scrgbClr r="0" g="0" b="0"/>
+      </a:effectRef>
+      <a:fontRef idx="minor"/>
+    </dgm:style>
+  </dgm:styleLbl>
+  <dgm:styleLbl name="parChTrans1D4">
+    <dgm:scene3d>
+      <a:camera prst="orthographicFront"/>
+      <a:lightRig rig="threePt" dir="t"/>
+    </dgm:scene3d>
+    <dgm:sp3d/>
+    <dgm:txPr/>
+    <dgm:style>
+      <a:lnRef idx="1">
+        <a:scrgbClr r="0" g="0" b="0"/>
+      </a:lnRef>
+      <a:fillRef idx="0">
+        <a:scrgbClr r="0" g="0" b="0"/>
+      </a:fillRef>
+      <a:effectRef idx="0">
+        <a:scrgbClr r="0" g="0" b="0"/>
+      </a:effectRef>
+      <a:fontRef idx="minor"/>
+    </dgm:style>
+  </dgm:styleLbl>
+  <dgm:styleLbl name="fgAcc1">
+    <dgm:scene3d>
+      <a:camera prst="orthographicFront"/>
+      <a:lightRig rig="threePt" dir="t"/>
+    </dgm:scene3d>
+    <dgm:sp3d/>
+    <dgm:txPr/>
+    <dgm:style>
+      <a:lnRef idx="1">
+        <a:scrgbClr r="0" g="0" b="0"/>
+      </a:lnRef>
+      <a:fillRef idx="1">
+        <a:scrgbClr r="0" g="0" b="0"/>
+      </a:fillRef>
+      <a:effectRef idx="0">
+        <a:scrgbClr r="0" g="0" b="0"/>
+      </a:effectRef>
+      <a:fontRef idx="minor"/>
+    </dgm:style>
+  </dgm:styleLbl>
+  <dgm:styleLbl name="conFgAcc1">
+    <dgm:scene3d>
+      <a:camera prst="orthographicFront"/>
+      <a:lightRig rig="threePt" dir="t"/>
+    </dgm:scene3d>
+    <dgm:sp3d/>
+    <dgm:txPr/>
+    <dgm:style>
+      <a:lnRef idx="1">
+        <a:scrgbClr r="0" g="0" b="0"/>
+      </a:lnRef>
+      <a:fillRef idx="1">
+        <a:scrgbClr r="0" g="0" b="0"/>
+      </a:fillRef>
+      <a:effectRef idx="0">
+        <a:scrgbClr r="0" g="0" b="0"/>
+      </a:effectRef>
+      <a:fontRef idx="minor"/>
+    </dgm:style>
+  </dgm:styleLbl>
+  <dgm:styleLbl name="alignAcc1">
+    <dgm:scene3d>
+      <a:camera prst="orthographicFront"/>
+      <a:lightRig rig="threePt" dir="t"/>
+    </dgm:scene3d>
+    <dgm:sp3d/>
+    <dgm:txPr/>
+    <dgm:style>
+      <a:lnRef idx="1">
+        <a:scrgbClr r="0" g="0" b="0"/>
+      </a:lnRef>
+      <a:fillRef idx="1">
+        <a:scrgbClr r="0" g="0" b="0"/>
+      </a:fillRef>
+      <a:effectRef idx="0">
+        <a:scrgbClr r="0" g="0" b="0"/>
+      </a:effectRef>
+      <a:fontRef idx="minor"/>
+    </dgm:style>
+  </dgm:styleLbl>
+  <dgm:styleLbl name="trAlignAcc1">
+    <dgm:scene3d>
+      <a:camera prst="orthographicFront"/>
+      <a:lightRig rig="threePt" dir="t"/>
+    </dgm:scene3d>
+    <dgm:sp3d/>
+    <dgm:txPr/>
+    <dgm:style>
+      <a:lnRef idx="1">
+        <a:scrgbClr r="0" g="0" b="0"/>
+      </a:lnRef>
+      <a:fillRef idx="1">
+        <a:scrgbClr r="0" g="0" b="0"/>
+      </a:fillRef>
+      <a:effectRef idx="0">
+        <a:scrgbClr r="0" g="0" b="0"/>
+      </a:effectRef>
+      <a:fontRef idx="minor"/>
+    </dgm:style>
+  </dgm:styleLbl>
+  <dgm:styleLbl name="bgAcc1">
+    <dgm:scene3d>
+      <a:camera prst="orthographicFront"/>
+      <a:lightRig rig="threePt" dir="t"/>
+    </dgm:scene3d>
+    <dgm:sp3d/>
+    <dgm:txPr/>
+    <dgm:style>
+      <a:lnRef idx="1">
+        <a:scrgbClr r="0" g="0" b="0"/>
+      </a:lnRef>
+      <a:fillRef idx="1">
+        <a:scrgbClr r="0" g="0" b="0"/>
+      </a:fillRef>
+      <a:effectRef idx="0">
+        <a:scrgbClr r="0" g="0" b="0"/>
+      </a:effectRef>
+      <a:fontRef idx="minor"/>
+    </dgm:style>
+  </dgm:styleLbl>
+  <dgm:styleLbl name="solidFgAcc1">
+    <dgm:scene3d>
+      <a:camera prst="orthographicFront"/>
+      <a:lightRig rig="threePt" dir="t"/>
+    </dgm:scene3d>
+    <dgm:sp3d/>
+    <dgm:txPr/>
+    <dgm:style>
+      <a:lnRef idx="1">
+        <a:scrgbClr r="0" g="0" b="0"/>
+      </a:lnRef>
+      <a:fillRef idx="1">
+        <a:scrgbClr r="0" g="0" b="0"/>
+      </a:fillRef>
+      <a:effectRef idx="0">
+        <a:scrgbClr r="0" g="0" b="0"/>
+      </a:effectRef>
+      <a:fontRef idx="minor"/>
+    </dgm:style>
+  </dgm:styleLbl>
+  <dgm:styleLbl name="solidAlignAcc1">
+    <dgm:scene3d>
+      <a:camera prst="orthographicFront"/>
+      <a:lightRig rig="threePt" dir="t"/>
+    </dgm:scene3d>
+    <dgm:sp3d/>
+    <dgm:txPr/>
+    <dgm:style>
+      <a:lnRef idx="1">
+        <a:scrgbClr r="0" g="0" b="0"/>
+      </a:lnRef>
+      <a:fillRef idx="1">
+        <a:scrgbClr r="0" g="0" b="0"/>
+      </a:fillRef>
+      <a:effectRef idx="0">
+        <a:scrgbClr r="0" g="0" b="0"/>
+      </a:effectRef>
+      <a:fontRef idx="minor"/>
+    </dgm:style>
+  </dgm:styleLbl>
+  <dgm:styleLbl name="solidBgAcc1">
+    <dgm:scene3d>
+      <a:camera prst="orthographicFront"/>
+      <a:lightRig rig="threePt" dir="t"/>
+    </dgm:scene3d>
+    <dgm:sp3d/>
+    <dgm:txPr/>
+    <dgm:style>
+      <a:lnRef idx="1">
+        <a:scrgbClr r="0" g="0" b="0"/>
+      </a:lnRef>
+      <a:fillRef idx="1">
+        <a:scrgbClr r="0" g="0" b="0"/>
+      </a:fillRef>
+      <a:effectRef idx="0">
+        <a:scrgbClr r="0" g="0" b="0"/>
+      </a:effectRef>
+      <a:fontRef idx="minor"/>
+    </dgm:style>
+  </dgm:styleLbl>
+  <dgm:styleLbl name="fgAccFollowNode1">
+    <dgm:scene3d>
+      <a:camera prst="orthographicFront"/>
+      <a:lightRig rig="threePt" dir="t"/>
+    </dgm:scene3d>
+    <dgm:sp3d/>
+    <dgm:txPr/>
+    <dgm:style>
+      <a:lnRef idx="1">
+        <a:scrgbClr r="0" g="0" b="0"/>
+      </a:lnRef>
+      <a:fillRef idx="1">
+        <a:scrgbClr r="0" g="0" b="0"/>
+      </a:fillRef>
+      <a:effectRef idx="0">
+        <a:scrgbClr r="0" g="0" b="0"/>
+      </a:effectRef>
+      <a:fontRef idx="minor"/>
+    </dgm:style>
+  </dgm:styleLbl>
+  <dgm:styleLbl name="alignAccFollowNode1">
+    <dgm:scene3d>
+      <a:camera prst="orthographicFront"/>
+      <a:lightRig rig="threePt" dir="t"/>
+    </dgm:scene3d>
+    <dgm:sp3d/>
+    <dgm:txPr/>
+    <dgm:style>
+      <a:lnRef idx="1">
+        <a:scrgbClr r="0" g="0" b="0"/>
+      </a:lnRef>
+      <a:fillRef idx="1">
+        <a:scrgbClr r="0" g="0" b="0"/>
+      </a:fillRef>
+      <a:effectRef idx="0">
+        <a:scrgbClr r="0" g="0" b="0"/>
+      </a:effectRef>
+      <a:fontRef idx="minor"/>
+    </dgm:style>
+  </dgm:styleLbl>
+  <dgm:styleLbl name="bgAccFollowNode1">
+    <dgm:scene3d>
+      <a:camera prst="orthographicFront"/>
+      <a:lightRig rig="threePt" dir="t"/>
+    </dgm:scene3d>
+    <dgm:sp3d/>
+    <dgm:txPr/>
+    <dgm:style>
+      <a:lnRef idx="1">
+        <a:scrgbClr r="0" g="0" b="0"/>
+      </a:lnRef>
+      <a:fillRef idx="1">
+        <a:scrgbClr r="0" g="0" b="0"/>
+      </a:fillRef>
+      <a:effectRef idx="0">
+        <a:scrgbClr r="0" g="0" b="0"/>
+      </a:effectRef>
+      <a:fontRef idx="minor"/>
+    </dgm:style>
+  </dgm:styleLbl>
+  <dgm:styleLbl name="fgAcc0">
+    <dgm:scene3d>
+      <a:camera prst="orthographicFront"/>
+      <a:lightRig rig="threePt" dir="t"/>
+    </dgm:scene3d>
+    <dgm:sp3d/>
+    <dgm:txPr/>
+    <dgm:style>
+      <a:lnRef idx="1">
+        <a:scrgbClr r="0" g="0" b="0"/>
+      </a:lnRef>
+      <a:fillRef idx="1">
+        <a:scrgbClr r="0" g="0" b="0"/>
+      </a:fillRef>
+      <a:effectRef idx="0">
+        <a:scrgbClr r="0" g="0" b="0"/>
+      </a:effectRef>
+      <a:fontRef idx="minor"/>
+    </dgm:style>
+  </dgm:styleLbl>
+  <dgm:styleLbl name="fgAcc2">
+    <dgm:scene3d>
+      <a:camera prst="orthographicFront"/>
+      <a:lightRig rig="threePt" dir="t"/>
+    </dgm:scene3d>
+    <dgm:sp3d/>
+    <dgm:txPr/>
+    <dgm:style>
+      <a:lnRef idx="1">
+        <a:scrgbClr r="0" g="0" b="0"/>
+      </a:lnRef>
+      <a:fillRef idx="1">
+        <a:scrgbClr r="0" g="0" b="0"/>
+      </a:fillRef>
+      <a:effectRef idx="0">
+        <a:scrgbClr r="0" g="0" b="0"/>
+      </a:effectRef>
+      <a:fontRef idx="minor"/>
+    </dgm:style>
+  </dgm:styleLbl>
+  <dgm:styleLbl name="fgAcc3">
+    <dgm:scene3d>
+      <a:camera prst="orthographicFront"/>
+      <a:lightRig rig="threePt" dir="t"/>
+    </dgm:scene3d>
+    <dgm:sp3d/>
+    <dgm:txPr/>
+    <dgm:style>
+      <a:lnRef idx="1">
+        <a:scrgbClr r="0" g="0" b="0"/>
+      </a:lnRef>
+      <a:fillRef idx="1">
+        <a:scrgbClr r="0" g="0" b="0"/>
+      </a:fillRef>
+      <a:effectRef idx="0">
+        <a:scrgbClr r="0" g="0" b="0"/>
+      </a:effectRef>
+      <a:fontRef idx="minor"/>
+    </dgm:style>
+  </dgm:styleLbl>
+  <dgm:styleLbl name="fgAcc4">
+    <dgm:scene3d>
+      <a:camera prst="orthographicFront"/>
+      <a:lightRig rig="threePt" dir="t"/>
+    </dgm:scene3d>
+    <dgm:sp3d/>
+    <dgm:txPr/>
+    <dgm:style>
+      <a:lnRef idx="1">
+        <a:scrgbClr r="0" g="0" b="0"/>
+      </a:lnRef>
+      <a:fillRef idx="1">
+        <a:scrgbClr r="0" g="0" b="0"/>
+      </a:fillRef>
+      <a:effectRef idx="0">
+        <a:scrgbClr r="0" g="0" b="0"/>
+      </a:effectRef>
+      <a:fontRef idx="minor"/>
+    </dgm:style>
+  </dgm:styleLbl>
+  <dgm:styleLbl name="bgShp">
+    <dgm:scene3d>
+      <a:camera prst="orthographicFront"/>
+      <a:lightRig rig="threePt" dir="t"/>
+    </dgm:scene3d>
+    <dgm:sp3d/>
+    <dgm:txPr/>
+    <dgm:style>
+      <a:lnRef idx="0">
+        <a:scrgbClr r="0" g="0" b="0"/>
+      </a:lnRef>
+      <a:fillRef idx="1">
+        <a:scrgbClr r="0" g="0" b="0"/>
+      </a:fillRef>
+      <a:effectRef idx="2">
+        <a:scrgbClr r="0" g="0" b="0"/>
+      </a:effectRef>
+      <a:fontRef idx="minor"/>
+    </dgm:style>
+  </dgm:styleLbl>
+  <dgm:styleLbl name="dkBgShp">
+    <dgm:scene3d>
+      <a:camera prst="orthographicFront"/>
+      <a:lightRig rig="threePt" dir="t"/>
+    </dgm:scene3d>
+    <dgm:sp3d/>
+    <dgm:txPr/>
+    <dgm:style>
+      <a:lnRef idx="0">
+        <a:scrgbClr r="0" g="0" b="0"/>
+      </a:lnRef>
+      <a:fillRef idx="1">
+        <a:scrgbClr r="0" g="0" b="0"/>
+      </a:fillRef>
+      <a:effectRef idx="2">
+        <a:scrgbClr r="0" g="0" b="0"/>
+      </a:effectRef>
+      <a:fontRef idx="minor"/>
+    </dgm:style>
+  </dgm:styleLbl>
+  <dgm:styleLbl name="trBgShp">
+    <dgm:scene3d>
+      <a:camera prst="orthographicFront"/>
+      <a:lightRig rig="threePt" dir="t"/>
+    </dgm:scene3d>
+    <dgm:sp3d/>
+    <dgm:txPr/>
+    <dgm:style>
+      <a:lnRef idx="0">
+        <a:scrgbClr r="0" g="0" b="0"/>
+      </a:lnRef>
+      <a:fillRef idx="1">
+        <a:scrgbClr r="0" g="0" b="0"/>
+      </a:fillRef>
+      <a:effectRef idx="0">
+        <a:scrgbClr r="0" g="0" b="0"/>
+      </a:effectRef>
+      <a:fontRef idx="minor"/>
+    </dgm:style>
+  </dgm:styleLbl>
+  <dgm:styleLbl name="fgShp">
+    <dgm:scene3d>
+      <a:camera prst="orthographicFront"/>
+      <a:lightRig rig="threePt" dir="t"/>
+    </dgm:scene3d>
+    <dgm:sp3d/>
+    <dgm:txPr/>
+    <dgm:style>
+      <a:lnRef idx="0">
+        <a:scrgbClr r="0" g="0" b="0"/>
+      </a:lnRef>
+      <a:fillRef idx="3">
+        <a:scrgbClr r="0" g="0" b="0"/>
+      </a:fillRef>
+      <a:effectRef idx="2">
+        <a:scrgbClr r="0" g="0" b="0"/>
+      </a:effectRef>
+      <a:fontRef idx="minor"/>
+    </dgm:style>
+  </dgm:styleLbl>
+  <dgm:styleLbl name="revTx">
+    <dgm:scene3d>
+      <a:camera prst="orthographicFront"/>
+      <a:lightRig rig="threePt" dir="t"/>
+    </dgm:scene3d>
+    <dgm:sp3d/>
+    <dgm:txPr/>
+    <dgm:style>
+      <a:lnRef idx="0">
+        <a:scrgbClr r="0" g="0" b="0"/>
+      </a:lnRef>
+      <a:fillRef idx="0">
+        <a:scrgbClr r="0" g="0" b="0"/>
+      </a:fillRef>
+      <a:effectRef idx="0">
+        <a:scrgbClr r="0" g="0" b="0"/>
+      </a:effectRef>
+      <a:fontRef idx="minor"/>
+    </dgm:style>
+  </dgm:styleLbl>
+</dgm:styleDef>
+</file>
+
 <file path=ppt/slideLayouts/slideLayout1.xml><?xml version="1.0" encoding="utf-8"?>
 <p:sldLayout xmlns:a="http://schemas.openxmlformats.org/drawingml/2006/main" xmlns:r="http://schemas.openxmlformats.org/officeDocument/2006/relationships" xmlns:p="http://schemas.openxmlformats.org/presentationml/2006/main" type="title" preserve="1">
   <p:cSld name="Title Slide">
@@ -274,7 +3087,7 @@
           <a:p>
             <a:fld id="{64F0E216-BA48-4F04-AC4F-645AA0DD6AC6}" type="datetimeFigureOut">
               <a:rPr lang="en-US" smtClean="0"/>
-              <a:t>12/6/2022</a:t>
+              <a:t>12/7/2022</a:t>
             </a:fld>
             <a:endParaRPr lang="en-US" dirty="0"/>
           </a:p>
@@ -1322,7 +4135,7 @@
           <a:p>
             <a:fld id="{64F0E216-BA48-4F04-AC4F-645AA0DD6AC6}" type="datetimeFigureOut">
               <a:rPr lang="en-US" smtClean="0"/>
-              <a:t>12/6/2022</a:t>
+              <a:t>12/7/2022</a:t>
             </a:fld>
             <a:endParaRPr lang="en-US"/>
           </a:p>
@@ -1558,7 +4371,7 @@
           <a:p>
             <a:fld id="{64F0E216-BA48-4F04-AC4F-645AA0DD6AC6}" type="datetimeFigureOut">
               <a:rPr lang="en-US" smtClean="0"/>
-              <a:t>12/6/2022</a:t>
+              <a:t>12/7/2022</a:t>
             </a:fld>
             <a:endParaRPr lang="en-US"/>
           </a:p>
@@ -1781,7 +4594,7 @@
           <a:p>
             <a:fld id="{64F0E216-BA48-4F04-AC4F-645AA0DD6AC6}" type="datetimeFigureOut">
               <a:rPr lang="en-US" smtClean="0"/>
-              <a:t>12/6/2022</a:t>
+              <a:t>12/7/2022</a:t>
             </a:fld>
             <a:endParaRPr lang="en-US"/>
           </a:p>
@@ -2083,7 +4896,7 @@
           <a:p>
             <a:fld id="{64F0E216-BA48-4F04-AC4F-645AA0DD6AC6}" type="datetimeFigureOut">
               <a:rPr lang="en-US" smtClean="0"/>
-              <a:t>12/6/2022</a:t>
+              <a:t>12/7/2022</a:t>
             </a:fld>
             <a:endParaRPr lang="en-US"/>
           </a:p>
@@ -3547,7 +6360,7 @@
           <a:p>
             <a:fld id="{64F0E216-BA48-4F04-AC4F-645AA0DD6AC6}" type="datetimeFigureOut">
               <a:rPr lang="en-US" smtClean="0"/>
-              <a:t>12/6/2022</a:t>
+              <a:t>12/7/2022</a:t>
             </a:fld>
             <a:endParaRPr lang="en-US"/>
           </a:p>
@@ -4014,7 +6827,7 @@
           <a:p>
             <a:fld id="{64F0E216-BA48-4F04-AC4F-645AA0DD6AC6}" type="datetimeFigureOut">
               <a:rPr lang="en-US" smtClean="0"/>
-              <a:t>12/6/2022</a:t>
+              <a:t>12/7/2022</a:t>
             </a:fld>
             <a:endParaRPr lang="en-US"/>
           </a:p>
@@ -4189,7 +7002,7 @@
           <a:p>
             <a:fld id="{64F0E216-BA48-4F04-AC4F-645AA0DD6AC6}" type="datetimeFigureOut">
               <a:rPr lang="en-US" smtClean="0"/>
-              <a:t>12/6/2022</a:t>
+              <a:t>12/7/2022</a:t>
             </a:fld>
             <a:endParaRPr lang="en-US"/>
           </a:p>
@@ -4326,7 +7139,7 @@
           <a:p>
             <a:fld id="{64F0E216-BA48-4F04-AC4F-645AA0DD6AC6}" type="datetimeFigureOut">
               <a:rPr lang="en-US" smtClean="0"/>
-              <a:t>12/6/2022</a:t>
+              <a:t>12/7/2022</a:t>
             </a:fld>
             <a:endParaRPr lang="en-US"/>
           </a:p>
@@ -4676,7 +7489,7 @@
           <a:p>
             <a:fld id="{64F0E216-BA48-4F04-AC4F-645AA0DD6AC6}" type="datetimeFigureOut">
               <a:rPr lang="en-US" smtClean="0"/>
-              <a:t>12/6/2022</a:t>
+              <a:t>12/7/2022</a:t>
             </a:fld>
             <a:endParaRPr lang="en-US"/>
           </a:p>
@@ -4997,7 +7810,7 @@
           <a:p>
             <a:fld id="{64F0E216-BA48-4F04-AC4F-645AA0DD6AC6}" type="datetimeFigureOut">
               <a:rPr lang="en-US" smtClean="0"/>
-              <a:t>12/6/2022</a:t>
+              <a:t>12/7/2022</a:t>
             </a:fld>
             <a:endParaRPr lang="en-US"/>
           </a:p>
@@ -5259,7 +8072,7 @@
             <a:fld id="{64F0E216-BA48-4F04-AC4F-645AA0DD6AC6}" type="datetimeFigureOut">
               <a:rPr lang="en-US" smtClean="0"/>
               <a:pPr/>
-              <a:t>12/6/2022</a:t>
+              <a:t>12/7/2022</a:t>
             </a:fld>
             <a:endParaRPr lang="en-US" dirty="0"/>
           </a:p>
@@ -5731,7 +8544,7 @@
       </p:grpSpPr>
       <p:sp useBgFill="1">
         <p:nvSpPr>
-          <p:cNvPr id="9" name="Rectangle 8">
+          <p:cNvPr id="16" name="Rectangle 15">
             <a:extLst>
               <a:ext uri="{FF2B5EF4-FFF2-40B4-BE49-F238E27FC236}">
                 <a16:creationId xmlns:a16="http://schemas.microsoft.com/office/drawing/2014/main" id="{CA5B2A81-2C8E-4963-AFD4-E539D168B475}"/>
@@ -5823,8 +8636,8 @@
         </p:nvSpPr>
         <p:spPr>
           <a:xfrm>
-            <a:off x="4983900" y="1079500"/>
-            <a:ext cx="6119131" cy="2138400"/>
+            <a:off x="7766050" y="1079500"/>
+            <a:ext cx="3884962" cy="2138400"/>
           </a:xfrm>
         </p:spPr>
         <p:txBody>
@@ -5865,8 +8678,8 @@
         </p:nvSpPr>
         <p:spPr>
           <a:xfrm>
-            <a:off x="4980779" y="4113213"/>
-            <a:ext cx="6125372" cy="1655762"/>
+            <a:off x="7766051" y="4113213"/>
+            <a:ext cx="3884961" cy="1655762"/>
           </a:xfrm>
         </p:spPr>
         <p:txBody>
@@ -5882,38 +8695,9 @@
           </a:p>
         </p:txBody>
       </p:sp>
-      <p:pic>
-        <p:nvPicPr>
-          <p:cNvPr id="4" name="Picture 3" descr="Jigsaw puzzles in plastic figures">
-            <a:extLst>
-              <a:ext uri="{FF2B5EF4-FFF2-40B4-BE49-F238E27FC236}">
-                <a16:creationId xmlns:a16="http://schemas.microsoft.com/office/drawing/2014/main" id="{454C6B5B-3D65-BD68-4A16-3F1DB103399A}"/>
-              </a:ext>
-            </a:extLst>
-          </p:cNvPr>
-          <p:cNvPicPr>
-            <a:picLocks noChangeAspect="1"/>
-          </p:cNvPicPr>
-          <p:nvPr/>
-        </p:nvPicPr>
-        <p:blipFill rotWithShape="1">
-          <a:blip r:embed="rId2"/>
-          <a:srcRect l="32575" r="28407"/>
-          <a:stretch/>
-        </p:blipFill>
-        <p:spPr>
-          <a:xfrm>
-            <a:off x="20" y="10"/>
-            <a:ext cx="3863955" cy="6857989"/>
-          </a:xfrm>
-          <a:prstGeom prst="rect">
-            <a:avLst/>
-          </a:prstGeom>
-        </p:spPr>
-      </p:pic>
       <p:cxnSp>
         <p:nvCxnSpPr>
-          <p:cNvPr id="11" name="Straight Connector 10">
+          <p:cNvPr id="18" name="Straight Connector 17">
             <a:extLst>
               <a:ext uri="{FF2B5EF4-FFF2-40B4-BE49-F238E27FC236}">
                 <a16:creationId xmlns:a16="http://schemas.microsoft.com/office/drawing/2014/main" id="{9E7C23BC-DAA6-40E1-8166-B8C4439D1430}"/>
@@ -5936,7 +8720,7 @@
         </p:nvCxnSpPr>
         <p:spPr>
           <a:xfrm>
-            <a:off x="7773465" y="3690871"/>
+            <a:off x="9438531" y="3690871"/>
             <a:ext cx="540000" cy="0"/>
           </a:xfrm>
           <a:prstGeom prst="line">
@@ -5963,6 +8747,53 @@
           </a:fontRef>
         </p:style>
       </p:cxnSp>
+      <p:pic>
+        <p:nvPicPr>
+          <p:cNvPr id="1026" name="Picture 2" descr="russ engineering center">
+            <a:extLst>
+              <a:ext uri="{FF2B5EF4-FFF2-40B4-BE49-F238E27FC236}">
+                <a16:creationId xmlns:a16="http://schemas.microsoft.com/office/drawing/2014/main" id="{E3D6916E-22FF-13E7-F41D-C21E04BBA7B2}"/>
+              </a:ext>
+            </a:extLst>
+          </p:cNvPr>
+          <p:cNvPicPr>
+            <a:picLocks noChangeAspect="1" noChangeArrowheads="1"/>
+          </p:cNvPicPr>
+          <p:nvPr/>
+        </p:nvPicPr>
+        <p:blipFill>
+          <a:blip r:embed="rId2">
+            <a:extLst>
+              <a:ext uri="{28A0092B-C50C-407E-A947-70E740481C1C}">
+                <a14:useLocalDpi xmlns:a14="http://schemas.microsoft.com/office/drawing/2010/main" val="0"/>
+              </a:ext>
+            </a:extLst>
+          </a:blip>
+          <a:srcRect/>
+          <a:stretch>
+            <a:fillRect/>
+          </a:stretch>
+        </p:blipFill>
+        <p:spPr bwMode="auto">
+          <a:xfrm>
+            <a:off x="540785" y="1200564"/>
+            <a:ext cx="6684277" cy="4456872"/>
+          </a:xfrm>
+          <a:prstGeom prst="rect">
+            <a:avLst/>
+          </a:prstGeom>
+          <a:noFill/>
+          <a:extLst>
+            <a:ext uri="{909E8E84-426E-40DD-AFC4-6F175D3DCCD1}">
+              <a14:hiddenFill xmlns:a14="http://schemas.microsoft.com/office/drawing/2010/main">
+                <a:solidFill>
+                  <a:srgbClr val="FFFFFF"/>
+                </a:solidFill>
+              </a14:hiddenFill>
+            </a:ext>
+          </a:extLst>
+        </p:spPr>
+      </p:pic>
     </p:spTree>
     <p:extLst>
       <p:ext uri="{BB962C8B-B14F-4D97-AF65-F5344CB8AC3E}">
@@ -5976,7 +8807,7 @@
 </p:sld>
 </file>
 
-<file path=ppt/slides/slide2.xml><?xml version="1.0" encoding="utf-8"?>
+<file path=ppt/slides/slide10.xml><?xml version="1.0" encoding="utf-8"?>
 <p:sld xmlns:a="http://schemas.openxmlformats.org/drawingml/2006/main" xmlns:r="http://schemas.openxmlformats.org/officeDocument/2006/relationships" xmlns:p="http://schemas.openxmlformats.org/presentationml/2006/main">
   <p:cSld>
     <p:spTree>
@@ -5998,7 +8829,7 @@
           <p:cNvPr id="2" name="Title 1">
             <a:extLst>
               <a:ext uri="{FF2B5EF4-FFF2-40B4-BE49-F238E27FC236}">
-                <a16:creationId xmlns:a16="http://schemas.microsoft.com/office/drawing/2014/main" id="{FCE32E31-25B6-42F1-5488-D24068ED230A}"/>
+                <a16:creationId xmlns:a16="http://schemas.microsoft.com/office/drawing/2014/main" id="{423C0517-AA6A-3264-7678-8CEB05D5D9CD}"/>
               </a:ext>
             </a:extLst>
           </p:cNvPr>
@@ -6016,7 +8847,7 @@
           <a:p>
             <a:r>
               <a:rPr lang="en-US" dirty="0"/>
-              <a:t>Question</a:t>
+              <a:t>Results</a:t>
             </a:r>
           </a:p>
         </p:txBody>
@@ -6026,7 +8857,7 @@
           <p:cNvPr id="3" name="Content Placeholder 2">
             <a:extLst>
               <a:ext uri="{FF2B5EF4-FFF2-40B4-BE49-F238E27FC236}">
-                <a16:creationId xmlns:a16="http://schemas.microsoft.com/office/drawing/2014/main" id="{E5EA15B1-8F72-9BCA-08BD-055C4F4E9761}"/>
+                <a16:creationId xmlns:a16="http://schemas.microsoft.com/office/drawing/2014/main" id="{4927FD76-7F83-43E0-29F5-29E9794402A8}"/>
               </a:ext>
             </a:extLst>
           </p:cNvPr>
@@ -6044,17 +8875,272 @@
           <a:p>
             <a:r>
               <a:rPr lang="en-US" dirty="0"/>
-              <a:t>Why are the elevators in the Russ Engineering building so awful?</a:t>
+              <a:t>Interestingly I didn’t find that any idle configuration that was more efficient than the default. I suspect that part of this is due to a bias that I introduced through my estimated starting floor and ending floor distributions. I would be interest to see how this might change with a distribution based on real data or if it was distributed evenly across all floors.</a:t>
             </a:r>
           </a:p>
           <a:p>
             <a:r>
               <a:rPr lang="en-US" dirty="0"/>
-              <a:t>Could the elevators use to a different scheduling strategy and reduce the average wait time?</a:t>
+              <a:t>I decided that although I wasn’t interested in the interarrival rate of the system to run my simulation with two additional variations on the interarrival rate to confirm my thinking that its impact was negligible </a:t>
             </a:r>
           </a:p>
         </p:txBody>
       </p:sp>
+    </p:spTree>
+    <p:extLst>
+      <p:ext uri="{BB962C8B-B14F-4D97-AF65-F5344CB8AC3E}">
+        <p14:creationId xmlns:p14="http://schemas.microsoft.com/office/powerpoint/2010/main" val="716242923"/>
+      </p:ext>
+    </p:extLst>
+  </p:cSld>
+  <p:clrMapOvr>
+    <a:masterClrMapping/>
+  </p:clrMapOvr>
+</p:sld>
+</file>
+
+<file path=ppt/slides/slide2.xml><?xml version="1.0" encoding="utf-8"?>
+<p:sld xmlns:a="http://schemas.openxmlformats.org/drawingml/2006/main" xmlns:r="http://schemas.openxmlformats.org/officeDocument/2006/relationships" xmlns:p="http://schemas.openxmlformats.org/presentationml/2006/main">
+  <p:cSld>
+    <p:bg>
+      <p:bgPr>
+        <a:solidFill>
+          <a:schemeClr val="bg2"/>
+        </a:solidFill>
+        <a:effectLst/>
+      </p:bgPr>
+    </p:bg>
+    <p:spTree>
+      <p:nvGrpSpPr>
+        <p:cNvPr id="1" name=""/>
+        <p:cNvGrpSpPr/>
+        <p:nvPr/>
+      </p:nvGrpSpPr>
+      <p:grpSpPr>
+        <a:xfrm>
+          <a:off x="0" y="0"/>
+          <a:ext cx="0" cy="0"/>
+          <a:chOff x="0" y="0"/>
+          <a:chExt cx="0" cy="0"/>
+        </a:xfrm>
+      </p:grpSpPr>
+      <p:sp useBgFill="1">
+        <p:nvSpPr>
+          <p:cNvPr id="9" name="Rectangle 8">
+            <a:extLst>
+              <a:ext uri="{FF2B5EF4-FFF2-40B4-BE49-F238E27FC236}">
+                <a16:creationId xmlns:a16="http://schemas.microsoft.com/office/drawing/2014/main" id="{DB66C9CD-6BF4-44CA-8078-0BB819080761}"/>
+              </a:ext>
+              <a:ext uri="{C183D7F6-B498-43B3-948B-1728B52AA6E4}">
+                <adec:decorative xmlns:adec="http://schemas.microsoft.com/office/drawing/2017/decorative" val="1"/>
+              </a:ext>
+            </a:extLst>
+          </p:cNvPr>
+          <p:cNvSpPr>
+            <a:spLocks noGrp="1" noRot="1" noChangeAspect="1" noMove="1" noResize="1" noEditPoints="1" noAdjustHandles="1" noChangeArrowheads="1" noChangeShapeType="1" noTextEdit="1"/>
+          </p:cNvSpPr>
+          <p:nvPr>
+            <p:extLst>
+              <p:ext uri="{386F3935-93C4-4BCD-93E2-E3B085C9AB24}">
+                <p16:designElem xmlns:p16="http://schemas.microsoft.com/office/powerpoint/2015/main" val="1"/>
+              </p:ext>
+            </p:extLst>
+          </p:nvPr>
+        </p:nvSpPr>
+        <p:spPr>
+          <a:xfrm>
+            <a:off x="0" y="0"/>
+            <a:ext cx="12192000" cy="6858000"/>
+          </a:xfrm>
+          <a:prstGeom prst="rect">
+            <a:avLst/>
+          </a:prstGeom>
+          <a:ln w="12700" cap="flat" cmpd="sng" algn="ctr">
+            <a:noFill/>
+            <a:prstDash val="solid"/>
+            <a:miter lim="800000"/>
+          </a:ln>
+          <a:effectLst/>
+          <a:extLst>
+            <a:ext uri="{91240B29-F687-4F45-9708-019B960494DF}">
+              <a14:hiddenLine xmlns:a14="http://schemas.microsoft.com/office/drawing/2010/main" w="12700" cap="flat" cmpd="sng" algn="ctr">
+                <a:solidFill>
+                  <a:schemeClr val="accent1">
+                    <a:shade val="50000"/>
+                  </a:schemeClr>
+                </a:solidFill>
+                <a:prstDash val="solid"/>
+                <a:miter lim="800000"/>
+              </a14:hiddenLine>
+            </a:ext>
+          </a:extLst>
+        </p:spPr>
+        <p:style>
+          <a:lnRef idx="2">
+            <a:schemeClr val="accent1">
+              <a:shade val="50000"/>
+            </a:schemeClr>
+          </a:lnRef>
+          <a:fillRef idx="1">
+            <a:schemeClr val="accent1"/>
+          </a:fillRef>
+          <a:effectRef idx="0">
+            <a:schemeClr val="accent1"/>
+          </a:effectRef>
+          <a:fontRef idx="minor">
+            <a:schemeClr val="lt1"/>
+          </a:fontRef>
+        </p:style>
+        <p:txBody>
+          <a:bodyPr rtlCol="0" anchor="ctr"/>
+          <a:lstStyle/>
+          <a:p>
+            <a:pPr algn="ctr"/>
+            <a:endParaRPr lang="en-US"/>
+          </a:p>
+        </p:txBody>
+      </p:sp>
+      <p:sp>
+        <p:nvSpPr>
+          <p:cNvPr id="2" name="Title 1">
+            <a:extLst>
+              <a:ext uri="{FF2B5EF4-FFF2-40B4-BE49-F238E27FC236}">
+                <a16:creationId xmlns:a16="http://schemas.microsoft.com/office/drawing/2014/main" id="{FCE32E31-25B6-42F1-5488-D24068ED230A}"/>
+              </a:ext>
+            </a:extLst>
+          </p:cNvPr>
+          <p:cNvSpPr>
+            <a:spLocks noGrp="1"/>
+          </p:cNvSpPr>
+          <p:nvPr>
+            <p:ph type="title"/>
+          </p:nvPr>
+        </p:nvSpPr>
+        <p:spPr>
+          <a:xfrm>
+            <a:off x="1078100" y="542671"/>
+            <a:ext cx="10026650" cy="1124202"/>
+          </a:xfrm>
+        </p:spPr>
+        <p:txBody>
+          <a:bodyPr wrap="square" anchor="ctr">
+            <a:normAutofit/>
+          </a:bodyPr>
+          <a:lstStyle/>
+          <a:p>
+            <a:pPr algn="ctr"/>
+            <a:r>
+              <a:rPr lang="en-US"/>
+              <a:t>Question</a:t>
+            </a:r>
+          </a:p>
+        </p:txBody>
+      </p:sp>
+      <p:sp useBgFill="1">
+        <p:nvSpPr>
+          <p:cNvPr id="11" name="Rectangle 10">
+            <a:extLst>
+              <a:ext uri="{FF2B5EF4-FFF2-40B4-BE49-F238E27FC236}">
+                <a16:creationId xmlns:a16="http://schemas.microsoft.com/office/drawing/2014/main" id="{F883A8D1-ED1B-47A1-AA44-289C080EDDB9}"/>
+              </a:ext>
+              <a:ext uri="{C183D7F6-B498-43B3-948B-1728B52AA6E4}">
+                <adec:decorative xmlns:adec="http://schemas.microsoft.com/office/drawing/2017/decorative" val="1"/>
+              </a:ext>
+            </a:extLst>
+          </p:cNvPr>
+          <p:cNvSpPr>
+            <a:spLocks noGrp="1" noRot="1" noChangeAspect="1" noMove="1" noResize="1" noEditPoints="1" noAdjustHandles="1" noChangeArrowheads="1" noChangeShapeType="1" noTextEdit="1"/>
+          </p:cNvSpPr>
+          <p:nvPr>
+            <p:extLst>
+              <p:ext uri="{386F3935-93C4-4BCD-93E2-E3B085C9AB24}">
+                <p16:designElem xmlns:p16="http://schemas.microsoft.com/office/powerpoint/2015/main" val="1"/>
+              </p:ext>
+            </p:extLst>
+          </p:nvPr>
+        </p:nvSpPr>
+        <p:spPr>
+          <a:xfrm>
+            <a:off x="0" y="2252664"/>
+            <a:ext cx="12192000" cy="4605336"/>
+          </a:xfrm>
+          <a:prstGeom prst="rect">
+            <a:avLst/>
+          </a:prstGeom>
+          <a:solidFill>
+            <a:schemeClr val="bg1">
+              <a:alpha val="20000"/>
+            </a:schemeClr>
+          </a:solidFill>
+          <a:ln w="12700" cap="flat" cmpd="sng" algn="ctr">
+            <a:noFill/>
+            <a:prstDash val="solid"/>
+            <a:miter lim="800000"/>
+          </a:ln>
+          <a:effectLst/>
+        </p:spPr>
+        <p:style>
+          <a:lnRef idx="2">
+            <a:schemeClr val="accent1">
+              <a:shade val="50000"/>
+            </a:schemeClr>
+          </a:lnRef>
+          <a:fillRef idx="1">
+            <a:schemeClr val="accent1"/>
+          </a:fillRef>
+          <a:effectRef idx="0">
+            <a:schemeClr val="accent1"/>
+          </a:effectRef>
+          <a:fontRef idx="minor">
+            <a:schemeClr val="lt1"/>
+          </a:fontRef>
+        </p:style>
+        <p:txBody>
+          <a:bodyPr rtlCol="0" anchor="ctr"/>
+          <a:lstStyle/>
+          <a:p>
+            <a:pPr algn="ctr"/>
+            <a:endParaRPr lang="en-US">
+              <a:solidFill>
+                <a:schemeClr val="bg1">
+                  <a:alpha val="20000"/>
+                </a:schemeClr>
+              </a:solidFill>
+            </a:endParaRPr>
+          </a:p>
+        </p:txBody>
+      </p:sp>
+      <p:graphicFrame>
+        <p:nvGraphicFramePr>
+          <p:cNvPr id="5" name="Content Placeholder 2">
+            <a:extLst>
+              <a:ext uri="{FF2B5EF4-FFF2-40B4-BE49-F238E27FC236}">
+                <a16:creationId xmlns:a16="http://schemas.microsoft.com/office/drawing/2014/main" id="{D9D773B0-A74E-A451-80BE-F8C3846F3518}"/>
+              </a:ext>
+            </a:extLst>
+          </p:cNvPr>
+          <p:cNvGraphicFramePr>
+            <a:graphicFrameLocks noGrp="1"/>
+          </p:cNvGraphicFramePr>
+          <p:nvPr>
+            <p:ph idx="1"/>
+            <p:extLst>
+              <p:ext uri="{D42A27DB-BD31-4B8C-83A1-F6EECF244321}">
+                <p14:modId xmlns:p14="http://schemas.microsoft.com/office/powerpoint/2010/main" val="98774296"/>
+              </p:ext>
+            </p:extLst>
+          </p:nvPr>
+        </p:nvGraphicFramePr>
+        <p:xfrm>
+          <a:off x="541338" y="2843212"/>
+          <a:ext cx="11109674" cy="3472118"/>
+        </p:xfrm>
+        <a:graphic>
+          <a:graphicData uri="http://schemas.openxmlformats.org/drawingml/2006/diagram">
+            <dgm:relIds xmlns:dgm="http://schemas.openxmlformats.org/drawingml/2006/diagram" xmlns:r="http://schemas.openxmlformats.org/officeDocument/2006/relationships" r:dm="rId2" r:lo="rId3" r:qs="rId4" r:cs="rId5"/>
+          </a:graphicData>
+        </a:graphic>
+      </p:graphicFrame>
     </p:spTree>
     <p:extLst>
       <p:ext uri="{BB962C8B-B14F-4D97-AF65-F5344CB8AC3E}">
@@ -6134,7 +9220,24 @@
           <a:bodyPr/>
           <a:lstStyle/>
           <a:p>
-            <a:endParaRPr lang="en-US" dirty="0"/>
+            <a:r>
+              <a:rPr lang="en-US" dirty="0"/>
+              <a:t>I’m sure we’re all familiar with the </a:t>
+            </a:r>
+            <a:r>
+              <a:rPr lang="en-US" dirty="0" err="1"/>
+              <a:t>iconically</a:t>
+            </a:r>
+            <a:r>
+              <a:rPr lang="en-US" dirty="0"/>
+              <a:t> slow elevators of the Fritz and Delores Russ Engineering building, such is the case that we are talking about a simulation of those sluggish lifts.</a:t>
+            </a:r>
+          </a:p>
+          <a:p>
+            <a:r>
+              <a:rPr lang="en-US" dirty="0"/>
+              <a:t>For those less familiar, the Russ Engineering Center at Wright State has two elevators in the lobby of the building. These elevators, by default, idle at the floor that they last stopped on until called again to pickup the next rider. My goal is to see if a different idle configuration might decrease the average wait time.</a:t>
+            </a:r>
           </a:p>
         </p:txBody>
       </p:sp>
@@ -6173,6 +9276,842 @@
           <p:cNvPr id="2" name="Title 1">
             <a:extLst>
               <a:ext uri="{FF2B5EF4-FFF2-40B4-BE49-F238E27FC236}">
+                <a16:creationId xmlns:a16="http://schemas.microsoft.com/office/drawing/2014/main" id="{247D44E0-454F-6988-FE07-0061A17FB00A}"/>
+              </a:ext>
+            </a:extLst>
+          </p:cNvPr>
+          <p:cNvSpPr>
+            <a:spLocks noGrp="1"/>
+          </p:cNvSpPr>
+          <p:nvPr>
+            <p:ph type="title"/>
+          </p:nvPr>
+        </p:nvSpPr>
+        <p:spPr/>
+        <p:txBody>
+          <a:bodyPr>
+            <a:normAutofit fontScale="90000"/>
+          </a:bodyPr>
+          <a:lstStyle/>
+          <a:p>
+            <a:r>
+              <a:rPr lang="en-US" dirty="0"/>
+              <a:t>System – Tested configuration Methods</a:t>
+            </a:r>
+          </a:p>
+        </p:txBody>
+      </p:sp>
+      <p:sp>
+        <p:nvSpPr>
+          <p:cNvPr id="3" name="Content Placeholder 2">
+            <a:extLst>
+              <a:ext uri="{FF2B5EF4-FFF2-40B4-BE49-F238E27FC236}">
+                <a16:creationId xmlns:a16="http://schemas.microsoft.com/office/drawing/2014/main" id="{C1465251-3967-26FB-DB2B-6407E058C13E}"/>
+              </a:ext>
+            </a:extLst>
+          </p:cNvPr>
+          <p:cNvSpPr>
+            <a:spLocks noGrp="1"/>
+          </p:cNvSpPr>
+          <p:nvPr>
+            <p:ph idx="1"/>
+          </p:nvPr>
+        </p:nvSpPr>
+        <p:spPr/>
+        <p:txBody>
+          <a:bodyPr>
+            <a:normAutofit fontScale="92500" lnSpcReduction="20000"/>
+          </a:bodyPr>
+          <a:lstStyle/>
+          <a:p>
+            <a:r>
+              <a:rPr lang="en-US" dirty="0"/>
+              <a:t>I looked at three alternate configurations for the elevator's idle operation:</a:t>
+            </a:r>
+          </a:p>
+          <a:p>
+            <a:r>
+              <a:rPr lang="en-US" dirty="0"/>
+              <a:t>Idle One – In this configuration the elevator will always return to the first floor if it does not have anyone queued.</a:t>
+            </a:r>
+          </a:p>
+          <a:p>
+            <a:r>
+              <a:rPr lang="en-US" dirty="0"/>
+              <a:t>Sequential – In this configuration the two elevators always move in opposed directions, elevator one moves up while elevator two moves down. Additionally, if elevator one brings someone to the third or fourth floor, it will return to the first floor if the queue is empty. If elevator two brings someone down to the first or second floor, it will return to the fourth floor if the queue is empty.</a:t>
+            </a:r>
+          </a:p>
+          <a:p>
+            <a:r>
+              <a:rPr lang="en-US" dirty="0"/>
+              <a:t>One-Four – In this configuration the elevators have no directional preference but, if elevator one has no queue it will always return to the first floor and if elevator two has no queue it will return to the fourth floor.</a:t>
+            </a:r>
+          </a:p>
+        </p:txBody>
+      </p:sp>
+    </p:spTree>
+    <p:extLst>
+      <p:ext uri="{BB962C8B-B14F-4D97-AF65-F5344CB8AC3E}">
+        <p14:creationId xmlns:p14="http://schemas.microsoft.com/office/powerpoint/2010/main" val="4180425160"/>
+      </p:ext>
+    </p:extLst>
+  </p:cSld>
+  <p:clrMapOvr>
+    <a:masterClrMapping/>
+  </p:clrMapOvr>
+</p:sld>
+</file>
+
+<file path=ppt/slides/slide5.xml><?xml version="1.0" encoding="utf-8"?>
+<p:sld xmlns:a="http://schemas.openxmlformats.org/drawingml/2006/main" xmlns:r="http://schemas.openxmlformats.org/officeDocument/2006/relationships" xmlns:p="http://schemas.openxmlformats.org/presentationml/2006/main">
+  <p:cSld>
+    <p:spTree>
+      <p:nvGrpSpPr>
+        <p:cNvPr id="1" name=""/>
+        <p:cNvGrpSpPr/>
+        <p:nvPr/>
+      </p:nvGrpSpPr>
+      <p:grpSpPr>
+        <a:xfrm>
+          <a:off x="0" y="0"/>
+          <a:ext cx="0" cy="0"/>
+          <a:chOff x="0" y="0"/>
+          <a:chExt cx="0" cy="0"/>
+        </a:xfrm>
+      </p:grpSpPr>
+      <p:sp>
+        <p:nvSpPr>
+          <p:cNvPr id="2" name="Title 1">
+            <a:extLst>
+              <a:ext uri="{FF2B5EF4-FFF2-40B4-BE49-F238E27FC236}">
+                <a16:creationId xmlns:a16="http://schemas.microsoft.com/office/drawing/2014/main" id="{247D44E0-454F-6988-FE07-0061A17FB00A}"/>
+              </a:ext>
+            </a:extLst>
+          </p:cNvPr>
+          <p:cNvSpPr>
+            <a:spLocks noGrp="1"/>
+          </p:cNvSpPr>
+          <p:nvPr>
+            <p:ph type="title"/>
+          </p:nvPr>
+        </p:nvSpPr>
+        <p:spPr/>
+        <p:txBody>
+          <a:bodyPr/>
+          <a:lstStyle/>
+          <a:p>
+            <a:r>
+              <a:rPr lang="en-US" dirty="0"/>
+              <a:t>System - Assumptions</a:t>
+            </a:r>
+          </a:p>
+        </p:txBody>
+      </p:sp>
+      <p:sp>
+        <p:nvSpPr>
+          <p:cNvPr id="3" name="Content Placeholder 2">
+            <a:extLst>
+              <a:ext uri="{FF2B5EF4-FFF2-40B4-BE49-F238E27FC236}">
+                <a16:creationId xmlns:a16="http://schemas.microsoft.com/office/drawing/2014/main" id="{C1465251-3967-26FB-DB2B-6407E058C13E}"/>
+              </a:ext>
+            </a:extLst>
+          </p:cNvPr>
+          <p:cNvSpPr>
+            <a:spLocks noGrp="1"/>
+          </p:cNvSpPr>
+          <p:nvPr>
+            <p:ph idx="1"/>
+          </p:nvPr>
+        </p:nvSpPr>
+        <p:spPr>
+          <a:xfrm>
+            <a:off x="1079500" y="1839814"/>
+            <a:ext cx="10026650" cy="3978275"/>
+          </a:xfrm>
+        </p:spPr>
+        <p:txBody>
+          <a:bodyPr>
+            <a:normAutofit fontScale="92500" lnSpcReduction="10000"/>
+          </a:bodyPr>
+          <a:lstStyle/>
+          <a:p>
+            <a:r>
+              <a:rPr lang="en-US" dirty="0"/>
+              <a:t>In making this simulation I had to make several assumptions of the world:</a:t>
+            </a:r>
+          </a:p>
+          <a:p>
+            <a:r>
+              <a:rPr lang="en-US" dirty="0"/>
+              <a:t>Some primary assumptions that I made are that the travel time between floors is uniformly within a range of 9.5-10.5 or 1 seconds and the time that it takes for the doors to open or close is uniformly within a range of 3.8 to 5.3 or 1.5 seconds.</a:t>
+            </a:r>
+          </a:p>
+          <a:p>
+            <a:r>
+              <a:rPr lang="en-US" dirty="0"/>
+              <a:t>I also figured that because we are looking at wait time and not throughput, interarrival time would not matter all too much. So, I estimated that someone would arrive on a floor at a random exponentially distributed time with a mean 35 seconds. I felt like this rate was enough to saturate elevator usage so that people would have to wait but not so much that the elevators could never idle. Ideally, I would’ve gotten real world data from each floor to reflect the true system better, but, due to how limited my schedule was to collect data I felt this was adequate.</a:t>
+            </a:r>
+          </a:p>
+        </p:txBody>
+      </p:sp>
+    </p:spTree>
+    <p:extLst>
+      <p:ext uri="{BB962C8B-B14F-4D97-AF65-F5344CB8AC3E}">
+        <p14:creationId xmlns:p14="http://schemas.microsoft.com/office/powerpoint/2010/main" val="2697917210"/>
+      </p:ext>
+    </p:extLst>
+  </p:cSld>
+  <p:clrMapOvr>
+    <a:masterClrMapping/>
+  </p:clrMapOvr>
+</p:sld>
+</file>
+
+<file path=ppt/slides/slide6.xml><?xml version="1.0" encoding="utf-8"?>
+<p:sld xmlns:a="http://schemas.openxmlformats.org/drawingml/2006/main" xmlns:r="http://schemas.openxmlformats.org/officeDocument/2006/relationships" xmlns:p="http://schemas.openxmlformats.org/presentationml/2006/main">
+  <p:cSld>
+    <p:spTree>
+      <p:nvGrpSpPr>
+        <p:cNvPr id="1" name=""/>
+        <p:cNvGrpSpPr/>
+        <p:nvPr/>
+      </p:nvGrpSpPr>
+      <p:grpSpPr>
+        <a:xfrm>
+          <a:off x="0" y="0"/>
+          <a:ext cx="0" cy="0"/>
+          <a:chOff x="0" y="0"/>
+          <a:chExt cx="0" cy="0"/>
+        </a:xfrm>
+      </p:grpSpPr>
+      <p:sp>
+        <p:nvSpPr>
+          <p:cNvPr id="2" name="Title 1">
+            <a:extLst>
+              <a:ext uri="{FF2B5EF4-FFF2-40B4-BE49-F238E27FC236}">
+                <a16:creationId xmlns:a16="http://schemas.microsoft.com/office/drawing/2014/main" id="{247D44E0-454F-6988-FE07-0061A17FB00A}"/>
+              </a:ext>
+            </a:extLst>
+          </p:cNvPr>
+          <p:cNvSpPr>
+            <a:spLocks noGrp="1"/>
+          </p:cNvSpPr>
+          <p:nvPr>
+            <p:ph type="title"/>
+          </p:nvPr>
+        </p:nvSpPr>
+        <p:spPr/>
+        <p:txBody>
+          <a:bodyPr/>
+          <a:lstStyle/>
+          <a:p>
+            <a:r>
+              <a:rPr lang="en-US" dirty="0"/>
+              <a:t>System - Assumptions</a:t>
+            </a:r>
+          </a:p>
+        </p:txBody>
+      </p:sp>
+      <p:sp>
+        <p:nvSpPr>
+          <p:cNvPr id="3" name="Content Placeholder 2">
+            <a:extLst>
+              <a:ext uri="{FF2B5EF4-FFF2-40B4-BE49-F238E27FC236}">
+                <a16:creationId xmlns:a16="http://schemas.microsoft.com/office/drawing/2014/main" id="{C1465251-3967-26FB-DB2B-6407E058C13E}"/>
+              </a:ext>
+            </a:extLst>
+          </p:cNvPr>
+          <p:cNvSpPr>
+            <a:spLocks noGrp="1"/>
+          </p:cNvSpPr>
+          <p:nvPr>
+            <p:ph idx="1"/>
+          </p:nvPr>
+        </p:nvSpPr>
+        <p:spPr>
+          <a:xfrm>
+            <a:off x="193040" y="1839812"/>
+            <a:ext cx="7782560" cy="4784508"/>
+          </a:xfrm>
+        </p:spPr>
+        <p:txBody>
+          <a:bodyPr>
+            <a:normAutofit fontScale="92500" lnSpcReduction="20000"/>
+          </a:bodyPr>
+          <a:lstStyle/>
+          <a:p>
+            <a:r>
+              <a:rPr lang="en-US" dirty="0"/>
+              <a:t>Another set of assumptions I had to make was the distribution of what floors people started on and went to. This was a datapoint that I didn’t feel was feasible to collect without something or someone to watch the floor selector panel and current floor display inside the elevator. Instead of collecting real data, I estimated it from my observed experience over the past 4 years. (estimations found to the right)</a:t>
+            </a:r>
+          </a:p>
+          <a:p>
+            <a:r>
+              <a:rPr lang="en-US" dirty="0"/>
+              <a:t>No one </a:t>
+            </a:r>
+            <a:r>
+              <a:rPr lang="en-US" dirty="0" err="1"/>
+              <a:t>bawks</a:t>
+            </a:r>
+            <a:r>
+              <a:rPr lang="en-US" dirty="0"/>
+              <a:t>. Additionally, each arrival is considered a batch arrival. This means that each time a new “rider” is generated, it is treated the same as if someone in the real system pressed the call button and if more people do or don’t show up it is not called again till that batch has left. Part of this effect comes from “riders” being generated on a system level then assigned a floor, and not on a per floor basis.</a:t>
+            </a:r>
+          </a:p>
+          <a:p>
+            <a:endParaRPr lang="en-US" dirty="0"/>
+          </a:p>
+        </p:txBody>
+      </p:sp>
+      <p:sp>
+        <p:nvSpPr>
+          <p:cNvPr id="4" name="TextBox 3">
+            <a:extLst>
+              <a:ext uri="{FF2B5EF4-FFF2-40B4-BE49-F238E27FC236}">
+                <a16:creationId xmlns:a16="http://schemas.microsoft.com/office/drawing/2014/main" id="{8570AA46-A1E0-793B-3A88-41C6E29036B2}"/>
+              </a:ext>
+            </a:extLst>
+          </p:cNvPr>
+          <p:cNvSpPr txBox="1"/>
+          <p:nvPr/>
+        </p:nvSpPr>
+        <p:spPr>
+          <a:xfrm>
+            <a:off x="7559040" y="1839814"/>
+            <a:ext cx="3718560" cy="369332"/>
+          </a:xfrm>
+          <a:prstGeom prst="rect">
+            <a:avLst/>
+          </a:prstGeom>
+          <a:noFill/>
+        </p:spPr>
+        <p:txBody>
+          <a:bodyPr wrap="square" rtlCol="0">
+            <a:spAutoFit/>
+          </a:bodyPr>
+          <a:lstStyle/>
+          <a:p>
+            <a:endParaRPr lang="en-US" dirty="0"/>
+          </a:p>
+        </p:txBody>
+      </p:sp>
+      <p:sp>
+        <p:nvSpPr>
+          <p:cNvPr id="7" name="Content Placeholder 2">
+            <a:extLst>
+              <a:ext uri="{FF2B5EF4-FFF2-40B4-BE49-F238E27FC236}">
+                <a16:creationId xmlns:a16="http://schemas.microsoft.com/office/drawing/2014/main" id="{044AAA41-CD07-772C-E335-A7063B024C96}"/>
+              </a:ext>
+            </a:extLst>
+          </p:cNvPr>
+          <p:cNvSpPr txBox="1">
+            <a:spLocks/>
+          </p:cNvSpPr>
+          <p:nvPr/>
+        </p:nvSpPr>
+        <p:spPr>
+          <a:xfrm>
+            <a:off x="4591050" y="1839811"/>
+            <a:ext cx="4187190" cy="4671895"/>
+          </a:xfrm>
+          <a:prstGeom prst="rect">
+            <a:avLst/>
+          </a:prstGeom>
+        </p:spPr>
+        <p:txBody>
+          <a:bodyPr vert="horz" lIns="0" tIns="0" rIns="0" bIns="0" rtlCol="0" anchor="t" anchorCtr="0">
+            <a:normAutofit/>
+          </a:bodyPr>
+          <a:lstStyle>
+            <a:lvl1pPr marL="360000" indent="-360000" algn="l" defTabSz="914400" rtl="0" eaLnBrk="1" latinLnBrk="0" hangingPunct="1">
+              <a:lnSpc>
+                <a:spcPct val="125000"/>
+              </a:lnSpc>
+              <a:spcBef>
+                <a:spcPts val="1000"/>
+              </a:spcBef>
+              <a:buClr>
+                <a:schemeClr val="accent1">
+                  <a:lumMod val="60000"/>
+                  <a:lumOff val="40000"/>
+                </a:schemeClr>
+              </a:buClr>
+              <a:buFont typeface="Wingdings" panose="05000000000000000000" pitchFamily="2" charset="2"/>
+              <a:buChar char=""/>
+              <a:defRPr sz="2000" kern="1200">
+                <a:solidFill>
+                  <a:schemeClr val="tx1">
+                    <a:alpha val="70000"/>
+                  </a:schemeClr>
+                </a:solidFill>
+                <a:latin typeface="+mn-lt"/>
+                <a:ea typeface="+mn-ea"/>
+                <a:cs typeface="+mn-cs"/>
+              </a:defRPr>
+            </a:lvl1pPr>
+            <a:lvl2pPr marL="360000" indent="0" algn="l" defTabSz="914400" rtl="0" eaLnBrk="1" latinLnBrk="0" hangingPunct="1">
+              <a:lnSpc>
+                <a:spcPct val="125000"/>
+              </a:lnSpc>
+              <a:spcBef>
+                <a:spcPts val="500"/>
+              </a:spcBef>
+              <a:buClr>
+                <a:schemeClr val="accent1">
+                  <a:lumMod val="60000"/>
+                  <a:lumOff val="40000"/>
+                </a:schemeClr>
+              </a:buClr>
+              <a:buFontTx/>
+              <a:buNone/>
+              <a:defRPr sz="2000" i="1" kern="1200">
+                <a:solidFill>
+                  <a:schemeClr val="tx1">
+                    <a:alpha val="70000"/>
+                  </a:schemeClr>
+                </a:solidFill>
+                <a:latin typeface="+mn-lt"/>
+                <a:ea typeface="+mn-ea"/>
+                <a:cs typeface="+mn-cs"/>
+              </a:defRPr>
+            </a:lvl2pPr>
+            <a:lvl3pPr marL="1080000" indent="-360000" algn="l" defTabSz="914400" rtl="0" eaLnBrk="1" latinLnBrk="0" hangingPunct="1">
+              <a:lnSpc>
+                <a:spcPct val="125000"/>
+              </a:lnSpc>
+              <a:spcBef>
+                <a:spcPts val="500"/>
+              </a:spcBef>
+              <a:buClr>
+                <a:schemeClr val="accent1">
+                  <a:lumMod val="60000"/>
+                  <a:lumOff val="40000"/>
+                </a:schemeClr>
+              </a:buClr>
+              <a:buFont typeface="Wingdings" panose="05000000000000000000" pitchFamily="2" charset="2"/>
+              <a:buChar char=""/>
+              <a:defRPr sz="2000" kern="1200">
+                <a:solidFill>
+                  <a:schemeClr val="tx1">
+                    <a:alpha val="70000"/>
+                  </a:schemeClr>
+                </a:solidFill>
+                <a:latin typeface="+mn-lt"/>
+                <a:ea typeface="+mn-ea"/>
+                <a:cs typeface="+mn-cs"/>
+              </a:defRPr>
+            </a:lvl3pPr>
+            <a:lvl4pPr marL="1080000" indent="0" algn="l" defTabSz="914400" rtl="0" eaLnBrk="1" latinLnBrk="0" hangingPunct="1">
+              <a:lnSpc>
+                <a:spcPct val="125000"/>
+              </a:lnSpc>
+              <a:spcBef>
+                <a:spcPts val="500"/>
+              </a:spcBef>
+              <a:buClr>
+                <a:schemeClr val="accent1">
+                  <a:lumMod val="60000"/>
+                  <a:lumOff val="40000"/>
+                </a:schemeClr>
+              </a:buClr>
+              <a:buFontTx/>
+              <a:buNone/>
+              <a:defRPr sz="2000" i="1" kern="1200">
+                <a:solidFill>
+                  <a:schemeClr val="tx1">
+                    <a:alpha val="70000"/>
+                  </a:schemeClr>
+                </a:solidFill>
+                <a:latin typeface="+mn-lt"/>
+                <a:ea typeface="+mn-ea"/>
+                <a:cs typeface="+mn-cs"/>
+              </a:defRPr>
+            </a:lvl4pPr>
+            <a:lvl5pPr marL="1800000" indent="-360000" algn="l" defTabSz="914400" rtl="0" eaLnBrk="1" latinLnBrk="0" hangingPunct="1">
+              <a:lnSpc>
+                <a:spcPct val="125000"/>
+              </a:lnSpc>
+              <a:spcBef>
+                <a:spcPts val="500"/>
+              </a:spcBef>
+              <a:buClr>
+                <a:schemeClr val="accent1">
+                  <a:lumMod val="60000"/>
+                  <a:lumOff val="40000"/>
+                </a:schemeClr>
+              </a:buClr>
+              <a:buFont typeface="Wingdings" panose="05000000000000000000" pitchFamily="2" charset="2"/>
+              <a:buChar char=""/>
+              <a:defRPr sz="2000" kern="1200">
+                <a:solidFill>
+                  <a:schemeClr val="tx1">
+                    <a:alpha val="70000"/>
+                  </a:schemeClr>
+                </a:solidFill>
+                <a:latin typeface="+mn-lt"/>
+                <a:ea typeface="+mn-ea"/>
+                <a:cs typeface="+mn-cs"/>
+              </a:defRPr>
+            </a:lvl5pPr>
+            <a:lvl6pPr marL="2514600" indent="-228600" algn="l" defTabSz="914400" rtl="0" eaLnBrk="1" latinLnBrk="0" hangingPunct="1">
+              <a:lnSpc>
+                <a:spcPct val="90000"/>
+              </a:lnSpc>
+              <a:spcBef>
+                <a:spcPts val="500"/>
+              </a:spcBef>
+              <a:buFont typeface="Arial" panose="020B0604020202020204" pitchFamily="34" charset="0"/>
+              <a:buChar char="•"/>
+              <a:defRPr sz="1800" kern="1200">
+                <a:solidFill>
+                  <a:schemeClr val="tx1"/>
+                </a:solidFill>
+                <a:latin typeface="+mn-lt"/>
+                <a:ea typeface="+mn-ea"/>
+                <a:cs typeface="+mn-cs"/>
+              </a:defRPr>
+            </a:lvl6pPr>
+            <a:lvl7pPr marL="2971800" indent="-228600" algn="l" defTabSz="914400" rtl="0" eaLnBrk="1" latinLnBrk="0" hangingPunct="1">
+              <a:lnSpc>
+                <a:spcPct val="90000"/>
+              </a:lnSpc>
+              <a:spcBef>
+                <a:spcPts val="500"/>
+              </a:spcBef>
+              <a:buFont typeface="Arial" panose="020B0604020202020204" pitchFamily="34" charset="0"/>
+              <a:buChar char="•"/>
+              <a:defRPr sz="1800" kern="1200">
+                <a:solidFill>
+                  <a:schemeClr val="tx1"/>
+                </a:solidFill>
+                <a:latin typeface="+mn-lt"/>
+                <a:ea typeface="+mn-ea"/>
+                <a:cs typeface="+mn-cs"/>
+              </a:defRPr>
+            </a:lvl7pPr>
+            <a:lvl8pPr marL="3429000" indent="-228600" algn="l" defTabSz="914400" rtl="0" eaLnBrk="1" latinLnBrk="0" hangingPunct="1">
+              <a:lnSpc>
+                <a:spcPct val="90000"/>
+              </a:lnSpc>
+              <a:spcBef>
+                <a:spcPts val="500"/>
+              </a:spcBef>
+              <a:buFont typeface="Arial" panose="020B0604020202020204" pitchFamily="34" charset="0"/>
+              <a:buChar char="•"/>
+              <a:defRPr sz="1800" kern="1200">
+                <a:solidFill>
+                  <a:schemeClr val="tx1"/>
+                </a:solidFill>
+                <a:latin typeface="+mn-lt"/>
+                <a:ea typeface="+mn-ea"/>
+                <a:cs typeface="+mn-cs"/>
+              </a:defRPr>
+            </a:lvl8pPr>
+            <a:lvl9pPr marL="3886200" indent="-228600" algn="l" defTabSz="914400" rtl="0" eaLnBrk="1" latinLnBrk="0" hangingPunct="1">
+              <a:lnSpc>
+                <a:spcPct val="90000"/>
+              </a:lnSpc>
+              <a:spcBef>
+                <a:spcPts val="500"/>
+              </a:spcBef>
+              <a:buFont typeface="Arial" panose="020B0604020202020204" pitchFamily="34" charset="0"/>
+              <a:buChar char="•"/>
+              <a:defRPr sz="1800" kern="1200">
+                <a:solidFill>
+                  <a:schemeClr val="tx1"/>
+                </a:solidFill>
+                <a:latin typeface="+mn-lt"/>
+                <a:ea typeface="+mn-ea"/>
+                <a:cs typeface="+mn-cs"/>
+              </a:defRPr>
+            </a:lvl9pPr>
+          </a:lstStyle>
+          <a:p>
+            <a:endParaRPr lang="en-US" dirty="0"/>
+          </a:p>
+        </p:txBody>
+      </p:sp>
+      <p:sp>
+        <p:nvSpPr>
+          <p:cNvPr id="9" name="Content Placeholder 2">
+            <a:extLst>
+              <a:ext uri="{FF2B5EF4-FFF2-40B4-BE49-F238E27FC236}">
+                <a16:creationId xmlns:a16="http://schemas.microsoft.com/office/drawing/2014/main" id="{B2FE09A9-C659-1B3D-3726-A8A9439A64DE}"/>
+              </a:ext>
+            </a:extLst>
+          </p:cNvPr>
+          <p:cNvSpPr txBox="1">
+            <a:spLocks/>
+          </p:cNvSpPr>
+          <p:nvPr/>
+        </p:nvSpPr>
+        <p:spPr>
+          <a:xfrm>
+            <a:off x="8209280" y="1737355"/>
+            <a:ext cx="3637280" cy="4784508"/>
+          </a:xfrm>
+          <a:prstGeom prst="rect">
+            <a:avLst/>
+          </a:prstGeom>
+        </p:spPr>
+        <p:txBody>
+          <a:bodyPr vert="horz" lIns="0" tIns="0" rIns="0" bIns="0" rtlCol="0" anchor="t" anchorCtr="0">
+            <a:normAutofit fontScale="92500" lnSpcReduction="10000"/>
+          </a:bodyPr>
+          <a:lstStyle>
+            <a:lvl1pPr marL="360000" indent="-360000" algn="l" defTabSz="914400" rtl="0" eaLnBrk="1" latinLnBrk="0" hangingPunct="1">
+              <a:lnSpc>
+                <a:spcPct val="125000"/>
+              </a:lnSpc>
+              <a:spcBef>
+                <a:spcPts val="1000"/>
+              </a:spcBef>
+              <a:buClr>
+                <a:schemeClr val="accent1">
+                  <a:lumMod val="60000"/>
+                  <a:lumOff val="40000"/>
+                </a:schemeClr>
+              </a:buClr>
+              <a:buFont typeface="Wingdings" panose="05000000000000000000" pitchFamily="2" charset="2"/>
+              <a:buChar char=""/>
+              <a:defRPr sz="2000" kern="1200">
+                <a:solidFill>
+                  <a:schemeClr val="tx1">
+                    <a:alpha val="70000"/>
+                  </a:schemeClr>
+                </a:solidFill>
+                <a:latin typeface="+mn-lt"/>
+                <a:ea typeface="+mn-ea"/>
+                <a:cs typeface="+mn-cs"/>
+              </a:defRPr>
+            </a:lvl1pPr>
+            <a:lvl2pPr marL="360000" indent="0" algn="l" defTabSz="914400" rtl="0" eaLnBrk="1" latinLnBrk="0" hangingPunct="1">
+              <a:lnSpc>
+                <a:spcPct val="125000"/>
+              </a:lnSpc>
+              <a:spcBef>
+                <a:spcPts val="500"/>
+              </a:spcBef>
+              <a:buClr>
+                <a:schemeClr val="accent1">
+                  <a:lumMod val="60000"/>
+                  <a:lumOff val="40000"/>
+                </a:schemeClr>
+              </a:buClr>
+              <a:buFontTx/>
+              <a:buNone/>
+              <a:defRPr sz="2000" i="1" kern="1200">
+                <a:solidFill>
+                  <a:schemeClr val="tx1">
+                    <a:alpha val="70000"/>
+                  </a:schemeClr>
+                </a:solidFill>
+                <a:latin typeface="+mn-lt"/>
+                <a:ea typeface="+mn-ea"/>
+                <a:cs typeface="+mn-cs"/>
+              </a:defRPr>
+            </a:lvl2pPr>
+            <a:lvl3pPr marL="1080000" indent="-360000" algn="l" defTabSz="914400" rtl="0" eaLnBrk="1" latinLnBrk="0" hangingPunct="1">
+              <a:lnSpc>
+                <a:spcPct val="125000"/>
+              </a:lnSpc>
+              <a:spcBef>
+                <a:spcPts val="500"/>
+              </a:spcBef>
+              <a:buClr>
+                <a:schemeClr val="accent1">
+                  <a:lumMod val="60000"/>
+                  <a:lumOff val="40000"/>
+                </a:schemeClr>
+              </a:buClr>
+              <a:buFont typeface="Wingdings" panose="05000000000000000000" pitchFamily="2" charset="2"/>
+              <a:buChar char=""/>
+              <a:defRPr sz="2000" kern="1200">
+                <a:solidFill>
+                  <a:schemeClr val="tx1">
+                    <a:alpha val="70000"/>
+                  </a:schemeClr>
+                </a:solidFill>
+                <a:latin typeface="+mn-lt"/>
+                <a:ea typeface="+mn-ea"/>
+                <a:cs typeface="+mn-cs"/>
+              </a:defRPr>
+            </a:lvl3pPr>
+            <a:lvl4pPr marL="1080000" indent="0" algn="l" defTabSz="914400" rtl="0" eaLnBrk="1" latinLnBrk="0" hangingPunct="1">
+              <a:lnSpc>
+                <a:spcPct val="125000"/>
+              </a:lnSpc>
+              <a:spcBef>
+                <a:spcPts val="500"/>
+              </a:spcBef>
+              <a:buClr>
+                <a:schemeClr val="accent1">
+                  <a:lumMod val="60000"/>
+                  <a:lumOff val="40000"/>
+                </a:schemeClr>
+              </a:buClr>
+              <a:buFontTx/>
+              <a:buNone/>
+              <a:defRPr sz="2000" i="1" kern="1200">
+                <a:solidFill>
+                  <a:schemeClr val="tx1">
+                    <a:alpha val="70000"/>
+                  </a:schemeClr>
+                </a:solidFill>
+                <a:latin typeface="+mn-lt"/>
+                <a:ea typeface="+mn-ea"/>
+                <a:cs typeface="+mn-cs"/>
+              </a:defRPr>
+            </a:lvl4pPr>
+            <a:lvl5pPr marL="1800000" indent="-360000" algn="l" defTabSz="914400" rtl="0" eaLnBrk="1" latinLnBrk="0" hangingPunct="1">
+              <a:lnSpc>
+                <a:spcPct val="125000"/>
+              </a:lnSpc>
+              <a:spcBef>
+                <a:spcPts val="500"/>
+              </a:spcBef>
+              <a:buClr>
+                <a:schemeClr val="accent1">
+                  <a:lumMod val="60000"/>
+                  <a:lumOff val="40000"/>
+                </a:schemeClr>
+              </a:buClr>
+              <a:buFont typeface="Wingdings" panose="05000000000000000000" pitchFamily="2" charset="2"/>
+              <a:buChar char=""/>
+              <a:defRPr sz="2000" kern="1200">
+                <a:solidFill>
+                  <a:schemeClr val="tx1">
+                    <a:alpha val="70000"/>
+                  </a:schemeClr>
+                </a:solidFill>
+                <a:latin typeface="+mn-lt"/>
+                <a:ea typeface="+mn-ea"/>
+                <a:cs typeface="+mn-cs"/>
+              </a:defRPr>
+            </a:lvl5pPr>
+            <a:lvl6pPr marL="2514600" indent="-228600" algn="l" defTabSz="914400" rtl="0" eaLnBrk="1" latinLnBrk="0" hangingPunct="1">
+              <a:lnSpc>
+                <a:spcPct val="90000"/>
+              </a:lnSpc>
+              <a:spcBef>
+                <a:spcPts val="500"/>
+              </a:spcBef>
+              <a:buFont typeface="Arial" panose="020B0604020202020204" pitchFamily="34" charset="0"/>
+              <a:buChar char="•"/>
+              <a:defRPr sz="1800" kern="1200">
+                <a:solidFill>
+                  <a:schemeClr val="tx1"/>
+                </a:solidFill>
+                <a:latin typeface="+mn-lt"/>
+                <a:ea typeface="+mn-ea"/>
+                <a:cs typeface="+mn-cs"/>
+              </a:defRPr>
+            </a:lvl6pPr>
+            <a:lvl7pPr marL="2971800" indent="-228600" algn="l" defTabSz="914400" rtl="0" eaLnBrk="1" latinLnBrk="0" hangingPunct="1">
+              <a:lnSpc>
+                <a:spcPct val="90000"/>
+              </a:lnSpc>
+              <a:spcBef>
+                <a:spcPts val="500"/>
+              </a:spcBef>
+              <a:buFont typeface="Arial" panose="020B0604020202020204" pitchFamily="34" charset="0"/>
+              <a:buChar char="•"/>
+              <a:defRPr sz="1800" kern="1200">
+                <a:solidFill>
+                  <a:schemeClr val="tx1"/>
+                </a:solidFill>
+                <a:latin typeface="+mn-lt"/>
+                <a:ea typeface="+mn-ea"/>
+                <a:cs typeface="+mn-cs"/>
+              </a:defRPr>
+            </a:lvl7pPr>
+            <a:lvl8pPr marL="3429000" indent="-228600" algn="l" defTabSz="914400" rtl="0" eaLnBrk="1" latinLnBrk="0" hangingPunct="1">
+              <a:lnSpc>
+                <a:spcPct val="90000"/>
+              </a:lnSpc>
+              <a:spcBef>
+                <a:spcPts val="500"/>
+              </a:spcBef>
+              <a:buFont typeface="Arial" panose="020B0604020202020204" pitchFamily="34" charset="0"/>
+              <a:buChar char="•"/>
+              <a:defRPr sz="1800" kern="1200">
+                <a:solidFill>
+                  <a:schemeClr val="tx1"/>
+                </a:solidFill>
+                <a:latin typeface="+mn-lt"/>
+                <a:ea typeface="+mn-ea"/>
+                <a:cs typeface="+mn-cs"/>
+              </a:defRPr>
+            </a:lvl8pPr>
+            <a:lvl9pPr marL="3886200" indent="-228600" algn="l" defTabSz="914400" rtl="0" eaLnBrk="1" latinLnBrk="0" hangingPunct="1">
+              <a:lnSpc>
+                <a:spcPct val="90000"/>
+              </a:lnSpc>
+              <a:spcBef>
+                <a:spcPts val="500"/>
+              </a:spcBef>
+              <a:buFont typeface="Arial" panose="020B0604020202020204" pitchFamily="34" charset="0"/>
+              <a:buChar char="•"/>
+              <a:defRPr sz="1800" kern="1200">
+                <a:solidFill>
+                  <a:schemeClr val="tx1"/>
+                </a:solidFill>
+                <a:latin typeface="+mn-lt"/>
+                <a:ea typeface="+mn-ea"/>
+                <a:cs typeface="+mn-cs"/>
+              </a:defRPr>
+            </a:lvl9pPr>
+          </a:lstStyle>
+          <a:p>
+            <a:r>
+              <a:rPr lang="en-US" dirty="0"/>
+              <a:t>5% of people start in basement or the maintenance level, 40% start on the first floor, 15% start on the second floor, 27% start on the third, lastly 13%  start on the fourth floor. </a:t>
+            </a:r>
+          </a:p>
+          <a:p>
+            <a:r>
+              <a:rPr lang="en-US" dirty="0"/>
+              <a:t>5% of people go to the basement or maintenance level, 45% end on the first floor, 15% end on the second floor, 25% end on the third floor, finally 10% end on the fourth floor.</a:t>
+            </a:r>
+          </a:p>
+        </p:txBody>
+      </p:sp>
+    </p:spTree>
+    <p:extLst>
+      <p:ext uri="{BB962C8B-B14F-4D97-AF65-F5344CB8AC3E}">
+        <p14:creationId xmlns:p14="http://schemas.microsoft.com/office/powerpoint/2010/main" val="78919982"/>
+      </p:ext>
+    </p:extLst>
+  </p:cSld>
+  <p:clrMapOvr>
+    <a:masterClrMapping/>
+  </p:clrMapOvr>
+</p:sld>
+</file>
+
+<file path=ppt/slides/slide7.xml><?xml version="1.0" encoding="utf-8"?>
+<p:sld xmlns:a="http://schemas.openxmlformats.org/drawingml/2006/main" xmlns:r="http://schemas.openxmlformats.org/officeDocument/2006/relationships" xmlns:p="http://schemas.openxmlformats.org/presentationml/2006/main">
+  <p:cSld>
+    <p:spTree>
+      <p:nvGrpSpPr>
+        <p:cNvPr id="1" name=""/>
+        <p:cNvGrpSpPr/>
+        <p:nvPr/>
+      </p:nvGrpSpPr>
+      <p:grpSpPr>
+        <a:xfrm>
+          <a:off x="0" y="0"/>
+          <a:ext cx="0" cy="0"/>
+          <a:chOff x="0" y="0"/>
+          <a:chExt cx="0" cy="0"/>
+        </a:xfrm>
+      </p:grpSpPr>
+      <p:sp>
+        <p:nvSpPr>
+          <p:cNvPr id="2" name="Title 1">
+            <a:extLst>
+              <a:ext uri="{FF2B5EF4-FFF2-40B4-BE49-F238E27FC236}">
                 <a16:creationId xmlns:a16="http://schemas.microsoft.com/office/drawing/2014/main" id="{423C0517-AA6A-3264-7678-8CEB05D5D9CD}"/>
               </a:ext>
             </a:extLst>
@@ -6217,14 +10156,2456 @@
           <a:bodyPr/>
           <a:lstStyle/>
           <a:p>
+            <a:r>
+              <a:rPr lang="en-US" dirty="0"/>
+              <a:t>I ran each simulation for 7200 time-units or 2 hours, with 1000 replicates.</a:t>
+            </a:r>
+          </a:p>
+          <a:p>
+            <a:endParaRPr lang="en-US" dirty="0"/>
+          </a:p>
+        </p:txBody>
+      </p:sp>
+      <p:graphicFrame>
+        <p:nvGraphicFramePr>
+          <p:cNvPr id="4" name="Table 4">
+            <a:extLst>
+              <a:ext uri="{FF2B5EF4-FFF2-40B4-BE49-F238E27FC236}">
+                <a16:creationId xmlns:a16="http://schemas.microsoft.com/office/drawing/2014/main" id="{5E378611-889F-E6C2-A03E-9A9F54A5EA46}"/>
+              </a:ext>
+            </a:extLst>
+          </p:cNvPr>
+          <p:cNvGraphicFramePr>
+            <a:graphicFrameLocks/>
+          </p:cNvGraphicFramePr>
+          <p:nvPr>
+            <p:extLst>
+              <p:ext uri="{D42A27DB-BD31-4B8C-83A1-F6EECF244321}">
+                <p14:modId xmlns:p14="http://schemas.microsoft.com/office/powerpoint/2010/main" val="2519157137"/>
+              </p:ext>
+            </p:extLst>
+          </p:nvPr>
+        </p:nvGraphicFramePr>
+        <p:xfrm>
+          <a:off x="1079500" y="2720657"/>
+          <a:ext cx="10026650" cy="2392680"/>
+        </p:xfrm>
+        <a:graphic>
+          <a:graphicData uri="http://schemas.openxmlformats.org/drawingml/2006/table">
+            <a:tbl>
+              <a:tblPr firstRow="1" bandRow="1">
+                <a:tableStyleId>{5C22544A-7EE6-4342-B048-85BDC9FD1C3A}</a:tableStyleId>
+              </a:tblPr>
+              <a:tblGrid>
+                <a:gridCol w="2005330">
+                  <a:extLst>
+                    <a:ext uri="{9D8B030D-6E8A-4147-A177-3AD203B41FA5}">
+                      <a16:colId xmlns:a16="http://schemas.microsoft.com/office/drawing/2014/main" val="408439045"/>
+                    </a:ext>
+                  </a:extLst>
+                </a:gridCol>
+                <a:gridCol w="2005330">
+                  <a:extLst>
+                    <a:ext uri="{9D8B030D-6E8A-4147-A177-3AD203B41FA5}">
+                      <a16:colId xmlns:a16="http://schemas.microsoft.com/office/drawing/2014/main" val="1747601316"/>
+                    </a:ext>
+                  </a:extLst>
+                </a:gridCol>
+                <a:gridCol w="2005330">
+                  <a:extLst>
+                    <a:ext uri="{9D8B030D-6E8A-4147-A177-3AD203B41FA5}">
+                      <a16:colId xmlns:a16="http://schemas.microsoft.com/office/drawing/2014/main" val="2076594591"/>
+                    </a:ext>
+                  </a:extLst>
+                </a:gridCol>
+                <a:gridCol w="2005330">
+                  <a:extLst>
+                    <a:ext uri="{9D8B030D-6E8A-4147-A177-3AD203B41FA5}">
+                      <a16:colId xmlns:a16="http://schemas.microsoft.com/office/drawing/2014/main" val="2169179181"/>
+                    </a:ext>
+                  </a:extLst>
+                </a:gridCol>
+                <a:gridCol w="2005330">
+                  <a:extLst>
+                    <a:ext uri="{9D8B030D-6E8A-4147-A177-3AD203B41FA5}">
+                      <a16:colId xmlns:a16="http://schemas.microsoft.com/office/drawing/2014/main" val="748788317"/>
+                    </a:ext>
+                  </a:extLst>
+                </a:gridCol>
+              </a:tblGrid>
+              <a:tr h="370840">
+                <a:tc>
+                  <a:txBody>
+                    <a:bodyPr/>
+                    <a:lstStyle/>
+                    <a:p>
+                      <a:r>
+                        <a:rPr lang="en-US" dirty="0"/>
+                        <a:t>Results w/ a mean Interarrival Rate of 35 (s)</a:t>
+                      </a:r>
+                    </a:p>
+                  </a:txBody>
+                  <a:tcPr>
+                    <a:lnR w="12700" cap="flat" cmpd="sng" algn="ctr">
+                      <a:solidFill>
+                        <a:schemeClr val="tx1"/>
+                      </a:solidFill>
+                      <a:prstDash val="solid"/>
+                      <a:round/>
+                      <a:headEnd type="none" w="med" len="med"/>
+                      <a:tailEnd type="none" w="med" len="med"/>
+                    </a:lnR>
+                  </a:tcPr>
+                </a:tc>
+                <a:tc>
+                  <a:txBody>
+                    <a:bodyPr/>
+                    <a:lstStyle/>
+                    <a:p>
+                      <a:pPr algn="ctr"/>
+                      <a:r>
+                        <a:rPr lang="en-US" dirty="0"/>
+                        <a:t>Average Number of Riders / Hour</a:t>
+                      </a:r>
+                    </a:p>
+                  </a:txBody>
+                  <a:tcPr>
+                    <a:lnL w="12700" cap="flat" cmpd="sng" algn="ctr">
+                      <a:solidFill>
+                        <a:schemeClr val="tx1"/>
+                      </a:solidFill>
+                      <a:prstDash val="solid"/>
+                      <a:round/>
+                      <a:headEnd type="none" w="med" len="med"/>
+                      <a:tailEnd type="none" w="med" len="med"/>
+                    </a:lnL>
+                  </a:tcPr>
+                </a:tc>
+                <a:tc>
+                  <a:txBody>
+                    <a:bodyPr/>
+                    <a:lstStyle/>
+                    <a:p>
+                      <a:pPr algn="ctr"/>
+                      <a:r>
+                        <a:rPr lang="en-US" dirty="0"/>
+                        <a:t>Mean of Mean Wait Times (seconds)</a:t>
+                      </a:r>
+                    </a:p>
+                  </a:txBody>
+                  <a:tcPr/>
+                </a:tc>
+                <a:tc>
+                  <a:txBody>
+                    <a:bodyPr/>
+                    <a:lstStyle/>
+                    <a:p>
+                      <a:pPr algn="ctr"/>
+                      <a:r>
+                        <a:rPr lang="en-US" dirty="0"/>
+                        <a:t>Mean of All Wait Times (seconds)</a:t>
+                      </a:r>
+                    </a:p>
+                  </a:txBody>
+                  <a:tcPr/>
+                </a:tc>
+                <a:tc>
+                  <a:txBody>
+                    <a:bodyPr/>
+                    <a:lstStyle/>
+                    <a:p>
+                      <a:pPr algn="ctr"/>
+                      <a:r>
+                        <a:rPr lang="en-US" dirty="0"/>
+                        <a:t>Variance of All Wait Times</a:t>
+                      </a:r>
+                    </a:p>
+                  </a:txBody>
+                  <a:tcPr/>
+                </a:tc>
+                <a:extLst>
+                  <a:ext uri="{0D108BD9-81ED-4DB2-BD59-A6C34878D82A}">
+                    <a16:rowId xmlns:a16="http://schemas.microsoft.com/office/drawing/2014/main" val="2535181"/>
+                  </a:ext>
+                </a:extLst>
+              </a:tr>
+              <a:tr h="370840">
+                <a:tc>
+                  <a:txBody>
+                    <a:bodyPr/>
+                    <a:lstStyle/>
+                    <a:p>
+                      <a:pPr algn="l"/>
+                      <a:r>
+                        <a:rPr lang="en-US" dirty="0"/>
+                        <a:t>Default</a:t>
+                      </a:r>
+                    </a:p>
+                  </a:txBody>
+                  <a:tcPr>
+                    <a:lnR w="12700" cap="flat" cmpd="sng" algn="ctr">
+                      <a:solidFill>
+                        <a:schemeClr val="tx1"/>
+                      </a:solidFill>
+                      <a:prstDash val="solid"/>
+                      <a:round/>
+                      <a:headEnd type="none" w="med" len="med"/>
+                      <a:tailEnd type="none" w="med" len="med"/>
+                    </a:lnR>
+                  </a:tcPr>
+                </a:tc>
+                <a:tc>
+                  <a:txBody>
+                    <a:bodyPr/>
+                    <a:lstStyle/>
+                    <a:p>
+                      <a:pPr algn="ctr"/>
+                      <a:r>
+                        <a:rPr lang="en-US" dirty="0"/>
+                        <a:t>102.5</a:t>
+                      </a:r>
+                    </a:p>
+                  </a:txBody>
+                  <a:tcPr>
+                    <a:lnL w="12700" cap="flat" cmpd="sng" algn="ctr">
+                      <a:solidFill>
+                        <a:schemeClr val="tx1"/>
+                      </a:solidFill>
+                      <a:prstDash val="solid"/>
+                      <a:round/>
+                      <a:headEnd type="none" w="med" len="med"/>
+                      <a:tailEnd type="none" w="med" len="med"/>
+                    </a:lnL>
+                  </a:tcPr>
+                </a:tc>
+                <a:tc>
+                  <a:txBody>
+                    <a:bodyPr/>
+                    <a:lstStyle/>
+                    <a:p>
+                      <a:pPr algn="ctr"/>
+                      <a:r>
+                        <a:rPr lang="en-US" dirty="0"/>
+                        <a:t>35.81</a:t>
+                      </a:r>
+                    </a:p>
+                  </a:txBody>
+                  <a:tcPr/>
+                </a:tc>
+                <a:tc>
+                  <a:txBody>
+                    <a:bodyPr/>
+                    <a:lstStyle/>
+                    <a:p>
+                      <a:pPr algn="ctr"/>
+                      <a:r>
+                        <a:rPr lang="en-US" dirty="0"/>
+                        <a:t>36.12</a:t>
+                      </a:r>
+                    </a:p>
+                  </a:txBody>
+                  <a:tcPr/>
+                </a:tc>
+                <a:tc>
+                  <a:txBody>
+                    <a:bodyPr/>
+                    <a:lstStyle/>
+                    <a:p>
+                      <a:pPr algn="ctr"/>
+                      <a:r>
+                        <a:rPr lang="en-US" dirty="0"/>
+                        <a:t>50.73</a:t>
+                      </a:r>
+                    </a:p>
+                  </a:txBody>
+                  <a:tcPr/>
+                </a:tc>
+                <a:extLst>
+                  <a:ext uri="{0D108BD9-81ED-4DB2-BD59-A6C34878D82A}">
+                    <a16:rowId xmlns:a16="http://schemas.microsoft.com/office/drawing/2014/main" val="3535092049"/>
+                  </a:ext>
+                </a:extLst>
+              </a:tr>
+              <a:tr h="370840">
+                <a:tc>
+                  <a:txBody>
+                    <a:bodyPr/>
+                    <a:lstStyle/>
+                    <a:p>
+                      <a:pPr algn="l"/>
+                      <a:r>
+                        <a:rPr lang="en-US" dirty="0"/>
+                        <a:t>Idle-One</a:t>
+                      </a:r>
+                    </a:p>
+                  </a:txBody>
+                  <a:tcPr>
+                    <a:lnR w="12700" cap="flat" cmpd="sng" algn="ctr">
+                      <a:solidFill>
+                        <a:schemeClr val="tx1"/>
+                      </a:solidFill>
+                      <a:prstDash val="solid"/>
+                      <a:round/>
+                      <a:headEnd type="none" w="med" len="med"/>
+                      <a:tailEnd type="none" w="med" len="med"/>
+                    </a:lnR>
+                  </a:tcPr>
+                </a:tc>
+                <a:tc>
+                  <a:txBody>
+                    <a:bodyPr/>
+                    <a:lstStyle/>
+                    <a:p>
+                      <a:pPr algn="ctr"/>
+                      <a:r>
+                        <a:rPr lang="en-US" dirty="0"/>
+                        <a:t>102.7</a:t>
+                      </a:r>
+                    </a:p>
+                  </a:txBody>
+                  <a:tcPr>
+                    <a:lnL w="12700" cap="flat" cmpd="sng" algn="ctr">
+                      <a:solidFill>
+                        <a:schemeClr val="tx1"/>
+                      </a:solidFill>
+                      <a:prstDash val="solid"/>
+                      <a:round/>
+                      <a:headEnd type="none" w="med" len="med"/>
+                      <a:tailEnd type="none" w="med" len="med"/>
+                    </a:lnL>
+                  </a:tcPr>
+                </a:tc>
+                <a:tc>
+                  <a:txBody>
+                    <a:bodyPr/>
+                    <a:lstStyle/>
+                    <a:p>
+                      <a:pPr algn="ctr"/>
+                      <a:r>
+                        <a:rPr lang="en-US" dirty="0"/>
+                        <a:t>48.78</a:t>
+                      </a:r>
+                    </a:p>
+                  </a:txBody>
+                  <a:tcPr/>
+                </a:tc>
+                <a:tc>
+                  <a:txBody>
+                    <a:bodyPr/>
+                    <a:lstStyle/>
+                    <a:p>
+                      <a:pPr algn="ctr"/>
+                      <a:r>
+                        <a:rPr lang="en-US" dirty="0"/>
+                        <a:t>49.27</a:t>
+                      </a:r>
+                    </a:p>
+                  </a:txBody>
+                  <a:tcPr/>
+                </a:tc>
+                <a:tc>
+                  <a:txBody>
+                    <a:bodyPr/>
+                    <a:lstStyle/>
+                    <a:p>
+                      <a:pPr algn="ctr"/>
+                      <a:r>
+                        <a:rPr lang="en-US" dirty="0"/>
+                        <a:t>139.11</a:t>
+                      </a:r>
+                    </a:p>
+                  </a:txBody>
+                  <a:tcPr/>
+                </a:tc>
+                <a:extLst>
+                  <a:ext uri="{0D108BD9-81ED-4DB2-BD59-A6C34878D82A}">
+                    <a16:rowId xmlns:a16="http://schemas.microsoft.com/office/drawing/2014/main" val="1453189554"/>
+                  </a:ext>
+                </a:extLst>
+              </a:tr>
+              <a:tr h="0">
+                <a:tc>
+                  <a:txBody>
+                    <a:bodyPr/>
+                    <a:lstStyle/>
+                    <a:p>
+                      <a:pPr algn="l"/>
+                      <a:r>
+                        <a:rPr lang="en-US" dirty="0"/>
+                        <a:t>Sequential</a:t>
+                      </a:r>
+                    </a:p>
+                  </a:txBody>
+                  <a:tcPr>
+                    <a:lnR w="12700" cap="flat" cmpd="sng" algn="ctr">
+                      <a:solidFill>
+                        <a:schemeClr val="tx1"/>
+                      </a:solidFill>
+                      <a:prstDash val="solid"/>
+                      <a:round/>
+                      <a:headEnd type="none" w="med" len="med"/>
+                      <a:tailEnd type="none" w="med" len="med"/>
+                    </a:lnR>
+                  </a:tcPr>
+                </a:tc>
+                <a:tc>
+                  <a:txBody>
+                    <a:bodyPr/>
+                    <a:lstStyle/>
+                    <a:p>
+                      <a:pPr algn="ctr"/>
+                      <a:r>
+                        <a:rPr lang="en-US" dirty="0"/>
+                        <a:t>103.0</a:t>
+                      </a:r>
+                    </a:p>
+                  </a:txBody>
+                  <a:tcPr>
+                    <a:lnL w="12700" cap="flat" cmpd="sng" algn="ctr">
+                      <a:solidFill>
+                        <a:schemeClr val="tx1"/>
+                      </a:solidFill>
+                      <a:prstDash val="solid"/>
+                      <a:round/>
+                      <a:headEnd type="none" w="med" len="med"/>
+                      <a:tailEnd type="none" w="med" len="med"/>
+                    </a:lnL>
+                  </a:tcPr>
+                </a:tc>
+                <a:tc>
+                  <a:txBody>
+                    <a:bodyPr/>
+                    <a:lstStyle/>
+                    <a:p>
+                      <a:pPr algn="ctr"/>
+                      <a:r>
+                        <a:rPr lang="en-US" dirty="0"/>
+                        <a:t>81.27</a:t>
+                      </a:r>
+                    </a:p>
+                  </a:txBody>
+                  <a:tcPr/>
+                </a:tc>
+                <a:tc>
+                  <a:txBody>
+                    <a:bodyPr/>
+                    <a:lstStyle/>
+                    <a:p>
+                      <a:pPr algn="ctr"/>
+                      <a:r>
+                        <a:rPr lang="en-US" dirty="0"/>
+                        <a:t>82.19</a:t>
+                      </a:r>
+                    </a:p>
+                  </a:txBody>
+                  <a:tcPr/>
+                </a:tc>
+                <a:tc>
+                  <a:txBody>
+                    <a:bodyPr/>
+                    <a:lstStyle/>
+                    <a:p>
+                      <a:pPr algn="ctr"/>
+                      <a:r>
+                        <a:rPr lang="en-US" dirty="0"/>
+                        <a:t>590.97</a:t>
+                      </a:r>
+                    </a:p>
+                  </a:txBody>
+                  <a:tcPr/>
+                </a:tc>
+                <a:extLst>
+                  <a:ext uri="{0D108BD9-81ED-4DB2-BD59-A6C34878D82A}">
+                    <a16:rowId xmlns:a16="http://schemas.microsoft.com/office/drawing/2014/main" val="1850849186"/>
+                  </a:ext>
+                </a:extLst>
+              </a:tr>
+              <a:tr h="370840">
+                <a:tc>
+                  <a:txBody>
+                    <a:bodyPr/>
+                    <a:lstStyle/>
+                    <a:p>
+                      <a:pPr algn="l"/>
+                      <a:r>
+                        <a:rPr lang="en-US" dirty="0"/>
+                        <a:t>One-Four</a:t>
+                      </a:r>
+                    </a:p>
+                  </a:txBody>
+                  <a:tcPr>
+                    <a:lnR w="12700" cap="flat" cmpd="sng" algn="ctr">
+                      <a:solidFill>
+                        <a:schemeClr val="tx1"/>
+                      </a:solidFill>
+                      <a:prstDash val="solid"/>
+                      <a:round/>
+                      <a:headEnd type="none" w="med" len="med"/>
+                      <a:tailEnd type="none" w="med" len="med"/>
+                    </a:lnR>
+                  </a:tcPr>
+                </a:tc>
+                <a:tc>
+                  <a:txBody>
+                    <a:bodyPr/>
+                    <a:lstStyle/>
+                    <a:p>
+                      <a:pPr algn="ctr"/>
+                      <a:r>
+                        <a:rPr lang="en-US" dirty="0"/>
+                        <a:t>102.8</a:t>
+                      </a:r>
+                    </a:p>
+                  </a:txBody>
+                  <a:tcPr>
+                    <a:lnL w="12700" cap="flat" cmpd="sng" algn="ctr">
+                      <a:solidFill>
+                        <a:schemeClr val="tx1"/>
+                      </a:solidFill>
+                      <a:prstDash val="solid"/>
+                      <a:round/>
+                      <a:headEnd type="none" w="med" len="med"/>
+                      <a:tailEnd type="none" w="med" len="med"/>
+                    </a:lnL>
+                  </a:tcPr>
+                </a:tc>
+                <a:tc>
+                  <a:txBody>
+                    <a:bodyPr/>
+                    <a:lstStyle/>
+                    <a:p>
+                      <a:pPr algn="ctr"/>
+                      <a:r>
+                        <a:rPr lang="en-US" dirty="0"/>
+                        <a:t>40.94</a:t>
+                      </a:r>
+                    </a:p>
+                  </a:txBody>
+                  <a:tcPr/>
+                </a:tc>
+                <a:tc>
+                  <a:txBody>
+                    <a:bodyPr/>
+                    <a:lstStyle/>
+                    <a:p>
+                      <a:pPr algn="ctr"/>
+                      <a:r>
+                        <a:rPr lang="en-US" dirty="0"/>
+                        <a:t>41.28</a:t>
+                      </a:r>
+                    </a:p>
+                  </a:txBody>
+                  <a:tcPr/>
+                </a:tc>
+                <a:tc>
+                  <a:txBody>
+                    <a:bodyPr/>
+                    <a:lstStyle/>
+                    <a:p>
+                      <a:pPr algn="ctr"/>
+                      <a:r>
+                        <a:rPr lang="en-US" dirty="0"/>
+                        <a:t>56.31</a:t>
+                      </a:r>
+                    </a:p>
+                  </a:txBody>
+                  <a:tcPr/>
+                </a:tc>
+                <a:extLst>
+                  <a:ext uri="{0D108BD9-81ED-4DB2-BD59-A6C34878D82A}">
+                    <a16:rowId xmlns:a16="http://schemas.microsoft.com/office/drawing/2014/main" val="2221490258"/>
+                  </a:ext>
+                </a:extLst>
+              </a:tr>
+            </a:tbl>
+          </a:graphicData>
+        </a:graphic>
+      </p:graphicFrame>
+    </p:spTree>
+    <p:extLst>
+      <p:ext uri="{BB962C8B-B14F-4D97-AF65-F5344CB8AC3E}">
+        <p14:creationId xmlns:p14="http://schemas.microsoft.com/office/powerpoint/2010/main" val="179608230"/>
+      </p:ext>
+    </p:extLst>
+  </p:cSld>
+  <p:clrMapOvr>
+    <a:masterClrMapping/>
+  </p:clrMapOvr>
+</p:sld>
+</file>
+
+<file path=ppt/slides/slide8.xml><?xml version="1.0" encoding="utf-8"?>
+<p:sld xmlns:a="http://schemas.openxmlformats.org/drawingml/2006/main" xmlns:r="http://schemas.openxmlformats.org/officeDocument/2006/relationships" xmlns:p="http://schemas.openxmlformats.org/presentationml/2006/main">
+  <p:cSld>
+    <p:bg>
+      <p:bgPr>
+        <a:solidFill>
+          <a:schemeClr val="bg2"/>
+        </a:solidFill>
+        <a:effectLst/>
+      </p:bgPr>
+    </p:bg>
+    <p:spTree>
+      <p:nvGrpSpPr>
+        <p:cNvPr id="1" name=""/>
+        <p:cNvGrpSpPr/>
+        <p:nvPr/>
+      </p:nvGrpSpPr>
+      <p:grpSpPr>
+        <a:xfrm>
+          <a:off x="0" y="0"/>
+          <a:ext cx="0" cy="0"/>
+          <a:chOff x="0" y="0"/>
+          <a:chExt cx="0" cy="0"/>
+        </a:xfrm>
+      </p:grpSpPr>
+      <p:sp useBgFill="1">
+        <p:nvSpPr>
+          <p:cNvPr id="21" name="Rectangle 20">
+            <a:extLst>
+              <a:ext uri="{FF2B5EF4-FFF2-40B4-BE49-F238E27FC236}">
+                <a16:creationId xmlns:a16="http://schemas.microsoft.com/office/drawing/2014/main" id="{1AEB7F98-32EC-40D3-89EE-C8433023163A}"/>
+              </a:ext>
+              <a:ext uri="{C183D7F6-B498-43B3-948B-1728B52AA6E4}">
+                <adec:decorative xmlns:adec="http://schemas.microsoft.com/office/drawing/2017/decorative" val="1"/>
+              </a:ext>
+            </a:extLst>
+          </p:cNvPr>
+          <p:cNvSpPr>
+            <a:spLocks noGrp="1" noRot="1" noChangeAspect="1" noMove="1" noResize="1" noEditPoints="1" noAdjustHandles="1" noChangeArrowheads="1" noChangeShapeType="1" noTextEdit="1"/>
+          </p:cNvSpPr>
+          <p:nvPr>
+            <p:extLst>
+              <p:ext uri="{386F3935-93C4-4BCD-93E2-E3B085C9AB24}">
+                <p16:designElem xmlns:p16="http://schemas.microsoft.com/office/powerpoint/2015/main" val="1"/>
+              </p:ext>
+            </p:extLst>
+          </p:nvPr>
+        </p:nvSpPr>
+        <p:spPr>
+          <a:xfrm>
+            <a:off x="0" y="0"/>
+            <a:ext cx="12192000" cy="6858000"/>
+          </a:xfrm>
+          <a:prstGeom prst="rect">
+            <a:avLst/>
+          </a:prstGeom>
+          <a:ln w="12700" cap="flat" cmpd="sng" algn="ctr">
+            <a:noFill/>
+            <a:prstDash val="solid"/>
+            <a:miter lim="800000"/>
+          </a:ln>
+          <a:effectLst/>
+          <a:extLst>
+            <a:ext uri="{91240B29-F687-4F45-9708-019B960494DF}">
+              <a14:hiddenLine xmlns:a14="http://schemas.microsoft.com/office/drawing/2010/main" w="12700" cap="flat" cmpd="sng" algn="ctr">
+                <a:solidFill>
+                  <a:schemeClr val="accent1">
+                    <a:shade val="50000"/>
+                  </a:schemeClr>
+                </a:solidFill>
+                <a:prstDash val="solid"/>
+                <a:miter lim="800000"/>
+              </a14:hiddenLine>
+            </a:ext>
+          </a:extLst>
+        </p:spPr>
+        <p:style>
+          <a:lnRef idx="2">
+            <a:schemeClr val="accent1">
+              <a:shade val="50000"/>
+            </a:schemeClr>
+          </a:lnRef>
+          <a:fillRef idx="1">
+            <a:schemeClr val="accent1"/>
+          </a:fillRef>
+          <a:effectRef idx="0">
+            <a:schemeClr val="accent1"/>
+          </a:effectRef>
+          <a:fontRef idx="minor">
+            <a:schemeClr val="lt1"/>
+          </a:fontRef>
+        </p:style>
+        <p:txBody>
+          <a:bodyPr rtlCol="0" anchor="ctr"/>
+          <a:lstStyle/>
+          <a:p>
+            <a:pPr algn="ctr"/>
             <a:endParaRPr lang="en-US"/>
+          </a:p>
+        </p:txBody>
+      </p:sp>
+      <p:sp>
+        <p:nvSpPr>
+          <p:cNvPr id="2" name="Title 1">
+            <a:extLst>
+              <a:ext uri="{FF2B5EF4-FFF2-40B4-BE49-F238E27FC236}">
+                <a16:creationId xmlns:a16="http://schemas.microsoft.com/office/drawing/2014/main" id="{423C0517-AA6A-3264-7678-8CEB05D5D9CD}"/>
+              </a:ext>
+            </a:extLst>
+          </p:cNvPr>
+          <p:cNvSpPr>
+            <a:spLocks noGrp="1"/>
+          </p:cNvSpPr>
+          <p:nvPr>
+            <p:ph type="title"/>
+          </p:nvPr>
+        </p:nvSpPr>
+        <p:spPr>
+          <a:xfrm>
+            <a:off x="7766050" y="540033"/>
+            <a:ext cx="3884962" cy="1331604"/>
+          </a:xfrm>
+        </p:spPr>
+        <p:txBody>
+          <a:bodyPr anchor="b">
+            <a:normAutofit/>
+          </a:bodyPr>
+          <a:lstStyle/>
+          <a:p>
+            <a:pPr algn="ctr"/>
+            <a:r>
+              <a:rPr lang="en-US" dirty="0"/>
+              <a:t>Results</a:t>
+            </a:r>
+          </a:p>
+        </p:txBody>
+      </p:sp>
+      <p:pic>
+        <p:nvPicPr>
+          <p:cNvPr id="10" name="Picture 9" descr="Chart, histogram&#10;&#10;Description automatically generated">
+            <a:extLst>
+              <a:ext uri="{FF2B5EF4-FFF2-40B4-BE49-F238E27FC236}">
+                <a16:creationId xmlns:a16="http://schemas.microsoft.com/office/drawing/2014/main" id="{E067C028-7794-73C4-4C34-7A62AD8A12DD}"/>
+              </a:ext>
+            </a:extLst>
+          </p:cNvPr>
+          <p:cNvPicPr>
+            <a:picLocks noChangeAspect="1"/>
+          </p:cNvPicPr>
+          <p:nvPr/>
+        </p:nvPicPr>
+        <p:blipFill rotWithShape="1">
+          <a:blip r:embed="rId2">
+            <a:extLst>
+              <a:ext uri="{28A0092B-C50C-407E-A947-70E740481C1C}">
+                <a14:useLocalDpi xmlns:a14="http://schemas.microsoft.com/office/drawing/2010/main" val="0"/>
+              </a:ext>
+            </a:extLst>
+          </a:blip>
+          <a:srcRect l="-794"/>
+          <a:stretch/>
+        </p:blipFill>
+        <p:spPr>
+          <a:xfrm>
+            <a:off x="3885676" y="536367"/>
+            <a:ext cx="3880373" cy="2890800"/>
+          </a:xfrm>
+          <a:prstGeom prst="rect">
+            <a:avLst/>
+          </a:prstGeom>
+        </p:spPr>
+      </p:pic>
+      <p:pic>
+        <p:nvPicPr>
+          <p:cNvPr id="8" name="Content Placeholder 7" descr="Chart, histogram&#10;&#10;Description automatically generated">
+            <a:extLst>
+              <a:ext uri="{FF2B5EF4-FFF2-40B4-BE49-F238E27FC236}">
+                <a16:creationId xmlns:a16="http://schemas.microsoft.com/office/drawing/2014/main" id="{C691036C-E45E-CBC7-4EC0-8C0F723D3940}"/>
+              </a:ext>
+            </a:extLst>
+          </p:cNvPr>
+          <p:cNvPicPr>
+            <a:picLocks noChangeAspect="1"/>
+          </p:cNvPicPr>
+          <p:nvPr/>
+        </p:nvPicPr>
+        <p:blipFill rotWithShape="1">
+          <a:blip r:embed="rId3">
+            <a:extLst>
+              <a:ext uri="{28A0092B-C50C-407E-A947-70E740481C1C}">
+                <a14:useLocalDpi xmlns:a14="http://schemas.microsoft.com/office/drawing/2010/main" val="0"/>
+              </a:ext>
+            </a:extLst>
+          </a:blip>
+          <a:srcRect l="-1" r="-793"/>
+          <a:stretch/>
+        </p:blipFill>
+        <p:spPr>
+          <a:xfrm>
+            <a:off x="90450" y="536367"/>
+            <a:ext cx="3884961" cy="2890800"/>
+          </a:xfrm>
+          <a:prstGeom prst="rect">
+            <a:avLst/>
+          </a:prstGeom>
+        </p:spPr>
+      </p:pic>
+      <p:pic>
+        <p:nvPicPr>
+          <p:cNvPr id="14" name="Picture 13">
+            <a:extLst>
+              <a:ext uri="{FF2B5EF4-FFF2-40B4-BE49-F238E27FC236}">
+                <a16:creationId xmlns:a16="http://schemas.microsoft.com/office/drawing/2014/main" id="{0EB7CBA3-B26F-A6A3-DCBF-CB73A30D19CB}"/>
+              </a:ext>
+            </a:extLst>
+          </p:cNvPr>
+          <p:cNvPicPr>
+            <a:picLocks noChangeAspect="1"/>
+          </p:cNvPicPr>
+          <p:nvPr/>
+        </p:nvPicPr>
+        <p:blipFill rotWithShape="1">
+          <a:blip r:embed="rId4">
+            <a:extLst>
+              <a:ext uri="{28A0092B-C50C-407E-A947-70E740481C1C}">
+                <a14:useLocalDpi xmlns:a14="http://schemas.microsoft.com/office/drawing/2010/main" val="0"/>
+              </a:ext>
+            </a:extLst>
+          </a:blip>
+          <a:srcRect b="786"/>
+          <a:stretch/>
+        </p:blipFill>
+        <p:spPr>
+          <a:xfrm>
+            <a:off x="90450" y="3427167"/>
+            <a:ext cx="3884962" cy="2890800"/>
+          </a:xfrm>
+          <a:prstGeom prst="rect">
+            <a:avLst/>
+          </a:prstGeom>
+        </p:spPr>
+      </p:pic>
+      <p:cxnSp>
+        <p:nvCxnSpPr>
+          <p:cNvPr id="23" name="Straight Connector 22">
+            <a:extLst>
+              <a:ext uri="{FF2B5EF4-FFF2-40B4-BE49-F238E27FC236}">
+                <a16:creationId xmlns:a16="http://schemas.microsoft.com/office/drawing/2014/main" id="{77C6DF49-CBE3-4038-AC78-35DE4FD7CE8E}"/>
+              </a:ext>
+              <a:ext uri="{C183D7F6-B498-43B3-948B-1728B52AA6E4}">
+                <adec:decorative xmlns:adec="http://schemas.microsoft.com/office/drawing/2017/decorative" val="1"/>
+              </a:ext>
+            </a:extLst>
+          </p:cNvPr>
+          <p:cNvCxnSpPr>
+            <a:cxnSpLocks noGrp="1" noRot="1" noChangeAspect="1" noMove="1" noResize="1" noEditPoints="1" noAdjustHandles="1" noChangeArrowheads="1" noChangeShapeType="1"/>
+          </p:cNvCxnSpPr>
+          <p:nvPr>
+            <p:extLst>
+              <p:ext uri="{386F3935-93C4-4BCD-93E2-E3B085C9AB24}">
+                <p16:designElem xmlns:p16="http://schemas.microsoft.com/office/powerpoint/2015/main" val="1"/>
+              </p:ext>
+            </p:extLst>
+          </p:nvPr>
+        </p:nvCxnSpPr>
+        <p:spPr>
+          <a:xfrm>
+            <a:off x="9438531" y="2310207"/>
+            <a:ext cx="540000" cy="0"/>
+          </a:xfrm>
+          <a:prstGeom prst="line">
+            <a:avLst/>
+          </a:prstGeom>
+          <a:ln w="12700">
+            <a:solidFill>
+              <a:schemeClr val="tx1"/>
+            </a:solidFill>
+          </a:ln>
+        </p:spPr>
+        <p:style>
+          <a:lnRef idx="1">
+            <a:schemeClr val="accent1"/>
+          </a:lnRef>
+          <a:fillRef idx="0">
+            <a:schemeClr val="accent1"/>
+          </a:fillRef>
+          <a:effectRef idx="0">
+            <a:schemeClr val="accent1"/>
+          </a:effectRef>
+          <a:fontRef idx="minor">
+            <a:schemeClr val="tx1"/>
+          </a:fontRef>
+        </p:style>
+      </p:cxnSp>
+      <p:pic>
+        <p:nvPicPr>
+          <p:cNvPr id="12" name="Picture 11">
+            <a:extLst>
+              <a:ext uri="{FF2B5EF4-FFF2-40B4-BE49-F238E27FC236}">
+                <a16:creationId xmlns:a16="http://schemas.microsoft.com/office/drawing/2014/main" id="{B016A218-C045-F44F-4522-D6DBC38BF59A}"/>
+              </a:ext>
+            </a:extLst>
+          </p:cNvPr>
+          <p:cNvPicPr>
+            <a:picLocks noChangeAspect="1"/>
+          </p:cNvPicPr>
+          <p:nvPr/>
+        </p:nvPicPr>
+        <p:blipFill rotWithShape="1">
+          <a:blip r:embed="rId5">
+            <a:extLst>
+              <a:ext uri="{28A0092B-C50C-407E-A947-70E740481C1C}">
+                <a14:useLocalDpi xmlns:a14="http://schemas.microsoft.com/office/drawing/2010/main" val="0"/>
+              </a:ext>
+            </a:extLst>
+          </a:blip>
+          <a:srcRect b="209"/>
+          <a:stretch/>
+        </p:blipFill>
+        <p:spPr>
+          <a:xfrm>
+            <a:off x="3696314" y="3427166"/>
+            <a:ext cx="4069735" cy="2890801"/>
+          </a:xfrm>
+          <a:prstGeom prst="rect">
+            <a:avLst/>
+          </a:prstGeom>
+        </p:spPr>
+      </p:pic>
+      <p:sp>
+        <p:nvSpPr>
+          <p:cNvPr id="18" name="Content Placeholder 17">
+            <a:extLst>
+              <a:ext uri="{FF2B5EF4-FFF2-40B4-BE49-F238E27FC236}">
+                <a16:creationId xmlns:a16="http://schemas.microsoft.com/office/drawing/2014/main" id="{325741CB-C5B6-F58D-0CB8-C0164FF2E73D}"/>
+              </a:ext>
+            </a:extLst>
+          </p:cNvPr>
+          <p:cNvSpPr>
+            <a:spLocks noGrp="1"/>
+          </p:cNvSpPr>
+          <p:nvPr>
+            <p:ph idx="1"/>
+          </p:nvPr>
+        </p:nvSpPr>
+        <p:spPr>
+          <a:xfrm>
+            <a:off x="8036543" y="2859869"/>
+            <a:ext cx="3884962" cy="3009899"/>
+          </a:xfrm>
+        </p:spPr>
+        <p:txBody>
+          <a:bodyPr>
+            <a:normAutofit/>
+          </a:bodyPr>
+          <a:lstStyle/>
+          <a:p>
+            <a:r>
+              <a:rPr lang="en-US" dirty="0"/>
+              <a:t>All of them have clear exponential distributions</a:t>
+            </a:r>
+          </a:p>
+          <a:p>
+            <a:r>
+              <a:rPr lang="en-US" dirty="0"/>
+              <a:t>Histogram Bins: 20 bins</a:t>
+            </a:r>
+          </a:p>
+          <a:p>
+            <a:r>
+              <a:rPr lang="en-US" dirty="0"/>
+              <a:t>Mean Interarrival Rate: 35 seconds</a:t>
+            </a:r>
           </a:p>
         </p:txBody>
       </p:sp>
     </p:spTree>
     <p:extLst>
       <p:ext uri="{BB962C8B-B14F-4D97-AF65-F5344CB8AC3E}">
-        <p14:creationId xmlns:p14="http://schemas.microsoft.com/office/powerpoint/2010/main" val="179608230"/>
+        <p14:creationId xmlns:p14="http://schemas.microsoft.com/office/powerpoint/2010/main" val="2125583246"/>
+      </p:ext>
+    </p:extLst>
+  </p:cSld>
+  <p:clrMapOvr>
+    <a:masterClrMapping/>
+  </p:clrMapOvr>
+</p:sld>
+</file>
+
+<file path=ppt/slides/slide9.xml><?xml version="1.0" encoding="utf-8"?>
+<p:sld xmlns:a="http://schemas.openxmlformats.org/drawingml/2006/main" xmlns:r="http://schemas.openxmlformats.org/officeDocument/2006/relationships" xmlns:p="http://schemas.openxmlformats.org/presentationml/2006/main">
+  <p:cSld>
+    <p:spTree>
+      <p:nvGrpSpPr>
+        <p:cNvPr id="1" name=""/>
+        <p:cNvGrpSpPr/>
+        <p:nvPr/>
+      </p:nvGrpSpPr>
+      <p:grpSpPr>
+        <a:xfrm>
+          <a:off x="0" y="0"/>
+          <a:ext cx="0" cy="0"/>
+          <a:chOff x="0" y="0"/>
+          <a:chExt cx="0" cy="0"/>
+        </a:xfrm>
+      </p:grpSpPr>
+      <p:sp>
+        <p:nvSpPr>
+          <p:cNvPr id="2" name="Title 1">
+            <a:extLst>
+              <a:ext uri="{FF2B5EF4-FFF2-40B4-BE49-F238E27FC236}">
+                <a16:creationId xmlns:a16="http://schemas.microsoft.com/office/drawing/2014/main" id="{7330A5D8-4942-2790-D00A-B9454FA0ACAA}"/>
+              </a:ext>
+            </a:extLst>
+          </p:cNvPr>
+          <p:cNvSpPr>
+            <a:spLocks noGrp="1"/>
+          </p:cNvSpPr>
+          <p:nvPr>
+            <p:ph type="title"/>
+          </p:nvPr>
+        </p:nvSpPr>
+        <p:spPr>
+          <a:xfrm>
+            <a:off x="1079500" y="745331"/>
+            <a:ext cx="10026650" cy="655637"/>
+          </a:xfrm>
+        </p:spPr>
+        <p:txBody>
+          <a:bodyPr/>
+          <a:lstStyle/>
+          <a:p>
+            <a:r>
+              <a:rPr lang="en-US" dirty="0"/>
+              <a:t>Results – change in Interarrival Rate</a:t>
+            </a:r>
+          </a:p>
+        </p:txBody>
+      </p:sp>
+      <p:sp>
+        <p:nvSpPr>
+          <p:cNvPr id="3" name="Content Placeholder 2">
+            <a:extLst>
+              <a:ext uri="{FF2B5EF4-FFF2-40B4-BE49-F238E27FC236}">
+                <a16:creationId xmlns:a16="http://schemas.microsoft.com/office/drawing/2014/main" id="{3928A3DB-BBF9-FE40-B730-6DB116600E85}"/>
+              </a:ext>
+            </a:extLst>
+          </p:cNvPr>
+          <p:cNvSpPr>
+            <a:spLocks noGrp="1"/>
+          </p:cNvSpPr>
+          <p:nvPr>
+            <p:ph idx="1"/>
+          </p:nvPr>
+        </p:nvSpPr>
+        <p:spPr/>
+        <p:txBody>
+          <a:bodyPr/>
+          <a:lstStyle/>
+          <a:p>
+            <a:endParaRPr lang="en-US" dirty="0"/>
+          </a:p>
+        </p:txBody>
+      </p:sp>
+      <p:graphicFrame>
+        <p:nvGraphicFramePr>
+          <p:cNvPr id="5" name="Table 4">
+            <a:extLst>
+              <a:ext uri="{FF2B5EF4-FFF2-40B4-BE49-F238E27FC236}">
+                <a16:creationId xmlns:a16="http://schemas.microsoft.com/office/drawing/2014/main" id="{41B58903-BCBC-F31F-7861-B821928A0086}"/>
+              </a:ext>
+            </a:extLst>
+          </p:cNvPr>
+          <p:cNvGraphicFramePr>
+            <a:graphicFrameLocks/>
+          </p:cNvGraphicFramePr>
+          <p:nvPr>
+            <p:extLst>
+              <p:ext uri="{D42A27DB-BD31-4B8C-83A1-F6EECF244321}">
+                <p14:modId xmlns:p14="http://schemas.microsoft.com/office/powerpoint/2010/main" val="2855367231"/>
+              </p:ext>
+            </p:extLst>
+          </p:nvPr>
+        </p:nvGraphicFramePr>
+        <p:xfrm>
+          <a:off x="307340" y="1261666"/>
+          <a:ext cx="8399780" cy="2667000"/>
+        </p:xfrm>
+        <a:graphic>
+          <a:graphicData uri="http://schemas.openxmlformats.org/drawingml/2006/table">
+            <a:tbl>
+              <a:tblPr firstRow="1" bandRow="1">
+                <a:tableStyleId>{5C22544A-7EE6-4342-B048-85BDC9FD1C3A}</a:tableStyleId>
+              </a:tblPr>
+              <a:tblGrid>
+                <a:gridCol w="1679956">
+                  <a:extLst>
+                    <a:ext uri="{9D8B030D-6E8A-4147-A177-3AD203B41FA5}">
+                      <a16:colId xmlns:a16="http://schemas.microsoft.com/office/drawing/2014/main" val="408439045"/>
+                    </a:ext>
+                  </a:extLst>
+                </a:gridCol>
+                <a:gridCol w="1679956">
+                  <a:extLst>
+                    <a:ext uri="{9D8B030D-6E8A-4147-A177-3AD203B41FA5}">
+                      <a16:colId xmlns:a16="http://schemas.microsoft.com/office/drawing/2014/main" val="1747601316"/>
+                    </a:ext>
+                  </a:extLst>
+                </a:gridCol>
+                <a:gridCol w="1679956">
+                  <a:extLst>
+                    <a:ext uri="{9D8B030D-6E8A-4147-A177-3AD203B41FA5}">
+                      <a16:colId xmlns:a16="http://schemas.microsoft.com/office/drawing/2014/main" val="2076594591"/>
+                    </a:ext>
+                  </a:extLst>
+                </a:gridCol>
+                <a:gridCol w="1679956">
+                  <a:extLst>
+                    <a:ext uri="{9D8B030D-6E8A-4147-A177-3AD203B41FA5}">
+                      <a16:colId xmlns:a16="http://schemas.microsoft.com/office/drawing/2014/main" val="2169179181"/>
+                    </a:ext>
+                  </a:extLst>
+                </a:gridCol>
+                <a:gridCol w="1679956">
+                  <a:extLst>
+                    <a:ext uri="{9D8B030D-6E8A-4147-A177-3AD203B41FA5}">
+                      <a16:colId xmlns:a16="http://schemas.microsoft.com/office/drawing/2014/main" val="748788317"/>
+                    </a:ext>
+                  </a:extLst>
+                </a:gridCol>
+              </a:tblGrid>
+              <a:tr h="370840">
+                <a:tc>
+                  <a:txBody>
+                    <a:bodyPr/>
+                    <a:lstStyle/>
+                    <a:p>
+                      <a:r>
+                        <a:rPr lang="en-US" dirty="0"/>
+                        <a:t>Results w/ a mean Interarrival Rate of 25 (s)</a:t>
+                      </a:r>
+                    </a:p>
+                  </a:txBody>
+                  <a:tcPr>
+                    <a:lnR w="12700" cap="flat" cmpd="sng" algn="ctr">
+                      <a:solidFill>
+                        <a:schemeClr val="tx1"/>
+                      </a:solidFill>
+                      <a:prstDash val="solid"/>
+                      <a:round/>
+                      <a:headEnd type="none" w="med" len="med"/>
+                      <a:tailEnd type="none" w="med" len="med"/>
+                    </a:lnR>
+                  </a:tcPr>
+                </a:tc>
+                <a:tc>
+                  <a:txBody>
+                    <a:bodyPr/>
+                    <a:lstStyle/>
+                    <a:p>
+                      <a:pPr algn="ctr"/>
+                      <a:r>
+                        <a:rPr lang="en-US" dirty="0"/>
+                        <a:t>Average Number of Riders / Hour</a:t>
+                      </a:r>
+                    </a:p>
+                  </a:txBody>
+                  <a:tcPr>
+                    <a:lnL w="12700" cap="flat" cmpd="sng" algn="ctr">
+                      <a:solidFill>
+                        <a:schemeClr val="tx1"/>
+                      </a:solidFill>
+                      <a:prstDash val="solid"/>
+                      <a:round/>
+                      <a:headEnd type="none" w="med" len="med"/>
+                      <a:tailEnd type="none" w="med" len="med"/>
+                    </a:lnL>
+                  </a:tcPr>
+                </a:tc>
+                <a:tc>
+                  <a:txBody>
+                    <a:bodyPr/>
+                    <a:lstStyle/>
+                    <a:p>
+                      <a:pPr algn="ctr"/>
+                      <a:r>
+                        <a:rPr lang="en-US" dirty="0"/>
+                        <a:t>Mean of Mean Wait Times </a:t>
+                      </a:r>
+                      <a:r>
+                        <a:rPr kumimoji="0" lang="en-US" sz="1200" b="1" i="0" u="none" strike="noStrike" kern="1200" cap="none" spc="0" normalizeH="0" baseline="0" noProof="0" dirty="0">
+                          <a:ln>
+                            <a:noFill/>
+                          </a:ln>
+                          <a:solidFill>
+                            <a:srgbClr val="FFFFFF"/>
+                          </a:solidFill>
+                          <a:effectLst/>
+                          <a:uLnTx/>
+                          <a:uFillTx/>
+                          <a:latin typeface="+mn-lt"/>
+                          <a:ea typeface="+mn-ea"/>
+                          <a:cs typeface="+mn-cs"/>
+                        </a:rPr>
+                        <a:t>(seconds)</a:t>
+                      </a:r>
+                      <a:endParaRPr lang="en-US" dirty="0"/>
+                    </a:p>
+                  </a:txBody>
+                  <a:tcPr/>
+                </a:tc>
+                <a:tc>
+                  <a:txBody>
+                    <a:bodyPr/>
+                    <a:lstStyle/>
+                    <a:p>
+                      <a:pPr algn="ctr"/>
+                      <a:r>
+                        <a:rPr lang="en-US" dirty="0"/>
+                        <a:t>Mean of All Wait Times </a:t>
+                      </a:r>
+                      <a:r>
+                        <a:rPr kumimoji="0" lang="en-US" sz="1200" b="1" i="0" u="none" strike="noStrike" kern="1200" cap="none" spc="0" normalizeH="0" baseline="0" noProof="0" dirty="0">
+                          <a:ln>
+                            <a:noFill/>
+                          </a:ln>
+                          <a:solidFill>
+                            <a:srgbClr val="FFFFFF"/>
+                          </a:solidFill>
+                          <a:effectLst/>
+                          <a:uLnTx/>
+                          <a:uFillTx/>
+                          <a:latin typeface="+mn-lt"/>
+                          <a:ea typeface="+mn-ea"/>
+                          <a:cs typeface="+mn-cs"/>
+                        </a:rPr>
+                        <a:t>(seconds)</a:t>
+                      </a:r>
+                      <a:endParaRPr lang="en-US" dirty="0"/>
+                    </a:p>
+                  </a:txBody>
+                  <a:tcPr/>
+                </a:tc>
+                <a:tc>
+                  <a:txBody>
+                    <a:bodyPr/>
+                    <a:lstStyle/>
+                    <a:p>
+                      <a:pPr algn="ctr"/>
+                      <a:r>
+                        <a:rPr lang="en-US" dirty="0"/>
+                        <a:t>Variance of All Wait Times</a:t>
+                      </a:r>
+                    </a:p>
+                  </a:txBody>
+                  <a:tcPr/>
+                </a:tc>
+                <a:extLst>
+                  <a:ext uri="{0D108BD9-81ED-4DB2-BD59-A6C34878D82A}">
+                    <a16:rowId xmlns:a16="http://schemas.microsoft.com/office/drawing/2014/main" val="2535181"/>
+                  </a:ext>
+                </a:extLst>
+              </a:tr>
+              <a:tr h="370840">
+                <a:tc>
+                  <a:txBody>
+                    <a:bodyPr/>
+                    <a:lstStyle/>
+                    <a:p>
+                      <a:pPr algn="l"/>
+                      <a:r>
+                        <a:rPr lang="en-US" dirty="0"/>
+                        <a:t>Default</a:t>
+                      </a:r>
+                    </a:p>
+                  </a:txBody>
+                  <a:tcPr>
+                    <a:lnR w="12700" cap="flat" cmpd="sng" algn="ctr">
+                      <a:solidFill>
+                        <a:schemeClr val="tx1"/>
+                      </a:solidFill>
+                      <a:prstDash val="solid"/>
+                      <a:round/>
+                      <a:headEnd type="none" w="med" len="med"/>
+                      <a:tailEnd type="none" w="med" len="med"/>
+                    </a:lnR>
+                  </a:tcPr>
+                </a:tc>
+                <a:tc>
+                  <a:txBody>
+                    <a:bodyPr/>
+                    <a:lstStyle/>
+                    <a:p>
+                      <a:pPr algn="ctr"/>
+                      <a:r>
+                        <a:rPr lang="en-US" dirty="0"/>
+                        <a:t>144.4</a:t>
+                      </a:r>
+                    </a:p>
+                  </a:txBody>
+                  <a:tcPr>
+                    <a:lnL w="12700" cap="flat" cmpd="sng" algn="ctr">
+                      <a:solidFill>
+                        <a:schemeClr val="tx1"/>
+                      </a:solidFill>
+                      <a:prstDash val="solid"/>
+                      <a:round/>
+                      <a:headEnd type="none" w="med" len="med"/>
+                      <a:tailEnd type="none" w="med" len="med"/>
+                    </a:lnL>
+                  </a:tcPr>
+                </a:tc>
+                <a:tc>
+                  <a:txBody>
+                    <a:bodyPr/>
+                    <a:lstStyle/>
+                    <a:p>
+                      <a:pPr algn="ctr"/>
+                      <a:r>
+                        <a:rPr lang="en-US" dirty="0"/>
+                        <a:t>106.92</a:t>
+                      </a:r>
+                    </a:p>
+                  </a:txBody>
+                  <a:tcPr/>
+                </a:tc>
+                <a:tc>
+                  <a:txBody>
+                    <a:bodyPr/>
+                    <a:lstStyle/>
+                    <a:p>
+                      <a:pPr algn="ctr"/>
+                      <a:r>
+                        <a:rPr lang="en-US" dirty="0"/>
+                        <a:t>108.69</a:t>
+                      </a:r>
+                    </a:p>
+                  </a:txBody>
+                  <a:tcPr/>
+                </a:tc>
+                <a:tc>
+                  <a:txBody>
+                    <a:bodyPr/>
+                    <a:lstStyle/>
+                    <a:p>
+                      <a:pPr algn="ctr"/>
+                      <a:r>
+                        <a:rPr lang="en-US" dirty="0"/>
+                        <a:t>2,721.83</a:t>
+                      </a:r>
+                    </a:p>
+                  </a:txBody>
+                  <a:tcPr/>
+                </a:tc>
+                <a:extLst>
+                  <a:ext uri="{0D108BD9-81ED-4DB2-BD59-A6C34878D82A}">
+                    <a16:rowId xmlns:a16="http://schemas.microsoft.com/office/drawing/2014/main" val="3535092049"/>
+                  </a:ext>
+                </a:extLst>
+              </a:tr>
+              <a:tr h="370840">
+                <a:tc>
+                  <a:txBody>
+                    <a:bodyPr/>
+                    <a:lstStyle/>
+                    <a:p>
+                      <a:pPr algn="l"/>
+                      <a:r>
+                        <a:rPr lang="en-US" dirty="0"/>
+                        <a:t>Idle-One</a:t>
+                      </a:r>
+                    </a:p>
+                  </a:txBody>
+                  <a:tcPr>
+                    <a:lnR w="12700" cap="flat" cmpd="sng" algn="ctr">
+                      <a:solidFill>
+                        <a:schemeClr val="tx1"/>
+                      </a:solidFill>
+                      <a:prstDash val="solid"/>
+                      <a:round/>
+                      <a:headEnd type="none" w="med" len="med"/>
+                      <a:tailEnd type="none" w="med" len="med"/>
+                    </a:lnR>
+                  </a:tcPr>
+                </a:tc>
+                <a:tc>
+                  <a:txBody>
+                    <a:bodyPr/>
+                    <a:lstStyle/>
+                    <a:p>
+                      <a:pPr algn="ctr"/>
+                      <a:r>
+                        <a:rPr lang="en-US" dirty="0"/>
+                        <a:t>144.0</a:t>
+                      </a:r>
+                    </a:p>
+                  </a:txBody>
+                  <a:tcPr>
+                    <a:lnL w="12700" cap="flat" cmpd="sng" algn="ctr">
+                      <a:solidFill>
+                        <a:schemeClr val="tx1"/>
+                      </a:solidFill>
+                      <a:prstDash val="solid"/>
+                      <a:round/>
+                      <a:headEnd type="none" w="med" len="med"/>
+                      <a:tailEnd type="none" w="med" len="med"/>
+                    </a:lnL>
+                  </a:tcPr>
+                </a:tc>
+                <a:tc>
+                  <a:txBody>
+                    <a:bodyPr/>
+                    <a:lstStyle/>
+                    <a:p>
+                      <a:pPr algn="ctr"/>
+                      <a:r>
+                        <a:rPr lang="en-US" dirty="0"/>
+                        <a:t>220.48</a:t>
+                      </a:r>
+                    </a:p>
+                  </a:txBody>
+                  <a:tcPr/>
+                </a:tc>
+                <a:tc>
+                  <a:txBody>
+                    <a:bodyPr/>
+                    <a:lstStyle/>
+                    <a:p>
+                      <a:pPr algn="ctr"/>
+                      <a:r>
+                        <a:rPr lang="en-US" dirty="0"/>
+                        <a:t>223.00</a:t>
+                      </a:r>
+                    </a:p>
+                  </a:txBody>
+                  <a:tcPr/>
+                </a:tc>
+                <a:tc>
+                  <a:txBody>
+                    <a:bodyPr/>
+                    <a:lstStyle/>
+                    <a:p>
+                      <a:pPr algn="ctr"/>
+                      <a:r>
+                        <a:rPr lang="en-US" dirty="0"/>
+                        <a:t>15,614.38</a:t>
+                      </a:r>
+                    </a:p>
+                  </a:txBody>
+                  <a:tcPr/>
+                </a:tc>
+                <a:extLst>
+                  <a:ext uri="{0D108BD9-81ED-4DB2-BD59-A6C34878D82A}">
+                    <a16:rowId xmlns:a16="http://schemas.microsoft.com/office/drawing/2014/main" val="1453189554"/>
+                  </a:ext>
+                </a:extLst>
+              </a:tr>
+              <a:tr h="0">
+                <a:tc>
+                  <a:txBody>
+                    <a:bodyPr/>
+                    <a:lstStyle/>
+                    <a:p>
+                      <a:pPr algn="l"/>
+                      <a:r>
+                        <a:rPr lang="en-US" dirty="0"/>
+                        <a:t>Sequential</a:t>
+                      </a:r>
+                    </a:p>
+                  </a:txBody>
+                  <a:tcPr>
+                    <a:lnR w="12700" cap="flat" cmpd="sng" algn="ctr">
+                      <a:solidFill>
+                        <a:schemeClr val="tx1"/>
+                      </a:solidFill>
+                      <a:prstDash val="solid"/>
+                      <a:round/>
+                      <a:headEnd type="none" w="med" len="med"/>
+                      <a:tailEnd type="none" w="med" len="med"/>
+                    </a:lnR>
+                  </a:tcPr>
+                </a:tc>
+                <a:tc>
+                  <a:txBody>
+                    <a:bodyPr/>
+                    <a:lstStyle/>
+                    <a:p>
+                      <a:pPr algn="ctr"/>
+                      <a:r>
+                        <a:rPr lang="en-US" dirty="0"/>
+                        <a:t>144.0</a:t>
+                      </a:r>
+                    </a:p>
+                  </a:txBody>
+                  <a:tcPr>
+                    <a:lnL w="12700" cap="flat" cmpd="sng" algn="ctr">
+                      <a:solidFill>
+                        <a:schemeClr val="tx1"/>
+                      </a:solidFill>
+                      <a:prstDash val="solid"/>
+                      <a:round/>
+                      <a:headEnd type="none" w="med" len="med"/>
+                      <a:tailEnd type="none" w="med" len="med"/>
+                    </a:lnL>
+                  </a:tcPr>
+                </a:tc>
+                <a:tc>
+                  <a:txBody>
+                    <a:bodyPr/>
+                    <a:lstStyle/>
+                    <a:p>
+                      <a:pPr algn="ctr"/>
+                      <a:r>
+                        <a:rPr lang="en-US" dirty="0"/>
+                        <a:t>318.89</a:t>
+                      </a:r>
+                    </a:p>
+                  </a:txBody>
+                  <a:tcPr/>
+                </a:tc>
+                <a:tc>
+                  <a:txBody>
+                    <a:bodyPr/>
+                    <a:lstStyle/>
+                    <a:p>
+                      <a:pPr algn="ctr"/>
+                      <a:r>
+                        <a:rPr lang="en-US" dirty="0"/>
+                        <a:t>321.03</a:t>
+                      </a:r>
+                    </a:p>
+                  </a:txBody>
+                  <a:tcPr/>
+                </a:tc>
+                <a:tc>
+                  <a:txBody>
+                    <a:bodyPr/>
+                    <a:lstStyle/>
+                    <a:p>
+                      <a:pPr algn="ctr"/>
+                      <a:r>
+                        <a:rPr lang="en-US" dirty="0"/>
+                        <a:t>15,284.13</a:t>
+                      </a:r>
+                    </a:p>
+                  </a:txBody>
+                  <a:tcPr/>
+                </a:tc>
+                <a:extLst>
+                  <a:ext uri="{0D108BD9-81ED-4DB2-BD59-A6C34878D82A}">
+                    <a16:rowId xmlns:a16="http://schemas.microsoft.com/office/drawing/2014/main" val="1850849186"/>
+                  </a:ext>
+                </a:extLst>
+              </a:tr>
+              <a:tr h="370840">
+                <a:tc>
+                  <a:txBody>
+                    <a:bodyPr/>
+                    <a:lstStyle/>
+                    <a:p>
+                      <a:pPr algn="l"/>
+                      <a:r>
+                        <a:rPr lang="en-US" dirty="0"/>
+                        <a:t>One-Four</a:t>
+                      </a:r>
+                    </a:p>
+                  </a:txBody>
+                  <a:tcPr>
+                    <a:lnR w="12700" cap="flat" cmpd="sng" algn="ctr">
+                      <a:solidFill>
+                        <a:schemeClr val="tx1"/>
+                      </a:solidFill>
+                      <a:prstDash val="solid"/>
+                      <a:round/>
+                      <a:headEnd type="none" w="med" len="med"/>
+                      <a:tailEnd type="none" w="med" len="med"/>
+                    </a:lnR>
+                  </a:tcPr>
+                </a:tc>
+                <a:tc>
+                  <a:txBody>
+                    <a:bodyPr/>
+                    <a:lstStyle/>
+                    <a:p>
+                      <a:pPr algn="ctr"/>
+                      <a:r>
+                        <a:rPr lang="en-US" dirty="0"/>
+                        <a:t>144.0</a:t>
+                      </a:r>
+                    </a:p>
+                  </a:txBody>
+                  <a:tcPr>
+                    <a:lnL w="12700" cap="flat" cmpd="sng" algn="ctr">
+                      <a:solidFill>
+                        <a:schemeClr val="tx1"/>
+                      </a:solidFill>
+                      <a:prstDash val="solid"/>
+                      <a:round/>
+                      <a:headEnd type="none" w="med" len="med"/>
+                      <a:tailEnd type="none" w="med" len="med"/>
+                    </a:lnL>
+                  </a:tcPr>
+                </a:tc>
+                <a:tc>
+                  <a:txBody>
+                    <a:bodyPr/>
+                    <a:lstStyle/>
+                    <a:p>
+                      <a:pPr algn="ctr"/>
+                      <a:r>
+                        <a:rPr lang="en-US" dirty="0"/>
+                        <a:t>112.19</a:t>
+                      </a:r>
+                    </a:p>
+                  </a:txBody>
+                  <a:tcPr/>
+                </a:tc>
+                <a:tc>
+                  <a:txBody>
+                    <a:bodyPr/>
+                    <a:lstStyle/>
+                    <a:p>
+                      <a:pPr algn="ctr"/>
+                      <a:r>
+                        <a:rPr lang="en-US" dirty="0"/>
+                        <a:t>113.98</a:t>
+                      </a:r>
+                    </a:p>
+                  </a:txBody>
+                  <a:tcPr/>
+                </a:tc>
+                <a:tc>
+                  <a:txBody>
+                    <a:bodyPr/>
+                    <a:lstStyle/>
+                    <a:p>
+                      <a:pPr algn="ctr"/>
+                      <a:r>
+                        <a:rPr lang="en-US" dirty="0"/>
+                        <a:t>2864.60</a:t>
+                      </a:r>
+                    </a:p>
+                  </a:txBody>
+                  <a:tcPr/>
+                </a:tc>
+                <a:extLst>
+                  <a:ext uri="{0D108BD9-81ED-4DB2-BD59-A6C34878D82A}">
+                    <a16:rowId xmlns:a16="http://schemas.microsoft.com/office/drawing/2014/main" val="2221490258"/>
+                  </a:ext>
+                </a:extLst>
+              </a:tr>
+            </a:tbl>
+          </a:graphicData>
+        </a:graphic>
+      </p:graphicFrame>
+      <p:graphicFrame>
+        <p:nvGraphicFramePr>
+          <p:cNvPr id="6" name="Table 4">
+            <a:extLst>
+              <a:ext uri="{FF2B5EF4-FFF2-40B4-BE49-F238E27FC236}">
+                <a16:creationId xmlns:a16="http://schemas.microsoft.com/office/drawing/2014/main" id="{4A2C2A3F-8F92-6B3B-5129-C51069DA0790}"/>
+              </a:ext>
+            </a:extLst>
+          </p:cNvPr>
+          <p:cNvGraphicFramePr>
+            <a:graphicFrameLocks/>
+          </p:cNvGraphicFramePr>
+          <p:nvPr>
+            <p:extLst>
+              <p:ext uri="{D42A27DB-BD31-4B8C-83A1-F6EECF244321}">
+                <p14:modId xmlns:p14="http://schemas.microsoft.com/office/powerpoint/2010/main" val="4040568158"/>
+              </p:ext>
+            </p:extLst>
+          </p:nvPr>
+        </p:nvGraphicFramePr>
+        <p:xfrm>
+          <a:off x="307340" y="4062572"/>
+          <a:ext cx="8399780" cy="2667000"/>
+        </p:xfrm>
+        <a:graphic>
+          <a:graphicData uri="http://schemas.openxmlformats.org/drawingml/2006/table">
+            <a:tbl>
+              <a:tblPr firstRow="1" bandRow="1">
+                <a:tableStyleId>{5C22544A-7EE6-4342-B048-85BDC9FD1C3A}</a:tableStyleId>
+              </a:tblPr>
+              <a:tblGrid>
+                <a:gridCol w="1679956">
+                  <a:extLst>
+                    <a:ext uri="{9D8B030D-6E8A-4147-A177-3AD203B41FA5}">
+                      <a16:colId xmlns:a16="http://schemas.microsoft.com/office/drawing/2014/main" val="408439045"/>
+                    </a:ext>
+                  </a:extLst>
+                </a:gridCol>
+                <a:gridCol w="1679956">
+                  <a:extLst>
+                    <a:ext uri="{9D8B030D-6E8A-4147-A177-3AD203B41FA5}">
+                      <a16:colId xmlns:a16="http://schemas.microsoft.com/office/drawing/2014/main" val="1747601316"/>
+                    </a:ext>
+                  </a:extLst>
+                </a:gridCol>
+                <a:gridCol w="1679956">
+                  <a:extLst>
+                    <a:ext uri="{9D8B030D-6E8A-4147-A177-3AD203B41FA5}">
+                      <a16:colId xmlns:a16="http://schemas.microsoft.com/office/drawing/2014/main" val="2076594591"/>
+                    </a:ext>
+                  </a:extLst>
+                </a:gridCol>
+                <a:gridCol w="1679956">
+                  <a:extLst>
+                    <a:ext uri="{9D8B030D-6E8A-4147-A177-3AD203B41FA5}">
+                      <a16:colId xmlns:a16="http://schemas.microsoft.com/office/drawing/2014/main" val="2169179181"/>
+                    </a:ext>
+                  </a:extLst>
+                </a:gridCol>
+                <a:gridCol w="1679956">
+                  <a:extLst>
+                    <a:ext uri="{9D8B030D-6E8A-4147-A177-3AD203B41FA5}">
+                      <a16:colId xmlns:a16="http://schemas.microsoft.com/office/drawing/2014/main" val="748788317"/>
+                    </a:ext>
+                  </a:extLst>
+                </a:gridCol>
+              </a:tblGrid>
+              <a:tr h="370840">
+                <a:tc>
+                  <a:txBody>
+                    <a:bodyPr/>
+                    <a:lstStyle/>
+                    <a:p>
+                      <a:r>
+                        <a:rPr lang="en-US" dirty="0"/>
+                        <a:t>Results w/ a mean Interarrival Rate of 45 (s)</a:t>
+                      </a:r>
+                    </a:p>
+                  </a:txBody>
+                  <a:tcPr>
+                    <a:lnR w="12700" cap="flat" cmpd="sng" algn="ctr">
+                      <a:solidFill>
+                        <a:schemeClr val="tx1"/>
+                      </a:solidFill>
+                      <a:prstDash val="solid"/>
+                      <a:round/>
+                      <a:headEnd type="none" w="med" len="med"/>
+                      <a:tailEnd type="none" w="med" len="med"/>
+                    </a:lnR>
+                  </a:tcPr>
+                </a:tc>
+                <a:tc>
+                  <a:txBody>
+                    <a:bodyPr/>
+                    <a:lstStyle/>
+                    <a:p>
+                      <a:pPr algn="ctr"/>
+                      <a:r>
+                        <a:rPr lang="en-US" dirty="0"/>
+                        <a:t>Average Number of Riders / Hour</a:t>
+                      </a:r>
+                    </a:p>
+                  </a:txBody>
+                  <a:tcPr>
+                    <a:lnL w="12700" cap="flat" cmpd="sng" algn="ctr">
+                      <a:solidFill>
+                        <a:schemeClr val="tx1"/>
+                      </a:solidFill>
+                      <a:prstDash val="solid"/>
+                      <a:round/>
+                      <a:headEnd type="none" w="med" len="med"/>
+                      <a:tailEnd type="none" w="med" len="med"/>
+                    </a:lnL>
+                  </a:tcPr>
+                </a:tc>
+                <a:tc>
+                  <a:txBody>
+                    <a:bodyPr/>
+                    <a:lstStyle/>
+                    <a:p>
+                      <a:pPr algn="ctr"/>
+                      <a:r>
+                        <a:rPr lang="en-US" dirty="0"/>
+                        <a:t>Mean of Mean Wait Times </a:t>
+                      </a:r>
+                      <a:r>
+                        <a:rPr lang="en-US" sz="1200" dirty="0"/>
+                        <a:t>(seconds)</a:t>
+                      </a:r>
+                      <a:endParaRPr lang="en-US" dirty="0"/>
+                    </a:p>
+                  </a:txBody>
+                  <a:tcPr/>
+                </a:tc>
+                <a:tc>
+                  <a:txBody>
+                    <a:bodyPr/>
+                    <a:lstStyle/>
+                    <a:p>
+                      <a:pPr algn="ctr"/>
+                      <a:r>
+                        <a:rPr lang="en-US" dirty="0"/>
+                        <a:t>Mean of All Wait Times </a:t>
+                      </a:r>
+                      <a:r>
+                        <a:rPr lang="en-US" sz="1200" dirty="0"/>
+                        <a:t>(seconds)</a:t>
+                      </a:r>
+                      <a:endParaRPr lang="en-US" dirty="0"/>
+                    </a:p>
+                  </a:txBody>
+                  <a:tcPr/>
+                </a:tc>
+                <a:tc>
+                  <a:txBody>
+                    <a:bodyPr/>
+                    <a:lstStyle/>
+                    <a:p>
+                      <a:pPr algn="ctr"/>
+                      <a:r>
+                        <a:rPr lang="en-US" dirty="0"/>
+                        <a:t>Variance of All Wait Times</a:t>
+                      </a:r>
+                    </a:p>
+                  </a:txBody>
+                  <a:tcPr/>
+                </a:tc>
+                <a:extLst>
+                  <a:ext uri="{0D108BD9-81ED-4DB2-BD59-A6C34878D82A}">
+                    <a16:rowId xmlns:a16="http://schemas.microsoft.com/office/drawing/2014/main" val="2535181"/>
+                  </a:ext>
+                </a:extLst>
+              </a:tr>
+              <a:tr h="370840">
+                <a:tc>
+                  <a:txBody>
+                    <a:bodyPr/>
+                    <a:lstStyle/>
+                    <a:p>
+                      <a:pPr algn="l"/>
+                      <a:r>
+                        <a:rPr lang="en-US" dirty="0"/>
+                        <a:t>Default</a:t>
+                      </a:r>
+                    </a:p>
+                  </a:txBody>
+                  <a:tcPr>
+                    <a:lnR w="12700" cap="flat" cmpd="sng" algn="ctr">
+                      <a:solidFill>
+                        <a:schemeClr val="tx1"/>
+                      </a:solidFill>
+                      <a:prstDash val="solid"/>
+                      <a:round/>
+                      <a:headEnd type="none" w="med" len="med"/>
+                      <a:tailEnd type="none" w="med" len="med"/>
+                    </a:lnR>
+                  </a:tcPr>
+                </a:tc>
+                <a:tc>
+                  <a:txBody>
+                    <a:bodyPr/>
+                    <a:lstStyle/>
+                    <a:p>
+                      <a:pPr algn="ctr"/>
+                      <a:r>
+                        <a:rPr lang="en-US" dirty="0"/>
+                        <a:t>79.9</a:t>
+                      </a:r>
+                    </a:p>
+                  </a:txBody>
+                  <a:tcPr>
+                    <a:lnL w="12700" cap="flat" cmpd="sng" algn="ctr">
+                      <a:solidFill>
+                        <a:schemeClr val="tx1"/>
+                      </a:solidFill>
+                      <a:prstDash val="solid"/>
+                      <a:round/>
+                      <a:headEnd type="none" w="med" len="med"/>
+                      <a:tailEnd type="none" w="med" len="med"/>
+                    </a:lnL>
+                  </a:tcPr>
+                </a:tc>
+                <a:tc>
+                  <a:txBody>
+                    <a:bodyPr/>
+                    <a:lstStyle/>
+                    <a:p>
+                      <a:pPr algn="ctr"/>
+                      <a:r>
+                        <a:rPr lang="en-US" dirty="0"/>
+                        <a:t>25.83</a:t>
+                      </a:r>
+                    </a:p>
+                  </a:txBody>
+                  <a:tcPr/>
+                </a:tc>
+                <a:tc>
+                  <a:txBody>
+                    <a:bodyPr/>
+                    <a:lstStyle/>
+                    <a:p>
+                      <a:pPr algn="ctr"/>
+                      <a:r>
+                        <a:rPr lang="en-US" dirty="0"/>
+                        <a:t>25.98</a:t>
+                      </a:r>
+                    </a:p>
+                  </a:txBody>
+                  <a:tcPr/>
+                </a:tc>
+                <a:tc>
+                  <a:txBody>
+                    <a:bodyPr/>
+                    <a:lstStyle/>
+                    <a:p>
+                      <a:pPr algn="ctr"/>
+                      <a:r>
+                        <a:rPr lang="en-US" dirty="0"/>
+                        <a:t>13.82</a:t>
+                      </a:r>
+                    </a:p>
+                  </a:txBody>
+                  <a:tcPr/>
+                </a:tc>
+                <a:extLst>
+                  <a:ext uri="{0D108BD9-81ED-4DB2-BD59-A6C34878D82A}">
+                    <a16:rowId xmlns:a16="http://schemas.microsoft.com/office/drawing/2014/main" val="3535092049"/>
+                  </a:ext>
+                </a:extLst>
+              </a:tr>
+              <a:tr h="370840">
+                <a:tc>
+                  <a:txBody>
+                    <a:bodyPr/>
+                    <a:lstStyle/>
+                    <a:p>
+                      <a:pPr algn="l"/>
+                      <a:r>
+                        <a:rPr lang="en-US" dirty="0"/>
+                        <a:t>Idle-One</a:t>
+                      </a:r>
+                    </a:p>
+                  </a:txBody>
+                  <a:tcPr>
+                    <a:lnR w="12700" cap="flat" cmpd="sng" algn="ctr">
+                      <a:solidFill>
+                        <a:schemeClr val="tx1"/>
+                      </a:solidFill>
+                      <a:prstDash val="solid"/>
+                      <a:round/>
+                      <a:headEnd type="none" w="med" len="med"/>
+                      <a:tailEnd type="none" w="med" len="med"/>
+                    </a:lnR>
+                  </a:tcPr>
+                </a:tc>
+                <a:tc>
+                  <a:txBody>
+                    <a:bodyPr/>
+                    <a:lstStyle/>
+                    <a:p>
+                      <a:pPr algn="ctr"/>
+                      <a:r>
+                        <a:rPr lang="en-US" dirty="0"/>
+                        <a:t>79.8</a:t>
+                      </a:r>
+                    </a:p>
+                  </a:txBody>
+                  <a:tcPr>
+                    <a:lnL w="12700" cap="flat" cmpd="sng" algn="ctr">
+                      <a:solidFill>
+                        <a:schemeClr val="tx1"/>
+                      </a:solidFill>
+                      <a:prstDash val="solid"/>
+                      <a:round/>
+                      <a:headEnd type="none" w="med" len="med"/>
+                      <a:tailEnd type="none" w="med" len="med"/>
+                    </a:lnL>
+                  </a:tcPr>
+                </a:tc>
+                <a:tc>
+                  <a:txBody>
+                    <a:bodyPr/>
+                    <a:lstStyle/>
+                    <a:p>
+                      <a:pPr algn="ctr"/>
+                      <a:r>
+                        <a:rPr lang="en-US" dirty="0"/>
+                        <a:t>31.92</a:t>
+                      </a:r>
+                    </a:p>
+                  </a:txBody>
+                  <a:tcPr/>
+                </a:tc>
+                <a:tc>
+                  <a:txBody>
+                    <a:bodyPr/>
+                    <a:lstStyle/>
+                    <a:p>
+                      <a:pPr algn="ctr"/>
+                      <a:r>
+                        <a:rPr lang="en-US" dirty="0"/>
+                        <a:t>32.15</a:t>
+                      </a:r>
+                    </a:p>
+                  </a:txBody>
+                  <a:tcPr/>
+                </a:tc>
+                <a:tc>
+                  <a:txBody>
+                    <a:bodyPr/>
+                    <a:lstStyle/>
+                    <a:p>
+                      <a:pPr algn="ctr"/>
+                      <a:r>
+                        <a:rPr lang="en-US" dirty="0"/>
+                        <a:t>25.39</a:t>
+                      </a:r>
+                    </a:p>
+                  </a:txBody>
+                  <a:tcPr/>
+                </a:tc>
+                <a:extLst>
+                  <a:ext uri="{0D108BD9-81ED-4DB2-BD59-A6C34878D82A}">
+                    <a16:rowId xmlns:a16="http://schemas.microsoft.com/office/drawing/2014/main" val="1453189554"/>
+                  </a:ext>
+                </a:extLst>
+              </a:tr>
+              <a:tr h="0">
+                <a:tc>
+                  <a:txBody>
+                    <a:bodyPr/>
+                    <a:lstStyle/>
+                    <a:p>
+                      <a:pPr algn="l"/>
+                      <a:r>
+                        <a:rPr lang="en-US" dirty="0"/>
+                        <a:t>Sequential</a:t>
+                      </a:r>
+                    </a:p>
+                  </a:txBody>
+                  <a:tcPr>
+                    <a:lnR w="12700" cap="flat" cmpd="sng" algn="ctr">
+                      <a:solidFill>
+                        <a:schemeClr val="tx1"/>
+                      </a:solidFill>
+                      <a:prstDash val="solid"/>
+                      <a:round/>
+                      <a:headEnd type="none" w="med" len="med"/>
+                      <a:tailEnd type="none" w="med" len="med"/>
+                    </a:lnR>
+                  </a:tcPr>
+                </a:tc>
+                <a:tc>
+                  <a:txBody>
+                    <a:bodyPr/>
+                    <a:lstStyle/>
+                    <a:p>
+                      <a:pPr algn="ctr"/>
+                      <a:r>
+                        <a:rPr lang="en-US" dirty="0"/>
+                        <a:t>80.0</a:t>
+                      </a:r>
+                    </a:p>
+                  </a:txBody>
+                  <a:tcPr>
+                    <a:lnL w="12700" cap="flat" cmpd="sng" algn="ctr">
+                      <a:solidFill>
+                        <a:schemeClr val="tx1"/>
+                      </a:solidFill>
+                      <a:prstDash val="solid"/>
+                      <a:round/>
+                      <a:headEnd type="none" w="med" len="med"/>
+                      <a:tailEnd type="none" w="med" len="med"/>
+                    </a:lnL>
+                  </a:tcPr>
+                </a:tc>
+                <a:tc>
+                  <a:txBody>
+                    <a:bodyPr/>
+                    <a:lstStyle/>
+                    <a:p>
+                      <a:pPr algn="ctr"/>
+                      <a:r>
+                        <a:rPr lang="en-US" dirty="0"/>
+                        <a:t>48.69</a:t>
+                      </a:r>
+                    </a:p>
+                  </a:txBody>
+                  <a:tcPr/>
+                </a:tc>
+                <a:tc>
+                  <a:txBody>
+                    <a:bodyPr/>
+                    <a:lstStyle/>
+                    <a:p>
+                      <a:pPr algn="ctr"/>
+                      <a:r>
+                        <a:rPr lang="en-US" dirty="0"/>
+                        <a:t>49.14</a:t>
+                      </a:r>
+                    </a:p>
+                  </a:txBody>
+                  <a:tcPr/>
+                </a:tc>
+                <a:tc>
+                  <a:txBody>
+                    <a:bodyPr/>
+                    <a:lstStyle/>
+                    <a:p>
+                      <a:pPr algn="ctr"/>
+                      <a:r>
+                        <a:rPr lang="en-US" dirty="0"/>
+                        <a:t>107.73</a:t>
+                      </a:r>
+                    </a:p>
+                  </a:txBody>
+                  <a:tcPr/>
+                </a:tc>
+                <a:extLst>
+                  <a:ext uri="{0D108BD9-81ED-4DB2-BD59-A6C34878D82A}">
+                    <a16:rowId xmlns:a16="http://schemas.microsoft.com/office/drawing/2014/main" val="1850849186"/>
+                  </a:ext>
+                </a:extLst>
+              </a:tr>
+              <a:tr h="370840">
+                <a:tc>
+                  <a:txBody>
+                    <a:bodyPr/>
+                    <a:lstStyle/>
+                    <a:p>
+                      <a:pPr algn="l"/>
+                      <a:r>
+                        <a:rPr lang="en-US" dirty="0"/>
+                        <a:t>One-Four</a:t>
+                      </a:r>
+                    </a:p>
+                  </a:txBody>
+                  <a:tcPr>
+                    <a:lnR w="12700" cap="flat" cmpd="sng" algn="ctr">
+                      <a:solidFill>
+                        <a:schemeClr val="tx1"/>
+                      </a:solidFill>
+                      <a:prstDash val="solid"/>
+                      <a:round/>
+                      <a:headEnd type="none" w="med" len="med"/>
+                      <a:tailEnd type="none" w="med" len="med"/>
+                    </a:lnR>
+                  </a:tcPr>
+                </a:tc>
+                <a:tc>
+                  <a:txBody>
+                    <a:bodyPr/>
+                    <a:lstStyle/>
+                    <a:p>
+                      <a:pPr algn="ctr"/>
+                      <a:r>
+                        <a:rPr lang="en-US" dirty="0"/>
+                        <a:t>79.8</a:t>
+                      </a:r>
+                    </a:p>
+                  </a:txBody>
+                  <a:tcPr>
+                    <a:lnL w="12700" cap="flat" cmpd="sng" algn="ctr">
+                      <a:solidFill>
+                        <a:schemeClr val="tx1"/>
+                      </a:solidFill>
+                      <a:prstDash val="solid"/>
+                      <a:round/>
+                      <a:headEnd type="none" w="med" len="med"/>
+                      <a:tailEnd type="none" w="med" len="med"/>
+                    </a:lnL>
+                  </a:tcPr>
+                </a:tc>
+                <a:tc>
+                  <a:txBody>
+                    <a:bodyPr/>
+                    <a:lstStyle/>
+                    <a:p>
+                      <a:pPr algn="ctr"/>
+                      <a:r>
+                        <a:rPr lang="en-US" dirty="0"/>
+                        <a:t>29.80</a:t>
+                      </a:r>
+                    </a:p>
+                  </a:txBody>
+                  <a:tcPr/>
+                </a:tc>
+                <a:tc>
+                  <a:txBody>
+                    <a:bodyPr/>
+                    <a:lstStyle/>
+                    <a:p>
+                      <a:pPr algn="ctr"/>
+                      <a:r>
+                        <a:rPr lang="en-US" dirty="0"/>
+                        <a:t>29.98</a:t>
+                      </a:r>
+                    </a:p>
+                  </a:txBody>
+                  <a:tcPr/>
+                </a:tc>
+                <a:tc>
+                  <a:txBody>
+                    <a:bodyPr/>
+                    <a:lstStyle/>
+                    <a:p>
+                      <a:pPr algn="ctr"/>
+                      <a:r>
+                        <a:rPr lang="en-US" dirty="0"/>
+                        <a:t>17.11</a:t>
+                      </a:r>
+                    </a:p>
+                  </a:txBody>
+                  <a:tcPr/>
+                </a:tc>
+                <a:extLst>
+                  <a:ext uri="{0D108BD9-81ED-4DB2-BD59-A6C34878D82A}">
+                    <a16:rowId xmlns:a16="http://schemas.microsoft.com/office/drawing/2014/main" val="2221490258"/>
+                  </a:ext>
+                </a:extLst>
+              </a:tr>
+            </a:tbl>
+          </a:graphicData>
+        </a:graphic>
+      </p:graphicFrame>
+      <p:sp>
+        <p:nvSpPr>
+          <p:cNvPr id="9" name="Content Placeholder 2">
+            <a:extLst>
+              <a:ext uri="{FF2B5EF4-FFF2-40B4-BE49-F238E27FC236}">
+                <a16:creationId xmlns:a16="http://schemas.microsoft.com/office/drawing/2014/main" id="{3E60BFA5-7F06-6594-8755-88C0810F2789}"/>
+              </a:ext>
+            </a:extLst>
+          </p:cNvPr>
+          <p:cNvSpPr txBox="1">
+            <a:spLocks/>
+          </p:cNvSpPr>
+          <p:nvPr/>
+        </p:nvSpPr>
+        <p:spPr>
+          <a:xfrm>
+            <a:off x="9052560" y="1790699"/>
+            <a:ext cx="2936240" cy="3978275"/>
+          </a:xfrm>
+          <a:prstGeom prst="rect">
+            <a:avLst/>
+          </a:prstGeom>
+        </p:spPr>
+        <p:txBody>
+          <a:bodyPr vert="horz" lIns="0" tIns="0" rIns="0" bIns="0" rtlCol="0" anchor="t" anchorCtr="0">
+            <a:normAutofit/>
+          </a:bodyPr>
+          <a:lstStyle>
+            <a:lvl1pPr marL="360000" indent="-360000" algn="l" defTabSz="914400" rtl="0" eaLnBrk="1" latinLnBrk="0" hangingPunct="1">
+              <a:lnSpc>
+                <a:spcPct val="125000"/>
+              </a:lnSpc>
+              <a:spcBef>
+                <a:spcPts val="1000"/>
+              </a:spcBef>
+              <a:buClr>
+                <a:schemeClr val="accent1">
+                  <a:lumMod val="60000"/>
+                  <a:lumOff val="40000"/>
+                </a:schemeClr>
+              </a:buClr>
+              <a:buFont typeface="Wingdings" panose="05000000000000000000" pitchFamily="2" charset="2"/>
+              <a:buChar char=""/>
+              <a:defRPr sz="2000" kern="1200">
+                <a:solidFill>
+                  <a:schemeClr val="tx1">
+                    <a:alpha val="70000"/>
+                  </a:schemeClr>
+                </a:solidFill>
+                <a:latin typeface="+mn-lt"/>
+                <a:ea typeface="+mn-ea"/>
+                <a:cs typeface="+mn-cs"/>
+              </a:defRPr>
+            </a:lvl1pPr>
+            <a:lvl2pPr marL="360000" indent="0" algn="l" defTabSz="914400" rtl="0" eaLnBrk="1" latinLnBrk="0" hangingPunct="1">
+              <a:lnSpc>
+                <a:spcPct val="125000"/>
+              </a:lnSpc>
+              <a:spcBef>
+                <a:spcPts val="500"/>
+              </a:spcBef>
+              <a:buClr>
+                <a:schemeClr val="accent1">
+                  <a:lumMod val="60000"/>
+                  <a:lumOff val="40000"/>
+                </a:schemeClr>
+              </a:buClr>
+              <a:buFontTx/>
+              <a:buNone/>
+              <a:defRPr sz="2000" i="1" kern="1200">
+                <a:solidFill>
+                  <a:schemeClr val="tx1">
+                    <a:alpha val="70000"/>
+                  </a:schemeClr>
+                </a:solidFill>
+                <a:latin typeface="+mn-lt"/>
+                <a:ea typeface="+mn-ea"/>
+                <a:cs typeface="+mn-cs"/>
+              </a:defRPr>
+            </a:lvl2pPr>
+            <a:lvl3pPr marL="1080000" indent="-360000" algn="l" defTabSz="914400" rtl="0" eaLnBrk="1" latinLnBrk="0" hangingPunct="1">
+              <a:lnSpc>
+                <a:spcPct val="125000"/>
+              </a:lnSpc>
+              <a:spcBef>
+                <a:spcPts val="500"/>
+              </a:spcBef>
+              <a:buClr>
+                <a:schemeClr val="accent1">
+                  <a:lumMod val="60000"/>
+                  <a:lumOff val="40000"/>
+                </a:schemeClr>
+              </a:buClr>
+              <a:buFont typeface="Wingdings" panose="05000000000000000000" pitchFamily="2" charset="2"/>
+              <a:buChar char=""/>
+              <a:defRPr sz="2000" kern="1200">
+                <a:solidFill>
+                  <a:schemeClr val="tx1">
+                    <a:alpha val="70000"/>
+                  </a:schemeClr>
+                </a:solidFill>
+                <a:latin typeface="+mn-lt"/>
+                <a:ea typeface="+mn-ea"/>
+                <a:cs typeface="+mn-cs"/>
+              </a:defRPr>
+            </a:lvl3pPr>
+            <a:lvl4pPr marL="1080000" indent="0" algn="l" defTabSz="914400" rtl="0" eaLnBrk="1" latinLnBrk="0" hangingPunct="1">
+              <a:lnSpc>
+                <a:spcPct val="125000"/>
+              </a:lnSpc>
+              <a:spcBef>
+                <a:spcPts val="500"/>
+              </a:spcBef>
+              <a:buClr>
+                <a:schemeClr val="accent1">
+                  <a:lumMod val="60000"/>
+                  <a:lumOff val="40000"/>
+                </a:schemeClr>
+              </a:buClr>
+              <a:buFontTx/>
+              <a:buNone/>
+              <a:defRPr sz="2000" i="1" kern="1200">
+                <a:solidFill>
+                  <a:schemeClr val="tx1">
+                    <a:alpha val="70000"/>
+                  </a:schemeClr>
+                </a:solidFill>
+                <a:latin typeface="+mn-lt"/>
+                <a:ea typeface="+mn-ea"/>
+                <a:cs typeface="+mn-cs"/>
+              </a:defRPr>
+            </a:lvl4pPr>
+            <a:lvl5pPr marL="1800000" indent="-360000" algn="l" defTabSz="914400" rtl="0" eaLnBrk="1" latinLnBrk="0" hangingPunct="1">
+              <a:lnSpc>
+                <a:spcPct val="125000"/>
+              </a:lnSpc>
+              <a:spcBef>
+                <a:spcPts val="500"/>
+              </a:spcBef>
+              <a:buClr>
+                <a:schemeClr val="accent1">
+                  <a:lumMod val="60000"/>
+                  <a:lumOff val="40000"/>
+                </a:schemeClr>
+              </a:buClr>
+              <a:buFont typeface="Wingdings" panose="05000000000000000000" pitchFamily="2" charset="2"/>
+              <a:buChar char=""/>
+              <a:defRPr sz="2000" kern="1200">
+                <a:solidFill>
+                  <a:schemeClr val="tx1">
+                    <a:alpha val="70000"/>
+                  </a:schemeClr>
+                </a:solidFill>
+                <a:latin typeface="+mn-lt"/>
+                <a:ea typeface="+mn-ea"/>
+                <a:cs typeface="+mn-cs"/>
+              </a:defRPr>
+            </a:lvl5pPr>
+            <a:lvl6pPr marL="2514600" indent="-228600" algn="l" defTabSz="914400" rtl="0" eaLnBrk="1" latinLnBrk="0" hangingPunct="1">
+              <a:lnSpc>
+                <a:spcPct val="90000"/>
+              </a:lnSpc>
+              <a:spcBef>
+                <a:spcPts val="500"/>
+              </a:spcBef>
+              <a:buFont typeface="Arial" panose="020B0604020202020204" pitchFamily="34" charset="0"/>
+              <a:buChar char="•"/>
+              <a:defRPr sz="1800" kern="1200">
+                <a:solidFill>
+                  <a:schemeClr val="tx1"/>
+                </a:solidFill>
+                <a:latin typeface="+mn-lt"/>
+                <a:ea typeface="+mn-ea"/>
+                <a:cs typeface="+mn-cs"/>
+              </a:defRPr>
+            </a:lvl6pPr>
+            <a:lvl7pPr marL="2971800" indent="-228600" algn="l" defTabSz="914400" rtl="0" eaLnBrk="1" latinLnBrk="0" hangingPunct="1">
+              <a:lnSpc>
+                <a:spcPct val="90000"/>
+              </a:lnSpc>
+              <a:spcBef>
+                <a:spcPts val="500"/>
+              </a:spcBef>
+              <a:buFont typeface="Arial" panose="020B0604020202020204" pitchFamily="34" charset="0"/>
+              <a:buChar char="•"/>
+              <a:defRPr sz="1800" kern="1200">
+                <a:solidFill>
+                  <a:schemeClr val="tx1"/>
+                </a:solidFill>
+                <a:latin typeface="+mn-lt"/>
+                <a:ea typeface="+mn-ea"/>
+                <a:cs typeface="+mn-cs"/>
+              </a:defRPr>
+            </a:lvl7pPr>
+            <a:lvl8pPr marL="3429000" indent="-228600" algn="l" defTabSz="914400" rtl="0" eaLnBrk="1" latinLnBrk="0" hangingPunct="1">
+              <a:lnSpc>
+                <a:spcPct val="90000"/>
+              </a:lnSpc>
+              <a:spcBef>
+                <a:spcPts val="500"/>
+              </a:spcBef>
+              <a:buFont typeface="Arial" panose="020B0604020202020204" pitchFamily="34" charset="0"/>
+              <a:buChar char="•"/>
+              <a:defRPr sz="1800" kern="1200">
+                <a:solidFill>
+                  <a:schemeClr val="tx1"/>
+                </a:solidFill>
+                <a:latin typeface="+mn-lt"/>
+                <a:ea typeface="+mn-ea"/>
+                <a:cs typeface="+mn-cs"/>
+              </a:defRPr>
+            </a:lvl8pPr>
+            <a:lvl9pPr marL="3886200" indent="-228600" algn="l" defTabSz="914400" rtl="0" eaLnBrk="1" latinLnBrk="0" hangingPunct="1">
+              <a:lnSpc>
+                <a:spcPct val="90000"/>
+              </a:lnSpc>
+              <a:spcBef>
+                <a:spcPts val="500"/>
+              </a:spcBef>
+              <a:buFont typeface="Arial" panose="020B0604020202020204" pitchFamily="34" charset="0"/>
+              <a:buChar char="•"/>
+              <a:defRPr sz="1800" kern="1200">
+                <a:solidFill>
+                  <a:schemeClr val="tx1"/>
+                </a:solidFill>
+                <a:latin typeface="+mn-lt"/>
+                <a:ea typeface="+mn-ea"/>
+                <a:cs typeface="+mn-cs"/>
+              </a:defRPr>
+            </a:lvl9pPr>
+          </a:lstStyle>
+          <a:p>
+            <a:pPr marL="0" indent="0">
+              <a:buNone/>
+            </a:pPr>
+            <a:r>
+              <a:rPr lang="en-US" dirty="0"/>
+              <a:t>I decided that although I wasn’t interested in the interarrival rate of the system to run my simulation with two additional variations on the interarrival rate to confirm my thinking that its impact was negligible </a:t>
+            </a:r>
+          </a:p>
+          <a:p>
+            <a:pPr marL="0" indent="0">
+              <a:buNone/>
+            </a:pPr>
+            <a:endParaRPr lang="en-US" dirty="0"/>
+          </a:p>
+        </p:txBody>
+      </p:sp>
+    </p:spTree>
+    <p:extLst>
+      <p:ext uri="{BB962C8B-B14F-4D97-AF65-F5344CB8AC3E}">
+        <p14:creationId xmlns:p14="http://schemas.microsoft.com/office/powerpoint/2010/main" val="1122232314"/>
       </p:ext>
     </p:extLst>
   </p:cSld>
